--- a/php-fw5/lesson5.pptx
+++ b/php-fw5/lesson5.pptx
@@ -5,10 +5,10 @@
     <p:sldMasterId id="2147484302" r:id="rId1"/>
   </p:sldMasterIdLst>
   <p:notesMasterIdLst>
-    <p:notesMasterId r:id="rId24"/>
+    <p:notesMasterId r:id="rId25"/>
   </p:notesMasterIdLst>
   <p:handoutMasterIdLst>
-    <p:handoutMasterId r:id="rId25"/>
+    <p:handoutMasterId r:id="rId26"/>
   </p:handoutMasterIdLst>
   <p:sldIdLst>
     <p:sldId id="256" r:id="rId2"/>
@@ -23,16 +23,17 @@
     <p:sldId id="460" r:id="rId11"/>
     <p:sldId id="461" r:id="rId12"/>
     <p:sldId id="462" r:id="rId13"/>
-    <p:sldId id="463" r:id="rId14"/>
-    <p:sldId id="464" r:id="rId15"/>
-    <p:sldId id="465" r:id="rId16"/>
-    <p:sldId id="466" r:id="rId17"/>
-    <p:sldId id="467" r:id="rId18"/>
-    <p:sldId id="468" r:id="rId19"/>
-    <p:sldId id="469" r:id="rId20"/>
-    <p:sldId id="470" r:id="rId21"/>
-    <p:sldId id="471" r:id="rId22"/>
-    <p:sldId id="398" r:id="rId23"/>
+    <p:sldId id="472" r:id="rId14"/>
+    <p:sldId id="463" r:id="rId15"/>
+    <p:sldId id="464" r:id="rId16"/>
+    <p:sldId id="465" r:id="rId17"/>
+    <p:sldId id="466" r:id="rId18"/>
+    <p:sldId id="467" r:id="rId19"/>
+    <p:sldId id="468" r:id="rId20"/>
+    <p:sldId id="469" r:id="rId21"/>
+    <p:sldId id="470" r:id="rId22"/>
+    <p:sldId id="471" r:id="rId23"/>
+    <p:sldId id="398" r:id="rId24"/>
   </p:sldIdLst>
   <p:sldSz cx="9144000" cy="6858000" type="screen4x3"/>
   <p:notesSz cx="6858000" cy="9144000"/>
@@ -163,7 +164,7 @@
   </p:defaultTextStyle>
   <p:extLst>
     <p:ext uri="{EFAFB233-063F-42B5-8137-9DF3F51BA10A}">
-      <p15:sldGuideLst xmlns:p15="http://schemas.microsoft.com/office/powerpoint/2012/main">
+      <p15:sldGuideLst xmlns:p15="http://schemas.microsoft.com/office/powerpoint/2012/main" xmlns="">
         <p15:guide id="1" orient="horz" pos="2160">
           <p15:clr>
             <a:srgbClr val="A4A3A4"/>
@@ -177,7 +178,7 @@
       </p15:sldGuideLst>
     </p:ext>
     <p:ext uri="{2D200454-40CA-4A62-9FC3-DE9A4176ACB9}">
-      <p15:notesGuideLst xmlns:p15="http://schemas.microsoft.com/office/powerpoint/2012/main">
+      <p15:notesGuideLst xmlns:p15="http://schemas.microsoft.com/office/powerpoint/2012/main" xmlns="">
         <p15:guide id="1" orient="horz" pos="2880">
           <p15:clr>
             <a:srgbClr val="A4A3A4"/>
@@ -1183,272 +1184,6 @@
       <dsp:cNvGrpSpPr/>
     </dsp:nvGrpSpPr>
     <dsp:grpSpPr/>
-    <dsp:sp modelId="{AE7A25BF-05BE-4294-8C78-B343A39F5802}">
-      <dsp:nvSpPr>
-        <dsp:cNvPr id="0" name=""/>
-        <dsp:cNvSpPr/>
-      </dsp:nvSpPr>
-      <dsp:spPr>
-        <a:xfrm>
-          <a:off x="2197324" y="2366462"/>
-          <a:ext cx="723615" cy="67675"/>
-        </a:xfrm>
-        <a:custGeom>
-          <a:avLst/>
-          <a:gdLst/>
-          <a:ahLst/>
-          <a:cxnLst/>
-          <a:rect l="0" t="0" r="0" b="0"/>
-          <a:pathLst>
-            <a:path>
-              <a:moveTo>
-                <a:pt x="0" y="33837"/>
-              </a:moveTo>
-              <a:lnTo>
-                <a:pt x="723615" y="33837"/>
-              </a:lnTo>
-            </a:path>
-          </a:pathLst>
-        </a:custGeom>
-        <a:noFill/>
-        <a:ln w="15875" cap="rnd" cmpd="sng" algn="ctr">
-          <a:solidFill>
-            <a:schemeClr val="accent1">
-              <a:shade val="60000"/>
-              <a:hueOff val="0"/>
-              <a:satOff val="0"/>
-              <a:lumOff val="0"/>
-              <a:alphaOff val="0"/>
-            </a:schemeClr>
-          </a:solidFill>
-          <a:prstDash val="solid"/>
-        </a:ln>
-        <a:effectLst/>
-      </dsp:spPr>
-      <dsp:style>
-        <a:lnRef idx="2">
-          <a:scrgbClr r="0" g="0" b="0"/>
-        </a:lnRef>
-        <a:fillRef idx="0">
-          <a:scrgbClr r="0" g="0" b="0"/>
-        </a:fillRef>
-        <a:effectRef idx="0">
-          <a:scrgbClr r="0" g="0" b="0"/>
-        </a:effectRef>
-        <a:fontRef idx="minor"/>
-      </dsp:style>
-    </dsp:sp>
-    <dsp:sp modelId="{2BB2BAC1-C69B-4113-B310-76512E564906}">
-      <dsp:nvSpPr>
-        <dsp:cNvPr id="0" name=""/>
-        <dsp:cNvSpPr/>
-      </dsp:nvSpPr>
-      <dsp:spPr>
-        <a:xfrm>
-          <a:off x="359606" y="1549435"/>
-          <a:ext cx="1701729" cy="1701729"/>
-        </a:xfrm>
-        <a:prstGeom prst="ellipse">
-          <a:avLst/>
-        </a:prstGeom>
-        <a:blipFill>
-          <a:blip xmlns:r="http://schemas.openxmlformats.org/officeDocument/2006/relationships" r:embed="rId1">
-            <a:extLst>
-              <a:ext uri="{28A0092B-C50C-407E-A947-70E740481C1C}">
-                <a14:useLocalDpi xmlns:a14="http://schemas.microsoft.com/office/drawing/2010/main" val="0"/>
-              </a:ext>
-            </a:extLst>
-          </a:blip>
-          <a:srcRect/>
-          <a:stretch>
-            <a:fillRect l="-4000" r="-4000"/>
-          </a:stretch>
-        </a:blipFill>
-        <a:ln w="76200" cap="rnd" cmpd="sng" algn="ctr">
-          <a:solidFill>
-            <a:schemeClr val="accent3"/>
-          </a:solidFill>
-          <a:prstDash val="solid"/>
-        </a:ln>
-        <a:effectLst/>
-      </dsp:spPr>
-      <dsp:style>
-        <a:lnRef idx="2">
-          <a:scrgbClr r="0" g="0" b="0"/>
-        </a:lnRef>
-        <a:fillRef idx="1">
-          <a:scrgbClr r="0" g="0" b="0"/>
-        </a:fillRef>
-        <a:effectRef idx="0">
-          <a:scrgbClr r="0" g="0" b="0"/>
-        </a:effectRef>
-        <a:fontRef idx="minor">
-          <a:schemeClr val="lt1"/>
-        </a:fontRef>
-      </dsp:style>
-    </dsp:sp>
-    <dsp:sp modelId="{41924F06-34CF-46EC-8297-73C28D89DAED}">
-      <dsp:nvSpPr>
-        <dsp:cNvPr id="0" name=""/>
-        <dsp:cNvSpPr/>
-      </dsp:nvSpPr>
-      <dsp:spPr>
-        <a:xfrm>
-          <a:off x="2920940" y="1883293"/>
-          <a:ext cx="1656745" cy="1034013"/>
-        </a:xfrm>
-        <a:prstGeom prst="ellipse">
-          <a:avLst/>
-        </a:prstGeom>
-        <a:gradFill rotWithShape="1">
-          <a:gsLst>
-            <a:gs pos="0">
-              <a:schemeClr val="accent1">
-                <a:tint val="96000"/>
-                <a:lumMod val="102000"/>
-              </a:schemeClr>
-            </a:gs>
-            <a:gs pos="100000">
-              <a:schemeClr val="accent1">
-                <a:shade val="88000"/>
-                <a:lumMod val="94000"/>
-              </a:schemeClr>
-            </a:gs>
-          </a:gsLst>
-          <a:path path="circle">
-            <a:fillToRect l="50000" t="100000" r="100000" b="50000"/>
-          </a:path>
-        </a:gradFill>
-        <a:ln>
-          <a:noFill/>
-        </a:ln>
-        <a:effectLst>
-          <a:outerShdw blurRad="38100" dist="25400" dir="5400000" rotWithShape="0">
-            <a:srgbClr val="000000">
-              <a:alpha val="64000"/>
-            </a:srgbClr>
-          </a:outerShdw>
-        </a:effectLst>
-        <a:scene3d>
-          <a:camera prst="orthographicFront">
-            <a:rot lat="0" lon="0" rev="0"/>
-          </a:camera>
-          <a:lightRig rig="threePt" dir="tl">
-            <a:rot lat="0" lon="0" rev="1200000"/>
-          </a:lightRig>
-        </a:scene3d>
-        <a:sp3d>
-          <a:bevelT w="25400" h="12700"/>
-        </a:sp3d>
-      </dsp:spPr>
-      <dsp:style>
-        <a:lnRef idx="0">
-          <a:schemeClr val="accent1"/>
-        </a:lnRef>
-        <a:fillRef idx="3">
-          <a:schemeClr val="accent1"/>
-        </a:fillRef>
-        <a:effectRef idx="3">
-          <a:schemeClr val="accent1"/>
-        </a:effectRef>
-        <a:fontRef idx="minor">
-          <a:schemeClr val="lt1"/>
-        </a:fontRef>
-      </dsp:style>
-      <dsp:txBody>
-        <a:bodyPr spcFirstLastPara="0" vert="horz" wrap="square" lIns="11430" tIns="11430" rIns="11430" bIns="11430" numCol="1" spcCol="1270" anchor="ctr" anchorCtr="0">
-          <a:noAutofit/>
-        </a:bodyPr>
-        <a:lstStyle/>
-        <a:p>
-          <a:pPr lvl="0" algn="ctr" defTabSz="800100">
-            <a:lnSpc>
-              <a:spcPct val="90000"/>
-            </a:lnSpc>
-            <a:spcBef>
-              <a:spcPct val="0"/>
-            </a:spcBef>
-            <a:spcAft>
-              <a:spcPct val="35000"/>
-            </a:spcAft>
-          </a:pPr>
-          <a:r>
-            <a:rPr lang="en-US" sz="1800" kern="1200" dirty="0" err="1" smtClean="0">
-              <a:solidFill>
-                <a:schemeClr val="bg1"/>
-              </a:solidFill>
-            </a:rPr>
-            <a:t>require.php</a:t>
-          </a:r>
-          <a:endParaRPr lang="en-US" sz="1800" kern="1200" dirty="0"/>
-        </a:p>
-      </dsp:txBody>
-      <dsp:txXfrm>
-        <a:off x="3163565" y="2034721"/>
-        <a:ext cx="1171495" cy="731157"/>
-      </dsp:txXfrm>
-    </dsp:sp>
-    <dsp:sp modelId="{88193733-95DC-44E5-9984-B3499F1799D0}">
-      <dsp:nvSpPr>
-        <dsp:cNvPr id="0" name=""/>
-        <dsp:cNvSpPr/>
-      </dsp:nvSpPr>
-      <dsp:spPr>
-        <a:xfrm>
-          <a:off x="4790613" y="1883293"/>
-          <a:ext cx="2485118" cy="1034013"/>
-        </a:xfrm>
-        <a:prstGeom prst="rect">
-          <a:avLst/>
-        </a:prstGeom>
-        <a:noFill/>
-        <a:ln>
-          <a:noFill/>
-        </a:ln>
-        <a:effectLst/>
-      </dsp:spPr>
-      <dsp:style>
-        <a:lnRef idx="0">
-          <a:scrgbClr r="0" g="0" b="0"/>
-        </a:lnRef>
-        <a:fillRef idx="0">
-          <a:scrgbClr r="0" g="0" b="0"/>
-        </a:fillRef>
-        <a:effectRef idx="0">
-          <a:scrgbClr r="0" g="0" b="0"/>
-        </a:effectRef>
-        <a:fontRef idx="minor"/>
-      </dsp:style>
-      <dsp:txBody>
-        <a:bodyPr spcFirstLastPara="0" vert="horz" wrap="square" lIns="0" tIns="0" rIns="0" bIns="0" numCol="1" spcCol="1270" anchor="ctr" anchorCtr="0">
-          <a:noAutofit/>
-        </a:bodyPr>
-        <a:lstStyle/>
-        <a:p>
-          <a:pPr marL="285750" lvl="1" indent="-285750" algn="l" defTabSz="1733550">
-            <a:lnSpc>
-              <a:spcPct val="90000"/>
-            </a:lnSpc>
-            <a:spcBef>
-              <a:spcPct val="0"/>
-            </a:spcBef>
-            <a:spcAft>
-              <a:spcPct val="15000"/>
-            </a:spcAft>
-            <a:buChar char="••"/>
-          </a:pPr>
-          <a:r>
-            <a:rPr lang="en-US" sz="3900" kern="1200" dirty="0" smtClean="0"/>
-            <a:t>require.inc</a:t>
-          </a:r>
-          <a:endParaRPr lang="en-US" sz="3900" kern="1200" dirty="0"/>
-        </a:p>
-      </dsp:txBody>
-      <dsp:txXfrm>
-        <a:off x="4790613" y="1883293"/>
-        <a:ext cx="2485118" cy="1034013"/>
-      </dsp:txXfrm>
-    </dsp:sp>
   </dsp:spTree>
 </dsp:drawing>
 </file>
@@ -3057,6 +2792,11 @@
         </p:txBody>
       </p:sp>
     </p:spTree>
+    <p:extLst>
+      <p:ext uri="{BB962C8B-B14F-4D97-AF65-F5344CB8AC3E}">
+        <p14:creationId xmlns:p14="http://schemas.microsoft.com/office/powerpoint/2010/main" val="2096657132"/>
+      </p:ext>
+    </p:extLst>
   </p:cSld>
   <p:clrMap bg1="lt1" tx1="dk1" bg2="lt2" tx2="dk2" accent1="accent1" accent2="accent2" accent3="accent3" accent4="accent4" accent5="accent5" accent6="accent6" hlink="hlink" folHlink="folHlink"/>
 </p:handoutMaster>
@@ -3219,7 +2959,7 @@
               </a14:hiddenFill>
             </a:ext>
             <a:ext uri="{FAA26D3D-D897-4be2-8F04-BA451C77F1D7}">
-              <ma14:placeholderFlag xmlns:ma14="http://schemas.microsoft.com/office/mac/drawingml/2011/main" val="1"/>
+              <ma14:placeholderFlag xmlns:ma14="http://schemas.microsoft.com/office/mac/drawingml/2011/main" xmlns="" val="1"/>
             </a:ext>
           </a:extLst>
         </p:spPr>
@@ -3399,6 +3139,11 @@
         </p:txBody>
       </p:sp>
     </p:spTree>
+    <p:extLst>
+      <p:ext uri="{BB962C8B-B14F-4D97-AF65-F5344CB8AC3E}">
+        <p14:creationId xmlns:p14="http://schemas.microsoft.com/office/powerpoint/2010/main" val="219230843"/>
+      </p:ext>
+    </p:extLst>
   </p:cSld>
   <p:clrMap bg1="lt1" tx1="dk1" bg2="lt2" tx2="dk2" accent1="accent1" accent2="accent2" accent3="accent3" accent4="accent4" accent5="accent5" accent6="accent6" hlink="hlink" folHlink="folHlink"/>
   <p:notesStyle>
@@ -3756,7 +3501,7 @@
               </a14:hiddenLine>
             </a:ext>
             <a:ext uri="{FAA26D3D-D897-4be2-8F04-BA451C77F1D7}">
-              <ma14:placeholderFlag xmlns:ma14="http://schemas.microsoft.com/office/mac/drawingml/2011/main" val="1"/>
+              <ma14:placeholderFlag xmlns:ma14="http://schemas.microsoft.com/office/mac/drawingml/2011/main" xmlns="" val="1"/>
             </a:ext>
           </a:extLst>
         </p:spPr>
@@ -4160,7 +3905,7 @@
             <a:fld id="{FDA4CBAF-7D65-4830-9C9A-5D04B36DDFFE}" type="slidenum">
               <a:rPr lang="zh-TW" altLang="en-US" sz="1200" smtClean="0"/>
               <a:pPr/>
-              <a:t>13</a:t>
+              <a:t>14</a:t>
             </a:fld>
             <a:endParaRPr lang="en-US" altLang="zh-TW" sz="1200" smtClean="0"/>
           </a:p>
@@ -4390,7 +4135,7 @@
             <a:fld id="{8CDD3B90-DC1C-4BA1-A1E6-25DED54A6220}" type="slidenum">
               <a:rPr lang="zh-TW" altLang="en-US" sz="1200" smtClean="0"/>
               <a:pPr/>
-              <a:t>14</a:t>
+              <a:t>15</a:t>
             </a:fld>
             <a:endParaRPr lang="en-US" altLang="zh-TW" sz="1200" smtClean="0"/>
           </a:p>
@@ -4620,7 +4365,7 @@
             <a:fld id="{DFF70C03-30AD-4535-9163-8F4E03D2321B}" type="slidenum">
               <a:rPr lang="zh-TW" altLang="en-US" sz="1200" smtClean="0"/>
               <a:pPr/>
-              <a:t>15</a:t>
+              <a:t>16</a:t>
             </a:fld>
             <a:endParaRPr lang="en-US" altLang="zh-TW" sz="1200" smtClean="0"/>
           </a:p>
@@ -4850,7 +4595,7 @@
             <a:fld id="{9209CEF1-FBDE-4610-B558-6D9E356B01C7}" type="slidenum">
               <a:rPr lang="zh-TW" altLang="en-US" sz="1200" smtClean="0"/>
               <a:pPr/>
-              <a:t>16</a:t>
+              <a:t>17</a:t>
             </a:fld>
             <a:endParaRPr lang="en-US" altLang="zh-TW" sz="1200" smtClean="0"/>
           </a:p>
@@ -5080,7 +4825,7 @@
             <a:fld id="{446D90E4-3FBF-4917-82CE-F44C7C7AC77B}" type="slidenum">
               <a:rPr lang="zh-TW" altLang="en-US" sz="1200" smtClean="0"/>
               <a:pPr/>
-              <a:t>17</a:t>
+              <a:t>18</a:t>
             </a:fld>
             <a:endParaRPr lang="en-US" altLang="zh-TW" sz="1200" smtClean="0"/>
           </a:p>
@@ -5310,7 +5055,7 @@
             <a:fld id="{14D305C4-E85A-4E4B-974E-1177D61F5ACE}" type="slidenum">
               <a:rPr lang="zh-TW" altLang="en-US" sz="1200" smtClean="0"/>
               <a:pPr/>
-              <a:t>18</a:t>
+              <a:t>19</a:t>
             </a:fld>
             <a:endParaRPr lang="en-US" altLang="zh-TW" sz="1200" smtClean="0"/>
           </a:p>
@@ -5540,7 +5285,7 @@
             <a:fld id="{B8D8D494-3F01-4E4D-A445-95D2324D4F77}" type="slidenum">
               <a:rPr lang="zh-TW" altLang="en-US" sz="1200" smtClean="0"/>
               <a:pPr/>
-              <a:t>19</a:t>
+              <a:t>20</a:t>
             </a:fld>
             <a:endParaRPr lang="en-US" altLang="zh-TW" sz="1200" smtClean="0"/>
           </a:p>
@@ -5770,7 +5515,7 @@
             <a:fld id="{26F43EBF-5C12-4160-AFBE-BD92368EC4B7}" type="slidenum">
               <a:rPr lang="zh-TW" altLang="en-US" sz="1200" smtClean="0"/>
               <a:pPr/>
-              <a:t>20</a:t>
+              <a:t>21</a:t>
             </a:fld>
             <a:endParaRPr lang="en-US" altLang="zh-TW" sz="1200" smtClean="0"/>
           </a:p>
@@ -6024,7 +5769,7 @@
                   <a:spcPct val="0"/>
                 </a:spcBef>
               </a:pPr>
-              <a:t>22</a:t>
+              <a:t>23</a:t>
             </a:fld>
             <a:endParaRPr kumimoji="0" lang="en-US" altLang="zh-TW"/>
           </a:p>
@@ -6076,7 +5821,7 @@
               </a14:hiddenLine>
             </a:ext>
             <a:ext uri="{FAA26D3D-D897-4be2-8F04-BA451C77F1D7}">
-              <ma14:placeholderFlag xmlns:ma14="http://schemas.microsoft.com/office/mac/drawingml/2011/main" val="1"/>
+              <ma14:placeholderFlag xmlns:ma14="http://schemas.microsoft.com/office/mac/drawingml/2011/main" xmlns="" val="1"/>
             </a:ext>
           </a:extLst>
         </p:spPr>
@@ -14010,7 +13755,7 @@
               </a14:hiddenLine>
             </a:ext>
             <a:ext uri="{FAA26D3D-D897-4be2-8F04-BA451C77F1D7}">
-              <ma14:placeholderFlag xmlns:ma14="http://schemas.microsoft.com/office/mac/drawingml/2011/main" val="1"/>
+              <ma14:placeholderFlag xmlns:ma14="http://schemas.microsoft.com/office/mac/drawingml/2011/main" xmlns="" val="1"/>
             </a:ext>
           </a:extLst>
         </p:spPr>
@@ -14071,7 +13816,7 @@
               </a14:hiddenLine>
             </a:ext>
             <a:ext uri="{FAA26D3D-D897-4be2-8F04-BA451C77F1D7}">
-              <ma14:placeholderFlag xmlns:ma14="http://schemas.microsoft.com/office/mac/drawingml/2011/main" val="1"/>
+              <ma14:placeholderFlag xmlns:ma14="http://schemas.microsoft.com/office/mac/drawingml/2011/main" xmlns="" val="1"/>
             </a:ext>
           </a:extLst>
         </p:spPr>
@@ -14762,13 +14507,8 @@
           <a:p>
             <a:r>
               <a:rPr lang="en-US" altLang="zh-TW" dirty="0"/>
-              <a:t>Lesson </a:t>
-            </a:r>
-            <a:r>
-              <a:rPr lang="en-US" altLang="zh-TW" dirty="0"/>
-              <a:t>5</a:t>
-            </a:r>
-            <a:endParaRPr lang="en-US" altLang="zh-TW" dirty="0"/>
+              <a:t>Lesson 5</a:t>
+            </a:r>
           </a:p>
           <a:p>
             <a:r>
@@ -15325,9 +15065,9 @@
       </p:grpSpPr>
       <p:sp>
         <p:nvSpPr>
-          <p:cNvPr id="180226" name="Rectangle 2"/>
-          <p:cNvSpPr>
-            <a:spLocks noGrp="1" noChangeArrowheads="1"/>
+          <p:cNvPr id="2" name="Title 1"/>
+          <p:cNvSpPr>
+            <a:spLocks noGrp="1"/>
           </p:cNvSpPr>
           <p:nvPr>
             <p:ph type="title"/>
@@ -15338,24 +15078,19 @@
           <a:bodyPr/>
           <a:lstStyle/>
           <a:p>
-            <a:pPr eaLnBrk="1" hangingPunct="1">
-              <a:defRPr/>
-            </a:pPr>
-            <a:r>
-              <a:rPr lang="en-US" altLang="zh-TW" dirty="0" smtClean="0">
-                <a:latin typeface="Times New Roman" charset="0"/>
-                <a:ea typeface="新細明體" charset="-120"/>
-              </a:rPr>
-              <a:t>Check Function</a:t>
-            </a:r>
-          </a:p>
-        </p:txBody>
-      </p:sp>
-      <p:sp>
-        <p:nvSpPr>
-          <p:cNvPr id="23555" name="Rectangle 3"/>
-          <p:cNvSpPr>
-            <a:spLocks noGrp="1" noChangeArrowheads="1"/>
+            <a:r>
+              <a:rPr lang="en-US" dirty="0" smtClean="0"/>
+              <a:t>Function example</a:t>
+            </a:r>
+            <a:endParaRPr lang="en-US" dirty="0"/>
+          </a:p>
+        </p:txBody>
+      </p:sp>
+      <p:sp>
+        <p:nvSpPr>
+          <p:cNvPr id="3" name="Content Placeholder 2"/>
+          <p:cNvSpPr>
+            <a:spLocks noGrp="1"/>
           </p:cNvSpPr>
           <p:nvPr>
             <p:ph idx="1"/>
@@ -15366,29 +15101,28 @@
           <a:bodyPr/>
           <a:lstStyle/>
           <a:p>
-            <a:pPr eaLnBrk="1" hangingPunct="1"/>
-            <a:r>
-              <a:rPr lang="en-US" altLang="zh-TW" smtClean="0">
-                <a:ea typeface="新細明體" pitchFamily="18" charset="-120"/>
-              </a:rPr>
-              <a:t>To test if a function exist, use function_exists(function_name);</a:t>
-            </a:r>
-          </a:p>
-          <a:p>
-            <a:pPr eaLnBrk="1" hangingPunct="1"/>
-            <a:r>
-              <a:rPr lang="en-US" altLang="zh-TW" smtClean="0">
-                <a:ea typeface="新細明體" pitchFamily="18" charset="-120"/>
-              </a:rPr>
-              <a:t>See function_exists.php</a:t>
-            </a:r>
+            <a:r>
+              <a:rPr lang="en-US" dirty="0"/>
+              <a:t>https://</a:t>
+            </a:r>
+            <a:r>
+              <a:rPr lang="en-US" dirty="0" smtClean="0"/>
+              <a:t>gist.github.com/eagleon/1702129</a:t>
+            </a:r>
+          </a:p>
+          <a:p>
+            <a:r>
+              <a:rPr lang="en-US" smtClean="0"/>
+              <a:t>function2b.php</a:t>
+            </a:r>
+            <a:endParaRPr lang="en-US"/>
           </a:p>
         </p:txBody>
       </p:sp>
     </p:spTree>
     <p:extLst>
       <p:ext uri="{BB962C8B-B14F-4D97-AF65-F5344CB8AC3E}">
-        <p14:creationId xmlns:p14="http://schemas.microsoft.com/office/powerpoint/2010/main" val="2126123437"/>
+        <p14:creationId xmlns:p14="http://schemas.microsoft.com/office/powerpoint/2010/main" val="4078953387"/>
       </p:ext>
     </p:extLst>
   </p:cSld>
@@ -15438,14 +15172,14 @@
                 <a:latin typeface="Times New Roman" charset="0"/>
                 <a:ea typeface="新細明體" charset="-120"/>
               </a:rPr>
-              <a:t>Object Oriented</a:t>
-            </a:r>
-          </a:p>
-        </p:txBody>
-      </p:sp>
-      <p:sp>
-        <p:nvSpPr>
-          <p:cNvPr id="24579" name="Rectangle 3"/>
+              <a:t>Check Function</a:t>
+            </a:r>
+          </a:p>
+        </p:txBody>
+      </p:sp>
+      <p:sp>
+        <p:nvSpPr>
+          <p:cNvPr id="23555" name="Rectangle 3"/>
           <p:cNvSpPr>
             <a:spLocks noGrp="1" noChangeArrowheads="1"/>
           </p:cNvSpPr>
@@ -15463,7 +15197,7 @@
               <a:rPr lang="en-US" altLang="zh-TW" smtClean="0">
                 <a:ea typeface="新細明體" pitchFamily="18" charset="-120"/>
               </a:rPr>
-              <a:t>Since we do not only want functions to be reused, we also want variables to be reused.  So we use object.</a:t>
+              <a:t>To test if a function exist, use function_exists(function_name);</a:t>
             </a:r>
           </a:p>
           <a:p>
@@ -15472,7 +15206,7 @@
               <a:rPr lang="en-US" altLang="zh-TW" smtClean="0">
                 <a:ea typeface="新細明體" pitchFamily="18" charset="-120"/>
               </a:rPr>
-              <a:t>Will be in details in next lesson/ powerpoint.</a:t>
+              <a:t>See function_exists.php</a:t>
             </a:r>
           </a:p>
         </p:txBody>
@@ -15480,7 +15214,7 @@
     </p:spTree>
     <p:extLst>
       <p:ext uri="{BB962C8B-B14F-4D97-AF65-F5344CB8AC3E}">
-        <p14:creationId xmlns:p14="http://schemas.microsoft.com/office/powerpoint/2010/main" val="477442435"/>
+        <p14:creationId xmlns:p14="http://schemas.microsoft.com/office/powerpoint/2010/main" val="2126123437"/>
       </p:ext>
     </p:extLst>
   </p:cSld>
@@ -15509,7 +15243,7 @@
       </p:grpSpPr>
       <p:sp>
         <p:nvSpPr>
-          <p:cNvPr id="201730" name="Rectangle 2"/>
+          <p:cNvPr id="180226" name="Rectangle 2"/>
           <p:cNvSpPr>
             <a:spLocks noGrp="1" noChangeArrowheads="1"/>
           </p:cNvSpPr>
@@ -15530,14 +15264,14 @@
                 <a:latin typeface="Times New Roman" charset="0"/>
                 <a:ea typeface="新細明體" charset="-120"/>
               </a:rPr>
-              <a:t>Cookie</a:t>
-            </a:r>
-          </a:p>
-        </p:txBody>
-      </p:sp>
-      <p:sp>
-        <p:nvSpPr>
-          <p:cNvPr id="35843" name="Rectangle 3"/>
+              <a:t>Object Oriented</a:t>
+            </a:r>
+          </a:p>
+        </p:txBody>
+      </p:sp>
+      <p:sp>
+        <p:nvSpPr>
+          <p:cNvPr id="24579" name="Rectangle 3"/>
           <p:cNvSpPr>
             <a:spLocks noGrp="1" noChangeArrowheads="1"/>
           </p:cNvSpPr>
@@ -15555,7 +15289,7 @@
               <a:rPr lang="en-US" altLang="zh-TW" smtClean="0">
                 <a:ea typeface="新細明體" pitchFamily="18" charset="-120"/>
               </a:rPr>
-              <a:t>Built-in PHP environment variables are in the form of arrays, eg. $_COOKIE</a:t>
+              <a:t>Since we do not only want functions to be reused, we also want variables to be reused.  So we use object.</a:t>
             </a:r>
           </a:p>
           <a:p>
@@ -15564,16 +15298,7 @@
               <a:rPr lang="en-US" altLang="zh-TW" smtClean="0">
                 <a:ea typeface="新細明體" pitchFamily="18" charset="-120"/>
               </a:rPr>
-              <a:t>Most database functions transport their info via arrays</a:t>
-            </a:r>
-          </a:p>
-          <a:p>
-            <a:pPr eaLnBrk="1" hangingPunct="1"/>
-            <a:r>
-              <a:rPr lang="en-US" altLang="zh-TW" smtClean="0">
-                <a:ea typeface="新細明體" pitchFamily="18" charset="-120"/>
-              </a:rPr>
-              <a:t>Passing entire sets of html form arguments from one page to another</a:t>
+              <a:t>Will be in details in next lesson/ powerpoint.</a:t>
             </a:r>
           </a:p>
         </p:txBody>
@@ -15581,16 +15306,13 @@
     </p:spTree>
     <p:extLst>
       <p:ext uri="{BB962C8B-B14F-4D97-AF65-F5344CB8AC3E}">
-        <p14:creationId xmlns:p14="http://schemas.microsoft.com/office/powerpoint/2010/main" val="1858834828"/>
+        <p14:creationId xmlns:p14="http://schemas.microsoft.com/office/powerpoint/2010/main" val="477442435"/>
       </p:ext>
     </p:extLst>
   </p:cSld>
   <p:clrMapOvr>
     <a:masterClrMapping/>
   </p:clrMapOvr>
-  <p:transition>
-    <p:checker/>
-  </p:transition>
 </p:sld>
 </file>
 
@@ -15613,7 +15335,7 @@
       </p:grpSpPr>
       <p:sp>
         <p:nvSpPr>
-          <p:cNvPr id="196610" name="Rectangle 2"/>
+          <p:cNvPr id="201730" name="Rectangle 2"/>
           <p:cNvSpPr>
             <a:spLocks noGrp="1" noChangeArrowheads="1"/>
           </p:cNvSpPr>
@@ -15630,18 +15352,18 @@
               <a:defRPr/>
             </a:pPr>
             <a:r>
-              <a:rPr lang="en-US" altLang="zh-TW" smtClean="0">
+              <a:rPr lang="en-US" altLang="zh-TW" dirty="0" smtClean="0">
                 <a:latin typeface="Times New Roman" charset="0"/>
                 <a:ea typeface="新細明體" charset="-120"/>
               </a:rPr>
-              <a:t>Set Cookie</a:t>
-            </a:r>
-          </a:p>
-        </p:txBody>
-      </p:sp>
-      <p:sp>
-        <p:nvSpPr>
-          <p:cNvPr id="36867" name="Rectangle 3"/>
+              <a:t>Cookie</a:t>
+            </a:r>
+          </a:p>
+        </p:txBody>
+      </p:sp>
+      <p:sp>
+        <p:nvSpPr>
+          <p:cNvPr id="35843" name="Rectangle 3"/>
           <p:cNvSpPr>
             <a:spLocks noGrp="1" noChangeArrowheads="1"/>
           </p:cNvSpPr>
@@ -15656,94 +15378,28 @@
           <a:p>
             <a:pPr eaLnBrk="1" hangingPunct="1"/>
             <a:r>
-              <a:rPr lang="en-US" altLang="zh-TW" dirty="0" err="1" smtClean="0">
+              <a:rPr lang="en-US" altLang="zh-TW" smtClean="0">
                 <a:ea typeface="新細明體" pitchFamily="18" charset="-120"/>
               </a:rPr>
-              <a:t>setcookie</a:t>
-            </a:r>
-            <a:r>
-              <a:rPr lang="en-US" altLang="zh-TW" dirty="0" smtClean="0">
+              <a:t>Built-in PHP environment variables are in the form of arrays, eg. $_COOKIE</a:t>
+            </a:r>
+          </a:p>
+          <a:p>
+            <a:pPr eaLnBrk="1" hangingPunct="1"/>
+            <a:r>
+              <a:rPr lang="en-US" altLang="zh-TW" smtClean="0">
                 <a:ea typeface="新細明體" pitchFamily="18" charset="-120"/>
               </a:rPr>
-              <a:t>(</a:t>
-            </a:r>
-            <a:r>
-              <a:rPr lang="mr-IN" altLang="zh-TW" dirty="0" smtClean="0">
+              <a:t>Most database functions transport their info via arrays</a:t>
+            </a:r>
+          </a:p>
+          <a:p>
+            <a:pPr eaLnBrk="1" hangingPunct="1"/>
+            <a:r>
+              <a:rPr lang="en-US" altLang="zh-TW" smtClean="0">
                 <a:ea typeface="新細明體" pitchFamily="18" charset="-120"/>
               </a:rPr>
-              <a:t>"</a:t>
-            </a:r>
-            <a:r>
-              <a:rPr lang="en-US" altLang="zh-TW" dirty="0" smtClean="0">
-                <a:ea typeface="新細明體" pitchFamily="18" charset="-120"/>
-              </a:rPr>
-              <a:t>name</a:t>
-            </a:r>
-            <a:r>
-              <a:rPr lang="mr-IN" altLang="zh-TW" dirty="0" smtClean="0">
-                <a:ea typeface="新細明體" pitchFamily="18" charset="-120"/>
-              </a:rPr>
-              <a:t>"</a:t>
-            </a:r>
-            <a:r>
-              <a:rPr lang="en-US" altLang="zh-TW" dirty="0" smtClean="0">
-                <a:ea typeface="新細明體" pitchFamily="18" charset="-120"/>
-              </a:rPr>
-              <a:t>, </a:t>
-            </a:r>
-            <a:r>
-              <a:rPr lang="mr-IN" altLang="zh-TW" dirty="0" smtClean="0">
-                <a:ea typeface="新細明體" pitchFamily="18" charset="-120"/>
-              </a:rPr>
-              <a:t>"</a:t>
-            </a:r>
-            <a:r>
-              <a:rPr lang="en-US" altLang="zh-TW" dirty="0" smtClean="0">
-                <a:ea typeface="新細明體" pitchFamily="18" charset="-120"/>
-              </a:rPr>
-              <a:t>value</a:t>
-            </a:r>
-            <a:r>
-              <a:rPr lang="mr-IN" altLang="zh-TW" dirty="0" smtClean="0">
-                <a:ea typeface="新細明體" pitchFamily="18" charset="-120"/>
-              </a:rPr>
-              <a:t>"</a:t>
-            </a:r>
-            <a:r>
-              <a:rPr lang="en-US" altLang="zh-TW" dirty="0" smtClean="0">
-                <a:ea typeface="新細明體" pitchFamily="18" charset="-120"/>
-              </a:rPr>
-              <a:t>, </a:t>
-            </a:r>
-            <a:r>
-              <a:rPr lang="en-US" altLang="zh-TW" dirty="0" err="1" smtClean="0">
-                <a:ea typeface="新細明體" pitchFamily="18" charset="-120"/>
-              </a:rPr>
-              <a:t>exp</a:t>
-            </a:r>
-            <a:r>
-              <a:rPr lang="en-US" altLang="zh-TW" dirty="0" smtClean="0">
-                <a:ea typeface="新細明體" pitchFamily="18" charset="-120"/>
-              </a:rPr>
-              <a:t>);</a:t>
-            </a:r>
-          </a:p>
-          <a:p>
-            <a:pPr eaLnBrk="1" hangingPunct="1"/>
-            <a:r>
-              <a:rPr lang="en-US" altLang="zh-TW" dirty="0" smtClean="0">
-                <a:ea typeface="新細明體" pitchFamily="18" charset="-120"/>
-              </a:rPr>
-              <a:t>cookie1.php</a:t>
-            </a:r>
-          </a:p>
-          <a:p>
-            <a:pPr eaLnBrk="1" hangingPunct="1"/>
-            <a:r>
-              <a:rPr lang="en-US" altLang="zh-TW" dirty="0" smtClean="0">
-                <a:ea typeface="新細明體" pitchFamily="18" charset="-120"/>
-              </a:rPr>
-              <a:t>cookie2.php</a:t>
+              <a:t>Passing entire sets of html form arguments from one page to another</a:t>
             </a:r>
           </a:p>
         </p:txBody>
@@ -15751,7 +15407,7 @@
     </p:spTree>
     <p:extLst>
       <p:ext uri="{BB962C8B-B14F-4D97-AF65-F5344CB8AC3E}">
-        <p14:creationId xmlns:p14="http://schemas.microsoft.com/office/powerpoint/2010/main" val="1714986585"/>
+        <p14:creationId xmlns:p14="http://schemas.microsoft.com/office/powerpoint/2010/main" val="1858834828"/>
       </p:ext>
     </p:extLst>
   </p:cSld>
@@ -15783,7 +15439,7 @@
       </p:grpSpPr>
       <p:sp>
         <p:nvSpPr>
-          <p:cNvPr id="206850" name="Rectangle 2"/>
+          <p:cNvPr id="196610" name="Rectangle 2"/>
           <p:cNvSpPr>
             <a:spLocks noGrp="1" noChangeArrowheads="1"/>
           </p:cNvSpPr>
@@ -15800,18 +15456,18 @@
               <a:defRPr/>
             </a:pPr>
             <a:r>
-              <a:rPr lang="en-US" altLang="zh-TW" dirty="0" smtClean="0">
+              <a:rPr lang="en-US" altLang="zh-TW" smtClean="0">
                 <a:latin typeface="Times New Roman" charset="0"/>
                 <a:ea typeface="新細明體" charset="-120"/>
               </a:rPr>
-              <a:t>Remove Cookie</a:t>
-            </a:r>
-          </a:p>
-        </p:txBody>
-      </p:sp>
-      <p:sp>
-        <p:nvSpPr>
-          <p:cNvPr id="37891" name="Rectangle 3"/>
+              <a:t>Set Cookie</a:t>
+            </a:r>
+          </a:p>
+        </p:txBody>
+      </p:sp>
+      <p:sp>
+        <p:nvSpPr>
+          <p:cNvPr id="36867" name="Rectangle 3"/>
           <p:cNvSpPr>
             <a:spLocks noGrp="1" noChangeArrowheads="1"/>
           </p:cNvSpPr>
@@ -15865,7 +15521,19 @@
               <a:rPr lang="mr-IN" altLang="zh-TW" dirty="0" smtClean="0">
                 <a:ea typeface="新細明體" pitchFamily="18" charset="-120"/>
               </a:rPr>
-              <a:t>""</a:t>
+              <a:t>"</a:t>
+            </a:r>
+            <a:r>
+              <a:rPr lang="en-US" altLang="zh-TW" dirty="0" smtClean="0">
+                <a:ea typeface="新細明體" pitchFamily="18" charset="-120"/>
+              </a:rPr>
+              <a:t>value</a:t>
+            </a:r>
+            <a:r>
+              <a:rPr lang="mr-IN" altLang="zh-TW" dirty="0" smtClean="0">
+                <a:ea typeface="新細明體" pitchFamily="18" charset="-120"/>
+              </a:rPr>
+              <a:t>"</a:t>
             </a:r>
             <a:r>
               <a:rPr lang="en-US" altLang="zh-TW" dirty="0" smtClean="0">
@@ -15874,10 +15542,16 @@
               <a:t>, </a:t>
             </a:r>
             <a:r>
+              <a:rPr lang="en-US" altLang="zh-TW" dirty="0" err="1" smtClean="0">
+                <a:ea typeface="新細明體" pitchFamily="18" charset="-120"/>
+              </a:rPr>
+              <a:t>exp</a:t>
+            </a:r>
+            <a:r>
               <a:rPr lang="en-US" altLang="zh-TW" dirty="0" smtClean="0">
                 <a:ea typeface="新細明體" pitchFamily="18" charset="-120"/>
               </a:rPr>
-              <a:t>time()-10);</a:t>
+              <a:t>);</a:t>
             </a:r>
           </a:p>
           <a:p>
@@ -15886,7 +15560,16 @@
               <a:rPr lang="en-US" altLang="zh-TW" dirty="0" smtClean="0">
                 <a:ea typeface="新細明體" pitchFamily="18" charset="-120"/>
               </a:rPr>
-              <a:t>cookieReset1.php</a:t>
+              <a:t>cookie1.php</a:t>
+            </a:r>
+          </a:p>
+          <a:p>
+            <a:pPr eaLnBrk="1" hangingPunct="1"/>
+            <a:r>
+              <a:rPr lang="en-US" altLang="zh-TW" dirty="0" smtClean="0">
+                <a:ea typeface="新細明體" pitchFamily="18" charset="-120"/>
+              </a:rPr>
+              <a:t>cookie2.php</a:t>
             </a:r>
           </a:p>
         </p:txBody>
@@ -15894,7 +15577,7 @@
     </p:spTree>
     <p:extLst>
       <p:ext uri="{BB962C8B-B14F-4D97-AF65-F5344CB8AC3E}">
-        <p14:creationId xmlns:p14="http://schemas.microsoft.com/office/powerpoint/2010/main" val="184902991"/>
+        <p14:creationId xmlns:p14="http://schemas.microsoft.com/office/powerpoint/2010/main" val="1714986585"/>
       </p:ext>
     </p:extLst>
   </p:cSld>
@@ -15947,14 +15630,14 @@
                 <a:latin typeface="Times New Roman" charset="0"/>
                 <a:ea typeface="新細明體" charset="-120"/>
               </a:rPr>
-              <a:t>Remove all Cookies</a:t>
-            </a:r>
-          </a:p>
-        </p:txBody>
-      </p:sp>
-      <p:sp>
-        <p:nvSpPr>
-          <p:cNvPr id="38915" name="Rectangle 3"/>
+              <a:t>Remove Cookie</a:t>
+            </a:r>
+          </a:p>
+        </p:txBody>
+      </p:sp>
+      <p:sp>
+        <p:nvSpPr>
+          <p:cNvPr id="37891" name="Rectangle 3"/>
           <p:cNvSpPr>
             <a:spLocks noGrp="1" noChangeArrowheads="1"/>
           </p:cNvSpPr>
@@ -15969,19 +15652,61 @@
           <a:p>
             <a:pPr eaLnBrk="1" hangingPunct="1"/>
             <a:r>
-              <a:rPr lang="en-US" altLang="zh-TW" smtClean="0">
+              <a:rPr lang="en-US" altLang="zh-TW" dirty="0" err="1" smtClean="0">
                 <a:ea typeface="新細明體" pitchFamily="18" charset="-120"/>
               </a:rPr>
-              <a:t>setcookie();</a:t>
-            </a:r>
-          </a:p>
-          <a:p>
-            <a:pPr eaLnBrk="1" hangingPunct="1"/>
-            <a:r>
-              <a:rPr lang="en-US" altLang="zh-TW" smtClean="0">
+              <a:t>setcookie</a:t>
+            </a:r>
+            <a:r>
+              <a:rPr lang="en-US" altLang="zh-TW" dirty="0" smtClean="0">
                 <a:ea typeface="新細明體" pitchFamily="18" charset="-120"/>
               </a:rPr>
-              <a:t>cookieReset2.php</a:t>
+              <a:t>(</a:t>
+            </a:r>
+            <a:r>
+              <a:rPr lang="mr-IN" altLang="zh-TW" dirty="0" smtClean="0">
+                <a:ea typeface="新細明體" pitchFamily="18" charset="-120"/>
+              </a:rPr>
+              <a:t>"</a:t>
+            </a:r>
+            <a:r>
+              <a:rPr lang="en-US" altLang="zh-TW" dirty="0" smtClean="0">
+                <a:ea typeface="新細明體" pitchFamily="18" charset="-120"/>
+              </a:rPr>
+              <a:t>name</a:t>
+            </a:r>
+            <a:r>
+              <a:rPr lang="mr-IN" altLang="zh-TW" dirty="0" smtClean="0">
+                <a:ea typeface="新細明體" pitchFamily="18" charset="-120"/>
+              </a:rPr>
+              <a:t>"</a:t>
+            </a:r>
+            <a:r>
+              <a:rPr lang="en-US" altLang="zh-TW" dirty="0" smtClean="0">
+                <a:ea typeface="新細明體" pitchFamily="18" charset="-120"/>
+              </a:rPr>
+              <a:t>, </a:t>
+            </a:r>
+            <a:r>
+              <a:rPr lang="mr-IN" altLang="zh-TW" dirty="0" smtClean="0">
+                <a:ea typeface="新細明體" pitchFamily="18" charset="-120"/>
+              </a:rPr>
+              <a:t>""</a:t>
+            </a:r>
+            <a:r>
+              <a:rPr lang="en-US" altLang="zh-TW" dirty="0" smtClean="0">
+                <a:ea typeface="新細明體" pitchFamily="18" charset="-120"/>
+              </a:rPr>
+              <a:t>, time()-10);</a:t>
+            </a:r>
+          </a:p>
+          <a:p>
+            <a:pPr eaLnBrk="1" hangingPunct="1"/>
+            <a:r>
+              <a:rPr lang="en-US" altLang="zh-TW" dirty="0" smtClean="0">
+                <a:ea typeface="新細明體" pitchFamily="18" charset="-120"/>
+              </a:rPr>
+              <a:t>cookieReset1.php</a:t>
             </a:r>
           </a:p>
         </p:txBody>
@@ -15989,7 +15714,7 @@
     </p:spTree>
     <p:extLst>
       <p:ext uri="{BB962C8B-B14F-4D97-AF65-F5344CB8AC3E}">
-        <p14:creationId xmlns:p14="http://schemas.microsoft.com/office/powerpoint/2010/main" val="981820449"/>
+        <p14:creationId xmlns:p14="http://schemas.microsoft.com/office/powerpoint/2010/main" val="184902991"/>
       </p:ext>
     </p:extLst>
   </p:cSld>
@@ -16021,7 +15746,7 @@
       </p:grpSpPr>
       <p:sp>
         <p:nvSpPr>
-          <p:cNvPr id="207874" name="Rectangle 2"/>
+          <p:cNvPr id="206850" name="Rectangle 2"/>
           <p:cNvSpPr>
             <a:spLocks noGrp="1" noChangeArrowheads="1"/>
           </p:cNvSpPr>
@@ -16038,18 +15763,18 @@
               <a:defRPr/>
             </a:pPr>
             <a:r>
-              <a:rPr lang="en-US" altLang="zh-TW" smtClean="0">
+              <a:rPr lang="en-US" altLang="zh-TW" dirty="0" smtClean="0">
                 <a:latin typeface="Times New Roman" charset="0"/>
                 <a:ea typeface="新細明體" charset="-120"/>
               </a:rPr>
-              <a:t>Session</a:t>
-            </a:r>
-          </a:p>
-        </p:txBody>
-      </p:sp>
-      <p:sp>
-        <p:nvSpPr>
-          <p:cNvPr id="39939" name="Rectangle 3"/>
+              <a:t>Remove all Cookies</a:t>
+            </a:r>
+          </a:p>
+        </p:txBody>
+      </p:sp>
+      <p:sp>
+        <p:nvSpPr>
+          <p:cNvPr id="38915" name="Rectangle 3"/>
           <p:cNvSpPr>
             <a:spLocks noGrp="1" noChangeArrowheads="1"/>
           </p:cNvSpPr>
@@ -16067,7 +15792,7 @@
               <a:rPr lang="en-US" altLang="zh-TW" smtClean="0">
                 <a:ea typeface="新細明體" pitchFamily="18" charset="-120"/>
               </a:rPr>
-              <a:t>A random number generated by the server to check user concurrent connection</a:t>
+              <a:t>setcookie();</a:t>
             </a:r>
           </a:p>
           <a:p>
@@ -16076,16 +15801,7 @@
               <a:rPr lang="en-US" altLang="zh-TW" smtClean="0">
                 <a:ea typeface="新細明體" pitchFamily="18" charset="-120"/>
               </a:rPr>
-              <a:t>Similar to cookie, but the information stored on server</a:t>
-            </a:r>
-          </a:p>
-          <a:p>
-            <a:pPr eaLnBrk="1" hangingPunct="1"/>
-            <a:r>
-              <a:rPr lang="en-US" altLang="zh-TW" smtClean="0">
-                <a:ea typeface="新細明體" pitchFamily="18" charset="-120"/>
-              </a:rPr>
-              <a:t>sessionstart.php, session2.php, session3.php</a:t>
+              <a:t>cookieReset2.php</a:t>
             </a:r>
           </a:p>
         </p:txBody>
@@ -16093,7 +15809,7 @@
     </p:spTree>
     <p:extLst>
       <p:ext uri="{BB962C8B-B14F-4D97-AF65-F5344CB8AC3E}">
-        <p14:creationId xmlns:p14="http://schemas.microsoft.com/office/powerpoint/2010/main" val="462117771"/>
+        <p14:creationId xmlns:p14="http://schemas.microsoft.com/office/powerpoint/2010/main" val="981820449"/>
       </p:ext>
     </p:extLst>
   </p:cSld>
@@ -16266,7 +15982,7 @@
       </p:grpSpPr>
       <p:sp>
         <p:nvSpPr>
-          <p:cNvPr id="210946" name="Rectangle 1026"/>
+          <p:cNvPr id="207874" name="Rectangle 2"/>
           <p:cNvSpPr>
             <a:spLocks noGrp="1" noChangeArrowheads="1"/>
           </p:cNvSpPr>
@@ -16283,18 +15999,18 @@
               <a:defRPr/>
             </a:pPr>
             <a:r>
-              <a:rPr lang="en-US" altLang="zh-TW" dirty="0" smtClean="0">
+              <a:rPr lang="en-US" altLang="zh-TW" smtClean="0">
                 <a:latin typeface="Times New Roman" charset="0"/>
                 <a:ea typeface="新細明體" charset="-120"/>
               </a:rPr>
-              <a:t>Create snippet</a:t>
-            </a:r>
-          </a:p>
-        </p:txBody>
-      </p:sp>
-      <p:sp>
-        <p:nvSpPr>
-          <p:cNvPr id="40963" name="Rectangle 1027"/>
+              <a:t>Session</a:t>
+            </a:r>
+          </a:p>
+        </p:txBody>
+      </p:sp>
+      <p:sp>
+        <p:nvSpPr>
+          <p:cNvPr id="39939" name="Rectangle 3"/>
           <p:cNvSpPr>
             <a:spLocks noGrp="1" noChangeArrowheads="1"/>
           </p:cNvSpPr>
@@ -16309,70 +16025,28 @@
           <a:p>
             <a:pPr eaLnBrk="1" hangingPunct="1"/>
             <a:r>
-              <a:rPr lang="en-US" altLang="zh-TW" dirty="0" smtClean="0">
+              <a:rPr lang="en-US" altLang="zh-TW" smtClean="0">
                 <a:ea typeface="新細明體" pitchFamily="18" charset="-120"/>
               </a:rPr>
-              <a:t>For those you use it repeatedly, you may want to save it as a snippet to load the code by one click.</a:t>
+              <a:t>A random number generated by the server to check user concurrent connection</a:t>
             </a:r>
           </a:p>
           <a:p>
             <a:pPr eaLnBrk="1" hangingPunct="1"/>
             <a:r>
-              <a:rPr lang="en-US" altLang="zh-TW" dirty="0" smtClean="0">
+              <a:rPr lang="en-US" altLang="zh-TW" smtClean="0">
                 <a:ea typeface="新細明體" pitchFamily="18" charset="-120"/>
               </a:rPr>
-              <a:t>Highlight the codes, right click, </a:t>
-            </a:r>
-            <a:r>
-              <a:rPr lang="mr-IN" altLang="zh-TW" dirty="0" smtClean="0">
+              <a:t>Similar to cookie, but the information stored on server</a:t>
+            </a:r>
+          </a:p>
+          <a:p>
+            <a:pPr eaLnBrk="1" hangingPunct="1"/>
+            <a:r>
+              <a:rPr lang="en-US" altLang="zh-TW" smtClean="0">
                 <a:ea typeface="新細明體" pitchFamily="18" charset="-120"/>
               </a:rPr>
-              <a:t>"</a:t>
-            </a:r>
-            <a:r>
-              <a:rPr lang="en-US" altLang="zh-TW" dirty="0" smtClean="0">
-                <a:ea typeface="新細明體" pitchFamily="18" charset="-120"/>
-              </a:rPr>
-              <a:t>Create </a:t>
-            </a:r>
-            <a:r>
-              <a:rPr lang="en-US" altLang="zh-TW" dirty="0" smtClean="0">
-                <a:ea typeface="新細明體" pitchFamily="18" charset="-120"/>
-              </a:rPr>
-              <a:t>New </a:t>
-            </a:r>
-            <a:r>
-              <a:rPr lang="en-US" altLang="zh-TW" dirty="0" smtClean="0">
-                <a:ea typeface="新細明體" pitchFamily="18" charset="-120"/>
-              </a:rPr>
-              <a:t>Snippet</a:t>
-            </a:r>
-            <a:r>
-              <a:rPr lang="mr-IN" altLang="zh-TW" dirty="0" smtClean="0">
-                <a:ea typeface="新細明體" pitchFamily="18" charset="-120"/>
-              </a:rPr>
-              <a:t>"</a:t>
-            </a:r>
-            <a:r>
-              <a:rPr lang="en-US" altLang="zh-TW" dirty="0" smtClean="0">
-                <a:ea typeface="新細明體" pitchFamily="18" charset="-120"/>
-              </a:rPr>
-              <a:t>, </a:t>
-            </a:r>
-            <a:r>
-              <a:rPr lang="en-US" altLang="zh-TW" dirty="0" smtClean="0">
-                <a:ea typeface="新細明體" pitchFamily="18" charset="-120"/>
-              </a:rPr>
-              <a:t>name it, OK</a:t>
-            </a:r>
-          </a:p>
-          <a:p>
-            <a:pPr eaLnBrk="1" hangingPunct="1"/>
-            <a:r>
-              <a:rPr lang="en-US" altLang="zh-TW" dirty="0" smtClean="0">
-                <a:ea typeface="新細明體" pitchFamily="18" charset="-120"/>
-              </a:rPr>
-              <a:t>Windows -&gt; Snippet -&gt; double click to load</a:t>
+              <a:t>sessionstart.php, session2.php, session3.php</a:t>
             </a:r>
           </a:p>
         </p:txBody>
@@ -16380,7 +16054,7 @@
     </p:spTree>
     <p:extLst>
       <p:ext uri="{BB962C8B-B14F-4D97-AF65-F5344CB8AC3E}">
-        <p14:creationId xmlns:p14="http://schemas.microsoft.com/office/powerpoint/2010/main" val="985673976"/>
+        <p14:creationId xmlns:p14="http://schemas.microsoft.com/office/powerpoint/2010/main" val="462117771"/>
       </p:ext>
     </p:extLst>
   </p:cSld>
@@ -16412,6 +16086,134 @@
       </p:grpSpPr>
       <p:sp>
         <p:nvSpPr>
+          <p:cNvPr id="210946" name="Rectangle 1026"/>
+          <p:cNvSpPr>
+            <a:spLocks noGrp="1" noChangeArrowheads="1"/>
+          </p:cNvSpPr>
+          <p:nvPr>
+            <p:ph type="title"/>
+          </p:nvPr>
+        </p:nvSpPr>
+        <p:spPr/>
+        <p:txBody>
+          <a:bodyPr/>
+          <a:lstStyle/>
+          <a:p>
+            <a:pPr eaLnBrk="1" hangingPunct="1">
+              <a:defRPr/>
+            </a:pPr>
+            <a:r>
+              <a:rPr lang="en-US" altLang="zh-TW" dirty="0" smtClean="0">
+                <a:latin typeface="Times New Roman" charset="0"/>
+                <a:ea typeface="新細明體" charset="-120"/>
+              </a:rPr>
+              <a:t>Create snippet</a:t>
+            </a:r>
+          </a:p>
+        </p:txBody>
+      </p:sp>
+      <p:sp>
+        <p:nvSpPr>
+          <p:cNvPr id="40963" name="Rectangle 1027"/>
+          <p:cNvSpPr>
+            <a:spLocks noGrp="1" noChangeArrowheads="1"/>
+          </p:cNvSpPr>
+          <p:nvPr>
+            <p:ph idx="1"/>
+          </p:nvPr>
+        </p:nvSpPr>
+        <p:spPr/>
+        <p:txBody>
+          <a:bodyPr/>
+          <a:lstStyle/>
+          <a:p>
+            <a:pPr eaLnBrk="1" hangingPunct="1"/>
+            <a:r>
+              <a:rPr lang="en-US" altLang="zh-TW" dirty="0" smtClean="0">
+                <a:ea typeface="新細明體" pitchFamily="18" charset="-120"/>
+              </a:rPr>
+              <a:t>For those you use it repeatedly, you may want to save it as a snippet to load the code by one click.</a:t>
+            </a:r>
+          </a:p>
+          <a:p>
+            <a:pPr eaLnBrk="1" hangingPunct="1"/>
+            <a:r>
+              <a:rPr lang="en-US" altLang="zh-TW" dirty="0" smtClean="0">
+                <a:ea typeface="新細明體" pitchFamily="18" charset="-120"/>
+              </a:rPr>
+              <a:t>Highlight the codes, right click, </a:t>
+            </a:r>
+            <a:r>
+              <a:rPr lang="mr-IN" altLang="zh-TW" dirty="0" smtClean="0">
+                <a:ea typeface="新細明體" pitchFamily="18" charset="-120"/>
+              </a:rPr>
+              <a:t>"</a:t>
+            </a:r>
+            <a:r>
+              <a:rPr lang="en-US" altLang="zh-TW" dirty="0" smtClean="0">
+                <a:ea typeface="新細明體" pitchFamily="18" charset="-120"/>
+              </a:rPr>
+              <a:t>Create New Snippet</a:t>
+            </a:r>
+            <a:r>
+              <a:rPr lang="mr-IN" altLang="zh-TW" dirty="0" smtClean="0">
+                <a:ea typeface="新細明體" pitchFamily="18" charset="-120"/>
+              </a:rPr>
+              <a:t>"</a:t>
+            </a:r>
+            <a:r>
+              <a:rPr lang="en-US" altLang="zh-TW" dirty="0" smtClean="0">
+                <a:ea typeface="新細明體" pitchFamily="18" charset="-120"/>
+              </a:rPr>
+              <a:t>, name it, OK</a:t>
+            </a:r>
+          </a:p>
+          <a:p>
+            <a:pPr eaLnBrk="1" hangingPunct="1"/>
+            <a:r>
+              <a:rPr lang="en-US" altLang="zh-TW" dirty="0" smtClean="0">
+                <a:ea typeface="新細明體" pitchFamily="18" charset="-120"/>
+              </a:rPr>
+              <a:t>Windows -&gt; Snippet -&gt; double click to load</a:t>
+            </a:r>
+          </a:p>
+        </p:txBody>
+      </p:sp>
+    </p:spTree>
+    <p:extLst>
+      <p:ext uri="{BB962C8B-B14F-4D97-AF65-F5344CB8AC3E}">
+        <p14:creationId xmlns:p14="http://schemas.microsoft.com/office/powerpoint/2010/main" val="985673976"/>
+      </p:ext>
+    </p:extLst>
+  </p:cSld>
+  <p:clrMapOvr>
+    <a:masterClrMapping/>
+  </p:clrMapOvr>
+  <p:transition>
+    <p:checker/>
+  </p:transition>
+</p:sld>
+</file>
+
+<file path=ppt/slides/slide22.xml><?xml version="1.0" encoding="utf-8"?>
+<p:sld xmlns:a="http://schemas.openxmlformats.org/drawingml/2006/main" xmlns:r="http://schemas.openxmlformats.org/officeDocument/2006/relationships" xmlns:p="http://schemas.openxmlformats.org/presentationml/2006/main">
+  <p:cSld>
+    <p:spTree>
+      <p:nvGrpSpPr>
+        <p:cNvPr id="1" name=""/>
+        <p:cNvGrpSpPr/>
+        <p:nvPr/>
+      </p:nvGrpSpPr>
+      <p:grpSpPr>
+        <a:xfrm>
+          <a:off x="0" y="0"/>
+          <a:ext cx="0" cy="0"/>
+          <a:chOff x="0" y="0"/>
+          <a:chExt cx="0" cy="0"/>
+        </a:xfrm>
+      </p:grpSpPr>
+      <p:sp>
+        <p:nvSpPr>
           <p:cNvPr id="2" name="Title 1"/>
           <p:cNvSpPr>
             <a:spLocks noGrp="1"/>
@@ -16472,7 +16274,7 @@
 </p:sld>
 </file>
 
-<file path=ppt/slides/slide22.xml><?xml version="1.0" encoding="utf-8"?>
+<file path=ppt/slides/slide23.xml><?xml version="1.0" encoding="utf-8"?>
 <p:sld xmlns:a="http://schemas.openxmlformats.org/drawingml/2006/main" xmlns:r="http://schemas.openxmlformats.org/officeDocument/2006/relationships" xmlns:p="http://schemas.openxmlformats.org/presentationml/2006/main">
   <p:cSld>
     <p:spTree>
@@ -16652,13 +16454,7 @@
               <a:rPr lang="zh-TW" altLang="en-US" dirty="0" smtClean="0">
                 <a:ea typeface="新細明體" pitchFamily="18" charset="-120"/>
               </a:rPr>
-              <a:t> </a:t>
-            </a:r>
-            <a:r>
-              <a:rPr lang="zh-TW" altLang="en-US" dirty="0" smtClean="0">
-                <a:ea typeface="新細明體" pitchFamily="18" charset="-120"/>
-              </a:rPr>
-              <a:t>– </a:t>
+              <a:t> – </a:t>
             </a:r>
             <a:r>
               <a:rPr lang="en-US" altLang="zh-TW" dirty="0" smtClean="0">
@@ -18013,7 +17809,7 @@
     </a:clrScheme>
     <a:fontScheme name="Parallax">
       <a:majorFont>
-        <a:latin typeface="Corbel" panose="020B0503020204020204"/>
+        <a:latin typeface="Corbel"/>
         <a:ea typeface=""/>
         <a:cs typeface=""/>
         <a:font script="Jpan" typeface="HGｺﾞｼｯｸM"/>
@@ -18048,7 +17844,7 @@
         <a:font script="Geor" typeface="Sylfaen"/>
       </a:majorFont>
       <a:minorFont>
-        <a:latin typeface="Corbel" panose="020B0503020204020204"/>
+        <a:latin typeface="Corbel"/>
         <a:ea typeface=""/>
         <a:cs typeface=""/>
         <a:font script="Jpan" typeface="HGｺﾞｼｯｸM"/>
@@ -18220,7 +18016,7 @@
   <a:extraClrSchemeLst/>
   <a:extLst>
     <a:ext uri="{05A4C25C-085E-4340-85A3-A5531E510DB2}">
-      <thm15:themeFamily xmlns:thm15="http://schemas.microsoft.com/office/thememl/2012/main" name="Parallax" id="{3388167B-A2EB-4685-9635-1831D9AEF8C4}" vid="{4F7A876A-7598-49CA-AFC8-8EDA2551E4A7}"/>
+      <thm15:themeFamily xmlns:thm15="http://schemas.microsoft.com/office/thememl/2012/main" xmlns="" name="Parallax" id="{3388167B-A2EB-4685-9635-1831D9AEF8C4}" vid="{4F7A876A-7598-49CA-AFC8-8EDA2551E4A7}"/>
     </a:ext>
   </a:extLst>
 </a:theme>

--- a/php-fw5/lesson5.pptx
+++ b/php-fw5/lesson5.pptx
@@ -164,7 +164,7 @@
   </p:defaultTextStyle>
   <p:extLst>
     <p:ext uri="{EFAFB233-063F-42B5-8137-9DF3F51BA10A}">
-      <p15:sldGuideLst xmlns:p15="http://schemas.microsoft.com/office/powerpoint/2012/main" xmlns="">
+      <p15:sldGuideLst xmlns:p15="http://schemas.microsoft.com/office/powerpoint/2012/main">
         <p15:guide id="1" orient="horz" pos="2160">
           <p15:clr>
             <a:srgbClr val="A4A3A4"/>
@@ -178,7 +178,7 @@
       </p15:sldGuideLst>
     </p:ext>
     <p:ext uri="{2D200454-40CA-4A62-9FC3-DE9A4176ACB9}">
-      <p15:notesGuideLst xmlns:p15="http://schemas.microsoft.com/office/powerpoint/2012/main" xmlns="">
+      <p15:notesGuideLst xmlns:p15="http://schemas.microsoft.com/office/powerpoint/2012/main">
         <p15:guide id="1" orient="horz" pos="2880">
           <p15:clr>
             <a:srgbClr val="A4A3A4"/>
@@ -1184,6 +1184,272 @@
       <dsp:cNvGrpSpPr/>
     </dsp:nvGrpSpPr>
     <dsp:grpSpPr/>
+    <dsp:sp modelId="{AE7A25BF-05BE-4294-8C78-B343A39F5802}">
+      <dsp:nvSpPr>
+        <dsp:cNvPr id="0" name=""/>
+        <dsp:cNvSpPr/>
+      </dsp:nvSpPr>
+      <dsp:spPr>
+        <a:xfrm>
+          <a:off x="2197324" y="2366462"/>
+          <a:ext cx="723615" cy="67675"/>
+        </a:xfrm>
+        <a:custGeom>
+          <a:avLst/>
+          <a:gdLst/>
+          <a:ahLst/>
+          <a:cxnLst/>
+          <a:rect l="0" t="0" r="0" b="0"/>
+          <a:pathLst>
+            <a:path>
+              <a:moveTo>
+                <a:pt x="0" y="33837"/>
+              </a:moveTo>
+              <a:lnTo>
+                <a:pt x="723615" y="33837"/>
+              </a:lnTo>
+            </a:path>
+          </a:pathLst>
+        </a:custGeom>
+        <a:noFill/>
+        <a:ln w="15875" cap="rnd" cmpd="sng" algn="ctr">
+          <a:solidFill>
+            <a:schemeClr val="accent1">
+              <a:shade val="60000"/>
+              <a:hueOff val="0"/>
+              <a:satOff val="0"/>
+              <a:lumOff val="0"/>
+              <a:alphaOff val="0"/>
+            </a:schemeClr>
+          </a:solidFill>
+          <a:prstDash val="solid"/>
+        </a:ln>
+        <a:effectLst/>
+      </dsp:spPr>
+      <dsp:style>
+        <a:lnRef idx="2">
+          <a:scrgbClr r="0" g="0" b="0"/>
+        </a:lnRef>
+        <a:fillRef idx="0">
+          <a:scrgbClr r="0" g="0" b="0"/>
+        </a:fillRef>
+        <a:effectRef idx="0">
+          <a:scrgbClr r="0" g="0" b="0"/>
+        </a:effectRef>
+        <a:fontRef idx="minor"/>
+      </dsp:style>
+    </dsp:sp>
+    <dsp:sp modelId="{2BB2BAC1-C69B-4113-B310-76512E564906}">
+      <dsp:nvSpPr>
+        <dsp:cNvPr id="0" name=""/>
+        <dsp:cNvSpPr/>
+      </dsp:nvSpPr>
+      <dsp:spPr>
+        <a:xfrm>
+          <a:off x="359606" y="1549435"/>
+          <a:ext cx="1701729" cy="1701729"/>
+        </a:xfrm>
+        <a:prstGeom prst="ellipse">
+          <a:avLst/>
+        </a:prstGeom>
+        <a:blipFill>
+          <a:blip xmlns:r="http://schemas.openxmlformats.org/officeDocument/2006/relationships" r:embed="rId1">
+            <a:extLst>
+              <a:ext uri="{28A0092B-C50C-407E-A947-70E740481C1C}">
+                <a14:useLocalDpi xmlns:a14="http://schemas.microsoft.com/office/drawing/2010/main" val="0"/>
+              </a:ext>
+            </a:extLst>
+          </a:blip>
+          <a:srcRect/>
+          <a:stretch>
+            <a:fillRect l="-4000" r="-4000"/>
+          </a:stretch>
+        </a:blipFill>
+        <a:ln w="76200" cap="rnd" cmpd="sng" algn="ctr">
+          <a:solidFill>
+            <a:schemeClr val="accent3"/>
+          </a:solidFill>
+          <a:prstDash val="solid"/>
+        </a:ln>
+        <a:effectLst/>
+      </dsp:spPr>
+      <dsp:style>
+        <a:lnRef idx="2">
+          <a:scrgbClr r="0" g="0" b="0"/>
+        </a:lnRef>
+        <a:fillRef idx="1">
+          <a:scrgbClr r="0" g="0" b="0"/>
+        </a:fillRef>
+        <a:effectRef idx="0">
+          <a:scrgbClr r="0" g="0" b="0"/>
+        </a:effectRef>
+        <a:fontRef idx="minor">
+          <a:schemeClr val="lt1"/>
+        </a:fontRef>
+      </dsp:style>
+    </dsp:sp>
+    <dsp:sp modelId="{41924F06-34CF-46EC-8297-73C28D89DAED}">
+      <dsp:nvSpPr>
+        <dsp:cNvPr id="0" name=""/>
+        <dsp:cNvSpPr/>
+      </dsp:nvSpPr>
+      <dsp:spPr>
+        <a:xfrm>
+          <a:off x="2920940" y="1883293"/>
+          <a:ext cx="1656745" cy="1034013"/>
+        </a:xfrm>
+        <a:prstGeom prst="ellipse">
+          <a:avLst/>
+        </a:prstGeom>
+        <a:gradFill rotWithShape="1">
+          <a:gsLst>
+            <a:gs pos="0">
+              <a:schemeClr val="accent1">
+                <a:tint val="96000"/>
+                <a:lumMod val="102000"/>
+              </a:schemeClr>
+            </a:gs>
+            <a:gs pos="100000">
+              <a:schemeClr val="accent1">
+                <a:shade val="88000"/>
+                <a:lumMod val="94000"/>
+              </a:schemeClr>
+            </a:gs>
+          </a:gsLst>
+          <a:path path="circle">
+            <a:fillToRect l="50000" t="100000" r="100000" b="50000"/>
+          </a:path>
+        </a:gradFill>
+        <a:ln>
+          <a:noFill/>
+        </a:ln>
+        <a:effectLst>
+          <a:outerShdw blurRad="38100" dist="25400" dir="5400000" rotWithShape="0">
+            <a:srgbClr val="000000">
+              <a:alpha val="64000"/>
+            </a:srgbClr>
+          </a:outerShdw>
+        </a:effectLst>
+        <a:scene3d>
+          <a:camera prst="orthographicFront">
+            <a:rot lat="0" lon="0" rev="0"/>
+          </a:camera>
+          <a:lightRig rig="threePt" dir="tl">
+            <a:rot lat="0" lon="0" rev="1200000"/>
+          </a:lightRig>
+        </a:scene3d>
+        <a:sp3d>
+          <a:bevelT w="25400" h="12700"/>
+        </a:sp3d>
+      </dsp:spPr>
+      <dsp:style>
+        <a:lnRef idx="0">
+          <a:schemeClr val="accent1"/>
+        </a:lnRef>
+        <a:fillRef idx="3">
+          <a:schemeClr val="accent1"/>
+        </a:fillRef>
+        <a:effectRef idx="3">
+          <a:schemeClr val="accent1"/>
+        </a:effectRef>
+        <a:fontRef idx="minor">
+          <a:schemeClr val="lt1"/>
+        </a:fontRef>
+      </dsp:style>
+      <dsp:txBody>
+        <a:bodyPr spcFirstLastPara="0" vert="horz" wrap="square" lIns="11430" tIns="11430" rIns="11430" bIns="11430" numCol="1" spcCol="1270" anchor="ctr" anchorCtr="0">
+          <a:noAutofit/>
+        </a:bodyPr>
+        <a:lstStyle/>
+        <a:p>
+          <a:pPr lvl="0" algn="ctr" defTabSz="800100">
+            <a:lnSpc>
+              <a:spcPct val="90000"/>
+            </a:lnSpc>
+            <a:spcBef>
+              <a:spcPct val="0"/>
+            </a:spcBef>
+            <a:spcAft>
+              <a:spcPct val="35000"/>
+            </a:spcAft>
+          </a:pPr>
+          <a:r>
+            <a:rPr lang="en-US" sz="1800" kern="1200" dirty="0" err="1" smtClean="0">
+              <a:solidFill>
+                <a:schemeClr val="bg1"/>
+              </a:solidFill>
+            </a:rPr>
+            <a:t>require.php</a:t>
+          </a:r>
+          <a:endParaRPr lang="en-US" sz="1800" kern="1200" dirty="0"/>
+        </a:p>
+      </dsp:txBody>
+      <dsp:txXfrm>
+        <a:off x="3163565" y="2034721"/>
+        <a:ext cx="1171495" cy="731157"/>
+      </dsp:txXfrm>
+    </dsp:sp>
+    <dsp:sp modelId="{88193733-95DC-44E5-9984-B3499F1799D0}">
+      <dsp:nvSpPr>
+        <dsp:cNvPr id="0" name=""/>
+        <dsp:cNvSpPr/>
+      </dsp:nvSpPr>
+      <dsp:spPr>
+        <a:xfrm>
+          <a:off x="4790613" y="1883293"/>
+          <a:ext cx="2485118" cy="1034013"/>
+        </a:xfrm>
+        <a:prstGeom prst="rect">
+          <a:avLst/>
+        </a:prstGeom>
+        <a:noFill/>
+        <a:ln>
+          <a:noFill/>
+        </a:ln>
+        <a:effectLst/>
+      </dsp:spPr>
+      <dsp:style>
+        <a:lnRef idx="0">
+          <a:scrgbClr r="0" g="0" b="0"/>
+        </a:lnRef>
+        <a:fillRef idx="0">
+          <a:scrgbClr r="0" g="0" b="0"/>
+        </a:fillRef>
+        <a:effectRef idx="0">
+          <a:scrgbClr r="0" g="0" b="0"/>
+        </a:effectRef>
+        <a:fontRef idx="minor"/>
+      </dsp:style>
+      <dsp:txBody>
+        <a:bodyPr spcFirstLastPara="0" vert="horz" wrap="square" lIns="0" tIns="0" rIns="0" bIns="0" numCol="1" spcCol="1270" anchor="ctr" anchorCtr="0">
+          <a:noAutofit/>
+        </a:bodyPr>
+        <a:lstStyle/>
+        <a:p>
+          <a:pPr marL="285750" lvl="1" indent="-285750" algn="l" defTabSz="1733550">
+            <a:lnSpc>
+              <a:spcPct val="90000"/>
+            </a:lnSpc>
+            <a:spcBef>
+              <a:spcPct val="0"/>
+            </a:spcBef>
+            <a:spcAft>
+              <a:spcPct val="15000"/>
+            </a:spcAft>
+            <a:buChar char="••"/>
+          </a:pPr>
+          <a:r>
+            <a:rPr lang="en-US" sz="3900" kern="1200" dirty="0" smtClean="0"/>
+            <a:t>require.inc</a:t>
+          </a:r>
+          <a:endParaRPr lang="en-US" sz="3900" kern="1200" dirty="0"/>
+        </a:p>
+      </dsp:txBody>
+      <dsp:txXfrm>
+        <a:off x="4790613" y="1883293"/>
+        <a:ext cx="2485118" cy="1034013"/>
+      </dsp:txXfrm>
+    </dsp:sp>
   </dsp:spTree>
 </dsp:drawing>
 </file>
@@ -2959,7 +3225,7 @@
               </a14:hiddenFill>
             </a:ext>
             <a:ext uri="{FAA26D3D-D897-4be2-8F04-BA451C77F1D7}">
-              <ma14:placeholderFlag xmlns:ma14="http://schemas.microsoft.com/office/mac/drawingml/2011/main" xmlns="" val="1"/>
+              <ma14:placeholderFlag xmlns="" xmlns:ma14="http://schemas.microsoft.com/office/mac/drawingml/2011/main" val="1"/>
             </a:ext>
           </a:extLst>
         </p:spPr>
@@ -3501,7 +3767,7 @@
               </a14:hiddenLine>
             </a:ext>
             <a:ext uri="{FAA26D3D-D897-4be2-8F04-BA451C77F1D7}">
-              <ma14:placeholderFlag xmlns:ma14="http://schemas.microsoft.com/office/mac/drawingml/2011/main" xmlns="" val="1"/>
+              <ma14:placeholderFlag xmlns="" xmlns:ma14="http://schemas.microsoft.com/office/mac/drawingml/2011/main" val="1"/>
             </a:ext>
           </a:extLst>
         </p:spPr>
@@ -5821,7 +6087,7 @@
               </a14:hiddenLine>
             </a:ext>
             <a:ext uri="{FAA26D3D-D897-4be2-8F04-BA451C77F1D7}">
-              <ma14:placeholderFlag xmlns:ma14="http://schemas.microsoft.com/office/mac/drawingml/2011/main" xmlns="" val="1"/>
+              <ma14:placeholderFlag xmlns="" xmlns:ma14="http://schemas.microsoft.com/office/mac/drawingml/2011/main" val="1"/>
             </a:ext>
           </a:extLst>
         </p:spPr>
@@ -13755,7 +14021,7 @@
               </a14:hiddenLine>
             </a:ext>
             <a:ext uri="{FAA26D3D-D897-4be2-8F04-BA451C77F1D7}">
-              <ma14:placeholderFlag xmlns:ma14="http://schemas.microsoft.com/office/mac/drawingml/2011/main" xmlns="" val="1"/>
+              <ma14:placeholderFlag xmlns="" xmlns:ma14="http://schemas.microsoft.com/office/mac/drawingml/2011/main" val="1"/>
             </a:ext>
           </a:extLst>
         </p:spPr>
@@ -13816,7 +14082,7 @@
               </a14:hiddenLine>
             </a:ext>
             <a:ext uri="{FAA26D3D-D897-4be2-8F04-BA451C77F1D7}">
-              <ma14:placeholderFlag xmlns:ma14="http://schemas.microsoft.com/office/mac/drawingml/2011/main" xmlns="" val="1"/>
+              <ma14:placeholderFlag xmlns="" xmlns:ma14="http://schemas.microsoft.com/office/mac/drawingml/2011/main" val="1"/>
             </a:ext>
           </a:extLst>
         </p:spPr>
@@ -16418,10 +16684,14 @@
           <a:p>
             <a:pPr eaLnBrk="1" hangingPunct="1"/>
             <a:r>
+              <a:rPr lang="en-US" altLang="zh-TW" dirty="0" smtClean="0"/>
+              <a:t>'  '</a:t>
+            </a:r>
+            <a:r>
               <a:rPr lang="zh-TW" altLang="en-US" dirty="0" smtClean="0">
                 <a:ea typeface="新細明體" pitchFamily="18" charset="-120"/>
               </a:rPr>
-              <a:t>‘ ‘ – </a:t>
+              <a:t> – </a:t>
             </a:r>
             <a:r>
               <a:rPr lang="en-US" altLang="zh-TW" dirty="0" smtClean="0">
@@ -16854,16 +17124,19 @@
           <a:p>
             <a:pPr eaLnBrk="1" hangingPunct="1"/>
             <a:r>
-              <a:rPr lang="en-US" altLang="zh-TW" smtClean="0">
+              <a:rPr lang="en-US" altLang="zh-TW" dirty="0" smtClean="0">
                 <a:ea typeface="新細明體" pitchFamily="18" charset="-120"/>
               </a:rPr>
-              <a:t>www.sonystyle.com.hk</a:t>
-            </a:r>
+              <a:t>www.sony.com.hk</a:t>
+            </a:r>
+            <a:endParaRPr lang="en-US" altLang="zh-TW" dirty="0" smtClean="0">
+              <a:ea typeface="新細明體" pitchFamily="18" charset="-120"/>
+            </a:endParaRPr>
           </a:p>
           <a:p>
             <a:pPr eaLnBrk="1" hangingPunct="1"/>
             <a:r>
-              <a:rPr lang="en-US" altLang="zh-TW" smtClean="0">
+              <a:rPr lang="en-US" altLang="zh-TW" dirty="0" smtClean="0">
                 <a:ea typeface="新細明體" pitchFamily="18" charset="-120"/>
               </a:rPr>
               <a:t>hk.yahoo.com</a:t>
@@ -16872,7 +17145,7 @@
           <a:p>
             <a:pPr eaLnBrk="1" hangingPunct="1"/>
             <a:r>
-              <a:rPr lang="en-US" altLang="zh-TW" smtClean="0">
+              <a:rPr lang="en-US" altLang="zh-TW" dirty="0" smtClean="0">
                 <a:ea typeface="新細明體" pitchFamily="18" charset="-120"/>
               </a:rPr>
               <a:t>sicav.chinaamc.com</a:t>
@@ -16880,31 +17153,85 @@
           </a:p>
           <a:p>
             <a:pPr eaLnBrk="1" hangingPunct="1"/>
-            <a:endParaRPr lang="en-US" altLang="zh-TW" smtClean="0">
+            <a:endParaRPr lang="en-US" altLang="zh-TW" dirty="0" smtClean="0">
               <a:ea typeface="新細明體" pitchFamily="18" charset="-120"/>
             </a:endParaRPr>
           </a:p>
           <a:p>
             <a:pPr eaLnBrk="1" hangingPunct="1"/>
             <a:r>
-              <a:rPr lang="en-US" altLang="zh-TW" smtClean="0">
+              <a:rPr lang="en-US" altLang="zh-TW" dirty="0" smtClean="0">
                 <a:ea typeface="新細明體" pitchFamily="18" charset="-120"/>
               </a:rPr>
-              <a:t>Create  home.php  aboutus.php  contactus.php</a:t>
-            </a:r>
-          </a:p>
-          <a:p>
-            <a:pPr eaLnBrk="1" hangingPunct="1"/>
-            <a:r>
-              <a:rPr lang="en-US" altLang="zh-TW" smtClean="0">
+              <a:t>Create  </a:t>
+            </a:r>
+            <a:r>
+              <a:rPr lang="en-US" altLang="zh-TW" dirty="0" err="1" smtClean="0">
                 <a:ea typeface="新細明體" pitchFamily="18" charset="-120"/>
               </a:rPr>
-              <a:t>+ header.inc.php  footer.inc.php</a:t>
-            </a:r>
+              <a:t>home.php</a:t>
+            </a:r>
+            <a:r>
+              <a:rPr lang="en-US" altLang="zh-TW" dirty="0" smtClean="0">
+                <a:ea typeface="新細明體" pitchFamily="18" charset="-120"/>
+              </a:rPr>
+              <a:t>  </a:t>
+            </a:r>
+            <a:r>
+              <a:rPr lang="en-US" altLang="zh-TW" dirty="0" err="1" smtClean="0">
+                <a:ea typeface="新細明體" pitchFamily="18" charset="-120"/>
+              </a:rPr>
+              <a:t>aboutus.php</a:t>
+            </a:r>
+            <a:r>
+              <a:rPr lang="en-US" altLang="zh-TW" dirty="0" smtClean="0">
+                <a:ea typeface="新細明體" pitchFamily="18" charset="-120"/>
+              </a:rPr>
+              <a:t>  </a:t>
+            </a:r>
+            <a:r>
+              <a:rPr lang="en-US" altLang="zh-TW" dirty="0" err="1" smtClean="0">
+                <a:ea typeface="新細明體" pitchFamily="18" charset="-120"/>
+              </a:rPr>
+              <a:t>contactus.php</a:t>
+            </a:r>
+            <a:endParaRPr lang="en-US" altLang="zh-TW" dirty="0" smtClean="0">
+              <a:ea typeface="新細明體" pitchFamily="18" charset="-120"/>
+            </a:endParaRPr>
           </a:p>
           <a:p>
             <a:pPr eaLnBrk="1" hangingPunct="1"/>
-            <a:endParaRPr lang="en-US" altLang="zh-TW" smtClean="0">
+            <a:r>
+              <a:rPr lang="en-US" altLang="zh-TW" dirty="0" smtClean="0">
+                <a:ea typeface="新細明體" pitchFamily="18" charset="-120"/>
+              </a:rPr>
+              <a:t>+ </a:t>
+            </a:r>
+            <a:r>
+              <a:rPr lang="en-US" altLang="zh-TW" dirty="0" err="1" smtClean="0">
+                <a:ea typeface="新細明體" pitchFamily="18" charset="-120"/>
+              </a:rPr>
+              <a:t>header.inc.php</a:t>
+            </a:r>
+            <a:r>
+              <a:rPr lang="en-US" altLang="zh-TW" dirty="0" smtClean="0">
+                <a:ea typeface="新細明體" pitchFamily="18" charset="-120"/>
+              </a:rPr>
+              <a:t>  </a:t>
+            </a:r>
+            <a:r>
+              <a:rPr lang="en-US" altLang="zh-TW" dirty="0" err="1" smtClean="0">
+                <a:ea typeface="新細明體" pitchFamily="18" charset="-120"/>
+              </a:rPr>
+              <a:t>footer.inc.php</a:t>
+            </a:r>
+            <a:endParaRPr lang="en-US" altLang="zh-TW" dirty="0" smtClean="0">
+              <a:ea typeface="新細明體" pitchFamily="18" charset="-120"/>
+            </a:endParaRPr>
+          </a:p>
+          <a:p>
+            <a:pPr eaLnBrk="1" hangingPunct="1"/>
+            <a:endParaRPr lang="en-US" altLang="zh-TW" dirty="0" smtClean="0">
               <a:ea typeface="新細明體" pitchFamily="18" charset="-120"/>
             </a:endParaRPr>
           </a:p>
@@ -18016,7 +18343,7 @@
   <a:extraClrSchemeLst/>
   <a:extLst>
     <a:ext uri="{05A4C25C-085E-4340-85A3-A5531E510DB2}">
-      <thm15:themeFamily xmlns:thm15="http://schemas.microsoft.com/office/thememl/2012/main" xmlns="" name="Parallax" id="{3388167B-A2EB-4685-9635-1831D9AEF8C4}" vid="{4F7A876A-7598-49CA-AFC8-8EDA2551E4A7}"/>
+      <thm15:themeFamily xmlns:thm15="http://schemas.microsoft.com/office/thememl/2012/main" name="Parallax" id="{3388167B-A2EB-4685-9635-1831D9AEF8C4}" vid="{4F7A876A-7598-49CA-AFC8-8EDA2551E4A7}"/>
     </a:ext>
   </a:extLst>
 </a:theme>

--- a/php-fw5/lesson5.pptx
+++ b/php-fw5/lesson5.pptx
@@ -5,10 +5,10 @@
     <p:sldMasterId id="2147484302" r:id="rId1"/>
   </p:sldMasterIdLst>
   <p:notesMasterIdLst>
-    <p:notesMasterId r:id="rId25"/>
+    <p:notesMasterId r:id="rId24"/>
   </p:notesMasterIdLst>
   <p:handoutMasterIdLst>
-    <p:handoutMasterId r:id="rId26"/>
+    <p:handoutMasterId r:id="rId25"/>
   </p:handoutMasterIdLst>
   <p:sldIdLst>
     <p:sldId id="256" r:id="rId2"/>
@@ -22,18 +22,17 @@
     <p:sldId id="459" r:id="rId10"/>
     <p:sldId id="460" r:id="rId11"/>
     <p:sldId id="461" r:id="rId12"/>
-    <p:sldId id="462" r:id="rId13"/>
-    <p:sldId id="472" r:id="rId14"/>
+    <p:sldId id="472" r:id="rId13"/>
+    <p:sldId id="473" r:id="rId14"/>
     <p:sldId id="463" r:id="rId15"/>
     <p:sldId id="464" r:id="rId16"/>
     <p:sldId id="465" r:id="rId17"/>
     <p:sldId id="466" r:id="rId18"/>
     <p:sldId id="467" r:id="rId19"/>
-    <p:sldId id="468" r:id="rId20"/>
-    <p:sldId id="469" r:id="rId21"/>
-    <p:sldId id="470" r:id="rId22"/>
-    <p:sldId id="471" r:id="rId23"/>
-    <p:sldId id="398" r:id="rId24"/>
+    <p:sldId id="469" r:id="rId20"/>
+    <p:sldId id="470" r:id="rId21"/>
+    <p:sldId id="471" r:id="rId22"/>
+    <p:sldId id="398" r:id="rId23"/>
   </p:sldIdLst>
   <p:sldSz cx="9144000" cy="6858000" type="screen4x3"/>
   <p:notesSz cx="6858000" cy="9144000"/>
@@ -1436,7 +1435,7 @@
             <a:spcAft>
               <a:spcPct val="15000"/>
             </a:spcAft>
-            <a:buChar char="••"/>
+            <a:buChar char="•"/>
           </a:pPr>
           <a:r>
             <a:rPr lang="en-US" sz="3900" kern="1200" dirty="0" smtClean="0"/>
@@ -3225,7 +3224,7 @@
               </a14:hiddenFill>
             </a:ext>
             <a:ext uri="{FAA26D3D-D897-4be2-8F04-BA451C77F1D7}">
-              <ma14:placeholderFlag xmlns="" xmlns:ma14="http://schemas.microsoft.com/office/mac/drawingml/2011/main" val="1"/>
+              <ma14:placeholderFlag xmlns:ma14="http://schemas.microsoft.com/office/mac/drawingml/2011/main" val="1"/>
             </a:ext>
           </a:extLst>
         </p:spPr>
@@ -3767,7 +3766,7 @@
               </a14:hiddenLine>
             </a:ext>
             <a:ext uri="{FAA26D3D-D897-4be2-8F04-BA451C77F1D7}">
-              <ma14:placeholderFlag xmlns="" xmlns:ma14="http://schemas.microsoft.com/office/mac/drawingml/2011/main" val="1"/>
+              <ma14:placeholderFlag xmlns:ma14="http://schemas.microsoft.com/office/mac/drawingml/2011/main" val="1"/>
             </a:ext>
           </a:extLst>
         </p:spPr>
@@ -4007,7 +4006,7 @@
     </p:spTree>
     <p:extLst>
       <p:ext uri="{BB962C8B-B14F-4D97-AF65-F5344CB8AC3E}">
-        <p14:creationId xmlns:p14="http://schemas.microsoft.com/office/powerpoint/2010/main" val="1566625551"/>
+        <p14:creationId xmlns:p14="http://schemas.microsoft.com/office/powerpoint/2010/main" val="1099093648"/>
       </p:ext>
     </p:extLst>
   </p:cSld>
@@ -5186,7 +5185,7 @@
       </p:grpSpPr>
       <p:sp>
         <p:nvSpPr>
-          <p:cNvPr id="69634" name="Rectangle 7"/>
+          <p:cNvPr id="70658" name="Rectangle 7"/>
           <p:cNvSpPr>
             <a:spLocks noGrp="1" noChangeArrowheads="1"/>
           </p:cNvSpPr>
@@ -5318,7 +5317,7 @@
             </a:lvl9pPr>
           </a:lstStyle>
           <a:p>
-            <a:fld id="{14D305C4-E85A-4E4B-974E-1177D61F5ACE}" type="slidenum">
+            <a:fld id="{B8D8D494-3F01-4E4D-A445-95D2324D4F77}" type="slidenum">
               <a:rPr lang="zh-TW" altLang="en-US" sz="1200" smtClean="0"/>
               <a:pPr/>
               <a:t>19</a:t>
@@ -5329,7 +5328,7 @@
       </p:sp>
       <p:sp>
         <p:nvSpPr>
-          <p:cNvPr id="69635" name="Rectangle 2"/>
+          <p:cNvPr id="70659" name="Rectangle 2"/>
           <p:cNvSpPr>
             <a:spLocks noGrp="1" noRot="1" noChangeAspect="1" noChangeArrowheads="1" noTextEdit="1"/>
           </p:cNvSpPr>
@@ -5343,7 +5342,7 @@
       </p:sp>
       <p:sp>
         <p:nvSpPr>
-          <p:cNvPr id="69636" name="Rectangle 3"/>
+          <p:cNvPr id="70660" name="Rectangle 3"/>
           <p:cNvSpPr>
             <a:spLocks noGrp="1" noChangeArrowheads="1"/>
           </p:cNvSpPr>
@@ -5387,7 +5386,7 @@
     </p:spTree>
     <p:extLst>
       <p:ext uri="{BB962C8B-B14F-4D97-AF65-F5344CB8AC3E}">
-        <p14:creationId xmlns:p14="http://schemas.microsoft.com/office/powerpoint/2010/main" val="191942795"/>
+        <p14:creationId xmlns:p14="http://schemas.microsoft.com/office/powerpoint/2010/main" val="1512509645"/>
       </p:ext>
     </p:extLst>
   </p:cSld>
@@ -5416,7 +5415,7 @@
       </p:grpSpPr>
       <p:sp>
         <p:nvSpPr>
-          <p:cNvPr id="70658" name="Rectangle 7"/>
+          <p:cNvPr id="71682" name="Rectangle 7"/>
           <p:cNvSpPr>
             <a:spLocks noGrp="1" noChangeArrowheads="1"/>
           </p:cNvSpPr>
@@ -5548,7 +5547,7 @@
             </a:lvl9pPr>
           </a:lstStyle>
           <a:p>
-            <a:fld id="{B8D8D494-3F01-4E4D-A445-95D2324D4F77}" type="slidenum">
+            <a:fld id="{26F43EBF-5C12-4160-AFBE-BD92368EC4B7}" type="slidenum">
               <a:rPr lang="zh-TW" altLang="en-US" sz="1200" smtClean="0"/>
               <a:pPr/>
               <a:t>20</a:t>
@@ -5559,7 +5558,7 @@
       </p:sp>
       <p:sp>
         <p:nvSpPr>
-          <p:cNvPr id="70659" name="Rectangle 2"/>
+          <p:cNvPr id="71683" name="Rectangle 2"/>
           <p:cNvSpPr>
             <a:spLocks noGrp="1" noRot="1" noChangeAspect="1" noChangeArrowheads="1" noTextEdit="1"/>
           </p:cNvSpPr>
@@ -5573,7 +5572,7 @@
       </p:sp>
       <p:sp>
         <p:nvSpPr>
-          <p:cNvPr id="70660" name="Rectangle 3"/>
+          <p:cNvPr id="71684" name="Rectangle 3"/>
           <p:cNvSpPr>
             <a:spLocks noGrp="1" noChangeArrowheads="1"/>
           </p:cNvSpPr>
@@ -5617,7 +5616,7 @@
     </p:spTree>
     <p:extLst>
       <p:ext uri="{BB962C8B-B14F-4D97-AF65-F5344CB8AC3E}">
-        <p14:creationId xmlns:p14="http://schemas.microsoft.com/office/powerpoint/2010/main" val="1512509645"/>
+        <p14:creationId xmlns:p14="http://schemas.microsoft.com/office/powerpoint/2010/main" val="533661674"/>
       </p:ext>
     </p:extLst>
   </p:cSld>
@@ -5646,236 +5645,6 @@
       </p:grpSpPr>
       <p:sp>
         <p:nvSpPr>
-          <p:cNvPr id="71682" name="Rectangle 7"/>
-          <p:cNvSpPr>
-            <a:spLocks noGrp="1" noChangeArrowheads="1"/>
-          </p:cNvSpPr>
-          <p:nvPr>
-            <p:ph type="sldNum" sz="quarter" idx="5"/>
-          </p:nvPr>
-        </p:nvSpPr>
-        <p:spPr>
-          <a:noFill/>
-          <a:ln w="9525"/>
-          <a:extLst>
-            <a:ext uri="{909E8E84-426E-40DD-AFC4-6F175D3DCCD1}">
-              <a14:hiddenFill xmlns:a14="http://schemas.microsoft.com/office/drawing/2010/main">
-                <a:solidFill>
-                  <a:srgbClr val="FFFFFF"/>
-                </a:solidFill>
-              </a14:hiddenFill>
-            </a:ext>
-            <a:ext uri="{91240B29-F687-4F45-9708-019B960494DF}">
-              <a14:hiddenLine xmlns:a14="http://schemas.microsoft.com/office/drawing/2010/main" w="12700">
-                <a:solidFill>
-                  <a:srgbClr val="000000"/>
-                </a:solidFill>
-                <a:miter lim="800000"/>
-                <a:headEnd type="none" w="sm" len="sm"/>
-                <a:tailEnd type="none" w="sm" len="sm"/>
-              </a14:hiddenLine>
-            </a:ext>
-          </a:extLst>
-        </p:spPr>
-        <p:txBody>
-          <a:bodyPr/>
-          <a:lstStyle>
-            <a:lvl1pPr eaLnBrk="0" hangingPunct="0">
-              <a:defRPr sz="2400">
-                <a:solidFill>
-                  <a:schemeClr val="tx1"/>
-                </a:solidFill>
-                <a:latin typeface="Times New Roman" pitchFamily="18" charset="0"/>
-              </a:defRPr>
-            </a:lvl1pPr>
-            <a:lvl2pPr marL="742950" indent="-285750" eaLnBrk="0" hangingPunct="0">
-              <a:defRPr sz="2400">
-                <a:solidFill>
-                  <a:schemeClr val="tx1"/>
-                </a:solidFill>
-                <a:latin typeface="Times New Roman" pitchFamily="18" charset="0"/>
-              </a:defRPr>
-            </a:lvl2pPr>
-            <a:lvl3pPr marL="1143000" indent="-228600" eaLnBrk="0" hangingPunct="0">
-              <a:defRPr sz="2400">
-                <a:solidFill>
-                  <a:schemeClr val="tx1"/>
-                </a:solidFill>
-                <a:latin typeface="Times New Roman" pitchFamily="18" charset="0"/>
-              </a:defRPr>
-            </a:lvl3pPr>
-            <a:lvl4pPr marL="1600200" indent="-228600" eaLnBrk="0" hangingPunct="0">
-              <a:defRPr sz="2400">
-                <a:solidFill>
-                  <a:schemeClr val="tx1"/>
-                </a:solidFill>
-                <a:latin typeface="Times New Roman" pitchFamily="18" charset="0"/>
-              </a:defRPr>
-            </a:lvl4pPr>
-            <a:lvl5pPr marL="2057400" indent="-228600" eaLnBrk="0" hangingPunct="0">
-              <a:defRPr sz="2400">
-                <a:solidFill>
-                  <a:schemeClr val="tx1"/>
-                </a:solidFill>
-                <a:latin typeface="Times New Roman" pitchFamily="18" charset="0"/>
-              </a:defRPr>
-            </a:lvl5pPr>
-            <a:lvl6pPr marL="2514600" indent="-228600" eaLnBrk="0" fontAlgn="base" hangingPunct="0">
-              <a:spcBef>
-                <a:spcPct val="0"/>
-              </a:spcBef>
-              <a:spcAft>
-                <a:spcPct val="0"/>
-              </a:spcAft>
-              <a:defRPr sz="2400">
-                <a:solidFill>
-                  <a:schemeClr val="tx1"/>
-                </a:solidFill>
-                <a:latin typeface="Times New Roman" pitchFamily="18" charset="0"/>
-              </a:defRPr>
-            </a:lvl6pPr>
-            <a:lvl7pPr marL="2971800" indent="-228600" eaLnBrk="0" fontAlgn="base" hangingPunct="0">
-              <a:spcBef>
-                <a:spcPct val="0"/>
-              </a:spcBef>
-              <a:spcAft>
-                <a:spcPct val="0"/>
-              </a:spcAft>
-              <a:defRPr sz="2400">
-                <a:solidFill>
-                  <a:schemeClr val="tx1"/>
-                </a:solidFill>
-                <a:latin typeface="Times New Roman" pitchFamily="18" charset="0"/>
-              </a:defRPr>
-            </a:lvl7pPr>
-            <a:lvl8pPr marL="3429000" indent="-228600" eaLnBrk="0" fontAlgn="base" hangingPunct="0">
-              <a:spcBef>
-                <a:spcPct val="0"/>
-              </a:spcBef>
-              <a:spcAft>
-                <a:spcPct val="0"/>
-              </a:spcAft>
-              <a:defRPr sz="2400">
-                <a:solidFill>
-                  <a:schemeClr val="tx1"/>
-                </a:solidFill>
-                <a:latin typeface="Times New Roman" pitchFamily="18" charset="0"/>
-              </a:defRPr>
-            </a:lvl8pPr>
-            <a:lvl9pPr marL="3886200" indent="-228600" eaLnBrk="0" fontAlgn="base" hangingPunct="0">
-              <a:spcBef>
-                <a:spcPct val="0"/>
-              </a:spcBef>
-              <a:spcAft>
-                <a:spcPct val="0"/>
-              </a:spcAft>
-              <a:defRPr sz="2400">
-                <a:solidFill>
-                  <a:schemeClr val="tx1"/>
-                </a:solidFill>
-                <a:latin typeface="Times New Roman" pitchFamily="18" charset="0"/>
-              </a:defRPr>
-            </a:lvl9pPr>
-          </a:lstStyle>
-          <a:p>
-            <a:fld id="{26F43EBF-5C12-4160-AFBE-BD92368EC4B7}" type="slidenum">
-              <a:rPr lang="zh-TW" altLang="en-US" sz="1200" smtClean="0"/>
-              <a:pPr/>
-              <a:t>21</a:t>
-            </a:fld>
-            <a:endParaRPr lang="en-US" altLang="zh-TW" sz="1200" smtClean="0"/>
-          </a:p>
-        </p:txBody>
-      </p:sp>
-      <p:sp>
-        <p:nvSpPr>
-          <p:cNvPr id="71683" name="Rectangle 2"/>
-          <p:cNvSpPr>
-            <a:spLocks noGrp="1" noRot="1" noChangeAspect="1" noChangeArrowheads="1" noTextEdit="1"/>
-          </p:cNvSpPr>
-          <p:nvPr>
-            <p:ph type="sldImg"/>
-          </p:nvPr>
-        </p:nvSpPr>
-        <p:spPr>
-          <a:ln/>
-        </p:spPr>
-      </p:sp>
-      <p:sp>
-        <p:nvSpPr>
-          <p:cNvPr id="71684" name="Rectangle 3"/>
-          <p:cNvSpPr>
-            <a:spLocks noGrp="1" noChangeArrowheads="1"/>
-          </p:cNvSpPr>
-          <p:nvPr>
-            <p:ph type="body" idx="1"/>
-          </p:nvPr>
-        </p:nvSpPr>
-        <p:spPr>
-          <a:noFill/>
-          <a:ln w="9525"/>
-          <a:extLst>
-            <a:ext uri="{909E8E84-426E-40DD-AFC4-6F175D3DCCD1}">
-              <a14:hiddenFill xmlns:a14="http://schemas.microsoft.com/office/drawing/2010/main">
-                <a:solidFill>
-                  <a:srgbClr val="FFFFFF"/>
-                </a:solidFill>
-              </a14:hiddenFill>
-            </a:ext>
-            <a:ext uri="{91240B29-F687-4F45-9708-019B960494DF}">
-              <a14:hiddenLine xmlns:a14="http://schemas.microsoft.com/office/drawing/2010/main" w="9525">
-                <a:solidFill>
-                  <a:srgbClr val="000000"/>
-                </a:solidFill>
-                <a:miter lim="800000"/>
-                <a:headEnd type="none" w="sm" len="sm"/>
-                <a:tailEnd type="none" w="sm" len="sm"/>
-              </a14:hiddenLine>
-            </a:ext>
-          </a:extLst>
-        </p:spPr>
-        <p:txBody>
-          <a:bodyPr/>
-          <a:lstStyle/>
-          <a:p>
-            <a:endParaRPr lang="zh-TW" altLang="zh-TW" smtClean="0">
-              <a:latin typeface="Times New Roman" pitchFamily="18" charset="0"/>
-            </a:endParaRPr>
-          </a:p>
-        </p:txBody>
-      </p:sp>
-    </p:spTree>
-    <p:extLst>
-      <p:ext uri="{BB962C8B-B14F-4D97-AF65-F5344CB8AC3E}">
-        <p14:creationId xmlns:p14="http://schemas.microsoft.com/office/powerpoint/2010/main" val="533661674"/>
-      </p:ext>
-    </p:extLst>
-  </p:cSld>
-  <p:clrMapOvr>
-    <a:masterClrMapping/>
-  </p:clrMapOvr>
-</p:notes>
-</file>
-
-<file path=ppt/notesSlides/notesSlide19.xml><?xml version="1.0" encoding="utf-8"?>
-<p:notes xmlns:a="http://schemas.openxmlformats.org/drawingml/2006/main" xmlns:r="http://schemas.openxmlformats.org/officeDocument/2006/relationships" xmlns:p="http://schemas.openxmlformats.org/presentationml/2006/main">
-  <p:cSld>
-    <p:spTree>
-      <p:nvGrpSpPr>
-        <p:cNvPr id="1" name=""/>
-        <p:cNvGrpSpPr/>
-        <p:nvPr/>
-      </p:nvGrpSpPr>
-      <p:grpSpPr>
-        <a:xfrm>
-          <a:off x="0" y="0"/>
-          <a:ext cx="0" cy="0"/>
-          <a:chOff x="0" y="0"/>
-          <a:chExt cx="0" cy="0"/>
-        </a:xfrm>
-      </p:grpSpPr>
-      <p:sp>
-        <p:nvSpPr>
           <p:cNvPr id="25602" name="Rectangle 7"/>
           <p:cNvSpPr>
             <a:spLocks noGrp="1" noChangeArrowheads="1"/>
@@ -6035,7 +5804,7 @@
                   <a:spcPct val="0"/>
                 </a:spcBef>
               </a:pPr>
-              <a:t>23</a:t>
+              <a:t>22</a:t>
             </a:fld>
             <a:endParaRPr kumimoji="0" lang="en-US" altLang="zh-TW"/>
           </a:p>
@@ -6087,7 +5856,7 @@
               </a14:hiddenLine>
             </a:ext>
             <a:ext uri="{FAA26D3D-D897-4be2-8F04-BA451C77F1D7}">
-              <ma14:placeholderFlag xmlns="" xmlns:ma14="http://schemas.microsoft.com/office/mac/drawingml/2011/main" val="1"/>
+              <ma14:placeholderFlag xmlns:ma14="http://schemas.microsoft.com/office/mac/drawingml/2011/main" val="1"/>
             </a:ext>
           </a:extLst>
         </p:spPr>
@@ -14021,7 +13790,7 @@
               </a14:hiddenLine>
             </a:ext>
             <a:ext uri="{FAA26D3D-D897-4be2-8F04-BA451C77F1D7}">
-              <ma14:placeholderFlag xmlns="" xmlns:ma14="http://schemas.microsoft.com/office/mac/drawingml/2011/main" val="1"/>
+              <ma14:placeholderFlag xmlns:ma14="http://schemas.microsoft.com/office/mac/drawingml/2011/main" val="1"/>
             </a:ext>
           </a:extLst>
         </p:spPr>
@@ -14082,7 +13851,7 @@
               </a14:hiddenLine>
             </a:ext>
             <a:ext uri="{FAA26D3D-D897-4be2-8F04-BA451C77F1D7}">
-              <ma14:placeholderFlag xmlns="" xmlns:ma14="http://schemas.microsoft.com/office/mac/drawingml/2011/main" val="1"/>
+              <ma14:placeholderFlag xmlns:ma14="http://schemas.microsoft.com/office/mac/drawingml/2011/main" val="1"/>
             </a:ext>
           </a:extLst>
         </p:spPr>
@@ -15246,7 +15015,7 @@
           <a:p>
             <a:pPr eaLnBrk="1" hangingPunct="1"/>
             <a:r>
-              <a:rPr lang="en-US" altLang="zh-TW" smtClean="0">
+              <a:rPr lang="en-US" altLang="zh-TW" dirty="0" smtClean="0">
                 <a:ea typeface="新細明體" pitchFamily="18" charset="-120"/>
               </a:rPr>
               <a:t>A procedure defined by user for his own uses</a:t>
@@ -15255,34 +15024,55 @@
           <a:p>
             <a:pPr eaLnBrk="1" hangingPunct="1"/>
             <a:r>
-              <a:rPr lang="en-US" altLang="zh-TW" smtClean="0">
+              <a:rPr lang="en-US" altLang="zh-TW" dirty="0" err="1" smtClean="0">
                 <a:ea typeface="新細明體" pitchFamily="18" charset="-120"/>
               </a:rPr>
-              <a:t>Pos for using functions. Reuse, easy debug</a:t>
-            </a:r>
-          </a:p>
-          <a:p>
-            <a:pPr eaLnBrk="1" hangingPunct="1"/>
-            <a:r>
-              <a:rPr lang="en-US" altLang="zh-TW" smtClean="0">
+              <a:t>Pos</a:t>
+            </a:r>
+            <a:r>
+              <a:rPr lang="en-US" altLang="zh-TW" dirty="0" smtClean="0">
                 <a:ea typeface="新細明體" pitchFamily="18" charset="-120"/>
               </a:rPr>
-              <a:t>Copy from others and ignore the coding</a:t>
-            </a:r>
-          </a:p>
-          <a:p>
-            <a:pPr eaLnBrk="1" hangingPunct="1"/>
-            <a:r>
-              <a:rPr lang="en-US" altLang="zh-TW" smtClean="0">
+              <a:t> for using functions. Reuse, easy </a:t>
+            </a:r>
+            <a:r>
+              <a:rPr lang="en-US" altLang="zh-TW" dirty="0" smtClean="0">
                 <a:ea typeface="新細明體" pitchFamily="18" charset="-120"/>
               </a:rPr>
-              <a:t>See function1.php</a:t>
+              <a:t>debug</a:t>
             </a:r>
           </a:p>
           <a:p>
             <a:pPr eaLnBrk="1" hangingPunct="1"/>
             <a:r>
-              <a:rPr lang="en-US" altLang="zh-TW" smtClean="0">
+              <a:rPr lang="en-US" altLang="zh-TW" dirty="0" smtClean="0">
+                <a:ea typeface="新細明體" pitchFamily="18" charset="-120"/>
+              </a:rPr>
+              <a:t>Many existing built-in functions</a:t>
+            </a:r>
+            <a:endParaRPr lang="en-US" altLang="zh-TW" dirty="0" smtClean="0">
+              <a:ea typeface="新細明體" pitchFamily="18" charset="-120"/>
+            </a:endParaRPr>
+          </a:p>
+          <a:p>
+            <a:pPr eaLnBrk="1" hangingPunct="1"/>
+            <a:r>
+              <a:rPr lang="en-US" altLang="zh-TW" dirty="0" smtClean="0">
+                <a:ea typeface="新細明體" pitchFamily="18" charset="-120"/>
+              </a:rPr>
+              <a:t>See </a:t>
+            </a:r>
+            <a:r>
+              <a:rPr lang="en-US" altLang="zh-TW" dirty="0" smtClean="0">
+                <a:ea typeface="新細明體" pitchFamily="18" charset="-120"/>
+              </a:rPr>
+              <a:t>function1.php</a:t>
+            </a:r>
+          </a:p>
+          <a:p>
+            <a:pPr eaLnBrk="1" hangingPunct="1"/>
+            <a:r>
+              <a:rPr lang="en-US" altLang="zh-TW" dirty="0" smtClean="0">
                 <a:ea typeface="新細明體" pitchFamily="18" charset="-120"/>
               </a:rPr>
               <a:t>See function2.php</a:t>
@@ -15291,7 +15081,7 @@
           <a:p>
             <a:pPr eaLnBrk="1" hangingPunct="1"/>
             <a:r>
-              <a:rPr lang="en-US" altLang="zh-TW" smtClean="0">
+              <a:rPr lang="en-US" altLang="zh-TW" dirty="0" smtClean="0">
                 <a:ea typeface="新細明體" pitchFamily="18" charset="-120"/>
               </a:rPr>
               <a:t>See function3.php</a:t>
@@ -15302,7 +15092,7 @@
     </p:spTree>
     <p:extLst>
       <p:ext uri="{BB962C8B-B14F-4D97-AF65-F5344CB8AC3E}">
-        <p14:creationId xmlns:p14="http://schemas.microsoft.com/office/powerpoint/2010/main" val="1345161360"/>
+        <p14:creationId xmlns:p14="http://schemas.microsoft.com/office/powerpoint/2010/main" val="658097214"/>
       </p:ext>
     </p:extLst>
   </p:cSld>
@@ -15368,8 +15158,33 @@
           <a:lstStyle/>
           <a:p>
             <a:r>
+              <a:rPr lang="en-US" altLang="zh-TW" dirty="0">
+                <a:ea typeface="新細明體" pitchFamily="18" charset="-120"/>
+              </a:rPr>
+              <a:t>Copy from others and </a:t>
+            </a:r>
+            <a:r>
+              <a:rPr lang="en-US" altLang="zh-TW" dirty="0" smtClean="0">
+                <a:ea typeface="新細明體" pitchFamily="18" charset="-120"/>
+              </a:rPr>
+              <a:t>no need to understand the coding. </a:t>
+            </a:r>
+            <a:r>
+              <a:rPr lang="en-US" altLang="zh-TW" smtClean="0">
+                <a:ea typeface="新細明體" pitchFamily="18" charset="-120"/>
+              </a:rPr>
+              <a:t>Just need to know how to use.</a:t>
+            </a:r>
+            <a:endParaRPr lang="en-US" dirty="0" smtClean="0"/>
+          </a:p>
+          <a:p>
+            <a:r>
+              <a:rPr lang="en-US" dirty="0" smtClean="0"/>
+              <a:t>https</a:t>
+            </a:r>
+            <a:r>
               <a:rPr lang="en-US" dirty="0"/>
-              <a:t>https://</a:t>
+              <a:t>://</a:t>
             </a:r>
             <a:r>
               <a:rPr lang="en-US" dirty="0" smtClean="0"/>
@@ -15378,17 +15193,17 @@
           </a:p>
           <a:p>
             <a:r>
-              <a:rPr lang="en-US" smtClean="0"/>
-              <a:t>function2b.php</a:t>
-            </a:r>
-            <a:endParaRPr lang="en-US"/>
+              <a:rPr lang="en-US" dirty="0" smtClean="0"/>
+              <a:t>function4.php</a:t>
+            </a:r>
+            <a:endParaRPr lang="en-US" dirty="0"/>
           </a:p>
         </p:txBody>
       </p:sp>
     </p:spTree>
     <p:extLst>
       <p:ext uri="{BB962C8B-B14F-4D97-AF65-F5344CB8AC3E}">
-        <p14:creationId xmlns:p14="http://schemas.microsoft.com/office/powerpoint/2010/main" val="4078953387"/>
+        <p14:creationId xmlns:p14="http://schemas.microsoft.com/office/powerpoint/2010/main" val="1960094089"/>
       </p:ext>
     </p:extLst>
   </p:cSld>
@@ -15763,13 +15578,13 @@
               <a:rPr lang="mr-IN" altLang="zh-TW" dirty="0" smtClean="0">
                 <a:ea typeface="新細明體" pitchFamily="18" charset="-120"/>
               </a:rPr>
-              <a:t>"</a:t>
+              <a:t>”</a:t>
             </a:r>
             <a:r>
               <a:rPr lang="en-US" altLang="zh-TW" dirty="0" smtClean="0">
                 <a:ea typeface="新細明體" pitchFamily="18" charset="-120"/>
               </a:rPr>
-              <a:t>name</a:t>
+              <a:t>variable</a:t>
             </a:r>
             <a:r>
               <a:rPr lang="mr-IN" altLang="zh-TW" dirty="0" smtClean="0">
@@ -15811,7 +15626,7 @@
               <a:rPr lang="en-US" altLang="zh-TW" dirty="0" err="1" smtClean="0">
                 <a:ea typeface="新細明體" pitchFamily="18" charset="-120"/>
               </a:rPr>
-              <a:t>exp</a:t>
+              <a:t>expiry_second</a:t>
             </a:r>
             <a:r>
               <a:rPr lang="en-US" altLang="zh-TW" dirty="0" smtClean="0">
@@ -15819,6 +15634,9 @@
               </a:rPr>
               <a:t>);</a:t>
             </a:r>
+            <a:endParaRPr lang="en-US" altLang="zh-TW" dirty="0" smtClean="0">
+              <a:ea typeface="新細明體" pitchFamily="18" charset="-120"/>
+            </a:endParaRPr>
           </a:p>
           <a:p>
             <a:pPr eaLnBrk="1" hangingPunct="1"/>
@@ -16012,7 +15830,7 @@
       </p:grpSpPr>
       <p:sp>
         <p:nvSpPr>
-          <p:cNvPr id="206850" name="Rectangle 2"/>
+          <p:cNvPr id="207874" name="Rectangle 2"/>
           <p:cNvSpPr>
             <a:spLocks noGrp="1" noChangeArrowheads="1"/>
           </p:cNvSpPr>
@@ -16029,18 +15847,18 @@
               <a:defRPr/>
             </a:pPr>
             <a:r>
-              <a:rPr lang="en-US" altLang="zh-TW" dirty="0" smtClean="0">
+              <a:rPr lang="en-US" altLang="zh-TW" smtClean="0">
                 <a:latin typeface="Times New Roman" charset="0"/>
                 <a:ea typeface="新細明體" charset="-120"/>
               </a:rPr>
-              <a:t>Remove all Cookies</a:t>
-            </a:r>
-          </a:p>
-        </p:txBody>
-      </p:sp>
-      <p:sp>
-        <p:nvSpPr>
-          <p:cNvPr id="38915" name="Rectangle 3"/>
+              <a:t>Session</a:t>
+            </a:r>
+          </a:p>
+        </p:txBody>
+      </p:sp>
+      <p:sp>
+        <p:nvSpPr>
+          <p:cNvPr id="39939" name="Rectangle 3"/>
           <p:cNvSpPr>
             <a:spLocks noGrp="1" noChangeArrowheads="1"/>
           </p:cNvSpPr>
@@ -16058,7 +15876,7 @@
               <a:rPr lang="en-US" altLang="zh-TW" smtClean="0">
                 <a:ea typeface="新細明體" pitchFamily="18" charset="-120"/>
               </a:rPr>
-              <a:t>setcookie();</a:t>
+              <a:t>A random number generated by the server to check user concurrent connection</a:t>
             </a:r>
           </a:p>
           <a:p>
@@ -16067,7 +15885,16 @@
               <a:rPr lang="en-US" altLang="zh-TW" smtClean="0">
                 <a:ea typeface="新細明體" pitchFamily="18" charset="-120"/>
               </a:rPr>
-              <a:t>cookieReset2.php</a:t>
+              <a:t>Similar to cookie, but the information stored on server</a:t>
+            </a:r>
+          </a:p>
+          <a:p>
+            <a:pPr eaLnBrk="1" hangingPunct="1"/>
+            <a:r>
+              <a:rPr lang="en-US" altLang="zh-TW" smtClean="0">
+                <a:ea typeface="新細明體" pitchFamily="18" charset="-120"/>
+              </a:rPr>
+              <a:t>sessionstart.php, session2.php, session3.php</a:t>
             </a:r>
           </a:p>
         </p:txBody>
@@ -16075,7 +15902,7 @@
     </p:spTree>
     <p:extLst>
       <p:ext uri="{BB962C8B-B14F-4D97-AF65-F5344CB8AC3E}">
-        <p14:creationId xmlns:p14="http://schemas.microsoft.com/office/powerpoint/2010/main" val="981820449"/>
+        <p14:creationId xmlns:p14="http://schemas.microsoft.com/office/powerpoint/2010/main" val="462117771"/>
       </p:ext>
     </p:extLst>
   </p:cSld>
@@ -16248,7 +16075,7 @@
       </p:grpSpPr>
       <p:sp>
         <p:nvSpPr>
-          <p:cNvPr id="207874" name="Rectangle 2"/>
+          <p:cNvPr id="210946" name="Rectangle 1026"/>
           <p:cNvSpPr>
             <a:spLocks noGrp="1" noChangeArrowheads="1"/>
           </p:cNvSpPr>
@@ -16265,18 +16092,18 @@
               <a:defRPr/>
             </a:pPr>
             <a:r>
-              <a:rPr lang="en-US" altLang="zh-TW" smtClean="0">
+              <a:rPr lang="en-US" altLang="zh-TW" dirty="0" smtClean="0">
                 <a:latin typeface="Times New Roman" charset="0"/>
                 <a:ea typeface="新細明體" charset="-120"/>
               </a:rPr>
-              <a:t>Session</a:t>
-            </a:r>
-          </a:p>
-        </p:txBody>
-      </p:sp>
-      <p:sp>
-        <p:nvSpPr>
-          <p:cNvPr id="39939" name="Rectangle 3"/>
+              <a:t>Create snippet</a:t>
+            </a:r>
+          </a:p>
+        </p:txBody>
+      </p:sp>
+      <p:sp>
+        <p:nvSpPr>
+          <p:cNvPr id="40963" name="Rectangle 1027"/>
           <p:cNvSpPr>
             <a:spLocks noGrp="1" noChangeArrowheads="1"/>
           </p:cNvSpPr>
@@ -16291,28 +16118,52 @@
           <a:p>
             <a:pPr eaLnBrk="1" hangingPunct="1"/>
             <a:r>
-              <a:rPr lang="en-US" altLang="zh-TW" smtClean="0">
+              <a:rPr lang="en-US" altLang="zh-TW" dirty="0" smtClean="0">
                 <a:ea typeface="新細明體" pitchFamily="18" charset="-120"/>
               </a:rPr>
-              <a:t>A random number generated by the server to check user concurrent connection</a:t>
+              <a:t>For those you use it repeatedly, you may want to save it as a snippet to load the code by one click.</a:t>
             </a:r>
           </a:p>
           <a:p>
             <a:pPr eaLnBrk="1" hangingPunct="1"/>
             <a:r>
-              <a:rPr lang="en-US" altLang="zh-TW" smtClean="0">
+              <a:rPr lang="en-US" altLang="zh-TW" dirty="0" smtClean="0">
                 <a:ea typeface="新細明體" pitchFamily="18" charset="-120"/>
               </a:rPr>
-              <a:t>Similar to cookie, but the information stored on server</a:t>
-            </a:r>
-          </a:p>
-          <a:p>
-            <a:pPr eaLnBrk="1" hangingPunct="1"/>
-            <a:r>
-              <a:rPr lang="en-US" altLang="zh-TW" smtClean="0">
+              <a:t>Highlight the codes, right click, </a:t>
+            </a:r>
+            <a:r>
+              <a:rPr lang="mr-IN" altLang="zh-TW" dirty="0" smtClean="0">
                 <a:ea typeface="新細明體" pitchFamily="18" charset="-120"/>
               </a:rPr>
-              <a:t>sessionstart.php, session2.php, session3.php</a:t>
+              <a:t>"</a:t>
+            </a:r>
+            <a:r>
+              <a:rPr lang="en-US" altLang="zh-TW" dirty="0" smtClean="0">
+                <a:ea typeface="新細明體" pitchFamily="18" charset="-120"/>
+              </a:rPr>
+              <a:t>Create New Snippet</a:t>
+            </a:r>
+            <a:r>
+              <a:rPr lang="mr-IN" altLang="zh-TW" dirty="0" smtClean="0">
+                <a:ea typeface="新細明體" pitchFamily="18" charset="-120"/>
+              </a:rPr>
+              <a:t>"</a:t>
+            </a:r>
+            <a:r>
+              <a:rPr lang="en-US" altLang="zh-TW" dirty="0" smtClean="0">
+                <a:ea typeface="新細明體" pitchFamily="18" charset="-120"/>
+              </a:rPr>
+              <a:t>, name it, OK</a:t>
+            </a:r>
+          </a:p>
+          <a:p>
+            <a:pPr eaLnBrk="1" hangingPunct="1"/>
+            <a:r>
+              <a:rPr lang="en-US" altLang="zh-TW" dirty="0" smtClean="0">
+                <a:ea typeface="新細明體" pitchFamily="18" charset="-120"/>
+              </a:rPr>
+              <a:t>Windows -&gt; Snippet -&gt; double click to load</a:t>
             </a:r>
           </a:p>
         </p:txBody>
@@ -16320,7 +16171,7 @@
     </p:spTree>
     <p:extLst>
       <p:ext uri="{BB962C8B-B14F-4D97-AF65-F5344CB8AC3E}">
-        <p14:creationId xmlns:p14="http://schemas.microsoft.com/office/powerpoint/2010/main" val="462117771"/>
+        <p14:creationId xmlns:p14="http://schemas.microsoft.com/office/powerpoint/2010/main" val="985673976"/>
       </p:ext>
     </p:extLst>
   </p:cSld>
@@ -16352,134 +16203,6 @@
       </p:grpSpPr>
       <p:sp>
         <p:nvSpPr>
-          <p:cNvPr id="210946" name="Rectangle 1026"/>
-          <p:cNvSpPr>
-            <a:spLocks noGrp="1" noChangeArrowheads="1"/>
-          </p:cNvSpPr>
-          <p:nvPr>
-            <p:ph type="title"/>
-          </p:nvPr>
-        </p:nvSpPr>
-        <p:spPr/>
-        <p:txBody>
-          <a:bodyPr/>
-          <a:lstStyle/>
-          <a:p>
-            <a:pPr eaLnBrk="1" hangingPunct="1">
-              <a:defRPr/>
-            </a:pPr>
-            <a:r>
-              <a:rPr lang="en-US" altLang="zh-TW" dirty="0" smtClean="0">
-                <a:latin typeface="Times New Roman" charset="0"/>
-                <a:ea typeface="新細明體" charset="-120"/>
-              </a:rPr>
-              <a:t>Create snippet</a:t>
-            </a:r>
-          </a:p>
-        </p:txBody>
-      </p:sp>
-      <p:sp>
-        <p:nvSpPr>
-          <p:cNvPr id="40963" name="Rectangle 1027"/>
-          <p:cNvSpPr>
-            <a:spLocks noGrp="1" noChangeArrowheads="1"/>
-          </p:cNvSpPr>
-          <p:nvPr>
-            <p:ph idx="1"/>
-          </p:nvPr>
-        </p:nvSpPr>
-        <p:spPr/>
-        <p:txBody>
-          <a:bodyPr/>
-          <a:lstStyle/>
-          <a:p>
-            <a:pPr eaLnBrk="1" hangingPunct="1"/>
-            <a:r>
-              <a:rPr lang="en-US" altLang="zh-TW" dirty="0" smtClean="0">
-                <a:ea typeface="新細明體" pitchFamily="18" charset="-120"/>
-              </a:rPr>
-              <a:t>For those you use it repeatedly, you may want to save it as a snippet to load the code by one click.</a:t>
-            </a:r>
-          </a:p>
-          <a:p>
-            <a:pPr eaLnBrk="1" hangingPunct="1"/>
-            <a:r>
-              <a:rPr lang="en-US" altLang="zh-TW" dirty="0" smtClean="0">
-                <a:ea typeface="新細明體" pitchFamily="18" charset="-120"/>
-              </a:rPr>
-              <a:t>Highlight the codes, right click, </a:t>
-            </a:r>
-            <a:r>
-              <a:rPr lang="mr-IN" altLang="zh-TW" dirty="0" smtClean="0">
-                <a:ea typeface="新細明體" pitchFamily="18" charset="-120"/>
-              </a:rPr>
-              <a:t>"</a:t>
-            </a:r>
-            <a:r>
-              <a:rPr lang="en-US" altLang="zh-TW" dirty="0" smtClean="0">
-                <a:ea typeface="新細明體" pitchFamily="18" charset="-120"/>
-              </a:rPr>
-              <a:t>Create New Snippet</a:t>
-            </a:r>
-            <a:r>
-              <a:rPr lang="mr-IN" altLang="zh-TW" dirty="0" smtClean="0">
-                <a:ea typeface="新細明體" pitchFamily="18" charset="-120"/>
-              </a:rPr>
-              <a:t>"</a:t>
-            </a:r>
-            <a:r>
-              <a:rPr lang="en-US" altLang="zh-TW" dirty="0" smtClean="0">
-                <a:ea typeface="新細明體" pitchFamily="18" charset="-120"/>
-              </a:rPr>
-              <a:t>, name it, OK</a:t>
-            </a:r>
-          </a:p>
-          <a:p>
-            <a:pPr eaLnBrk="1" hangingPunct="1"/>
-            <a:r>
-              <a:rPr lang="en-US" altLang="zh-TW" dirty="0" smtClean="0">
-                <a:ea typeface="新細明體" pitchFamily="18" charset="-120"/>
-              </a:rPr>
-              <a:t>Windows -&gt; Snippet -&gt; double click to load</a:t>
-            </a:r>
-          </a:p>
-        </p:txBody>
-      </p:sp>
-    </p:spTree>
-    <p:extLst>
-      <p:ext uri="{BB962C8B-B14F-4D97-AF65-F5344CB8AC3E}">
-        <p14:creationId xmlns:p14="http://schemas.microsoft.com/office/powerpoint/2010/main" val="985673976"/>
-      </p:ext>
-    </p:extLst>
-  </p:cSld>
-  <p:clrMapOvr>
-    <a:masterClrMapping/>
-  </p:clrMapOvr>
-  <p:transition>
-    <p:checker/>
-  </p:transition>
-</p:sld>
-</file>
-
-<file path=ppt/slides/slide22.xml><?xml version="1.0" encoding="utf-8"?>
-<p:sld xmlns:a="http://schemas.openxmlformats.org/drawingml/2006/main" xmlns:r="http://schemas.openxmlformats.org/officeDocument/2006/relationships" xmlns:p="http://schemas.openxmlformats.org/presentationml/2006/main">
-  <p:cSld>
-    <p:spTree>
-      <p:nvGrpSpPr>
-        <p:cNvPr id="1" name=""/>
-        <p:cNvGrpSpPr/>
-        <p:nvPr/>
-      </p:nvGrpSpPr>
-      <p:grpSpPr>
-        <a:xfrm>
-          <a:off x="0" y="0"/>
-          <a:ext cx="0" cy="0"/>
-          <a:chOff x="0" y="0"/>
-          <a:chExt cx="0" cy="0"/>
-        </a:xfrm>
-      </p:grpSpPr>
-      <p:sp>
-        <p:nvSpPr>
           <p:cNvPr id="2" name="Title 1"/>
           <p:cNvSpPr>
             <a:spLocks noGrp="1"/>
@@ -16520,8 +16243,91 @@
           <a:lstStyle/>
           <a:p>
             <a:r>
-              <a:rPr lang="en-US" smtClean="0"/>
+              <a:rPr lang="en-US" dirty="0" smtClean="0">
+                <a:hlinkClick r:id="rId2"/>
+              </a:rPr>
               <a:t>www.zaturday.com/homework/login.html</a:t>
+            </a:r>
+            <a:endParaRPr lang="en-US" dirty="0" smtClean="0"/>
+          </a:p>
+          <a:p>
+            <a:endParaRPr lang="en-US" dirty="0" smtClean="0"/>
+          </a:p>
+          <a:p>
+            <a:r>
+              <a:rPr lang="en-US" dirty="0" smtClean="0"/>
+              <a:t>Lesson </a:t>
+            </a:r>
+            <a:r>
+              <a:rPr lang="en-US" dirty="0"/>
+              <a:t>24</a:t>
+            </a:r>
+          </a:p>
+          <a:p>
+            <a:r>
+              <a:rPr lang="en-US" dirty="0"/>
+              <a:t>Save the username in cookie</a:t>
+            </a:r>
+            <a:r>
+              <a:rPr lang="en-US" dirty="0" smtClean="0"/>
+              <a:t>. (</a:t>
+            </a:r>
+            <a:r>
+              <a:rPr lang="en-US" dirty="0" err="1" smtClean="0"/>
+              <a:t>login.php</a:t>
+            </a:r>
+            <a:r>
+              <a:rPr lang="en-US" dirty="0" smtClean="0"/>
+              <a:t>)</a:t>
+            </a:r>
+            <a:endParaRPr lang="en-US" dirty="0"/>
+          </a:p>
+          <a:p>
+            <a:r>
+              <a:rPr lang="en-US" dirty="0"/>
+              <a:t>Display the cookie username</a:t>
+            </a:r>
+            <a:r>
+              <a:rPr lang="en-US" dirty="0" smtClean="0"/>
+              <a:t>.</a:t>
+            </a:r>
+            <a:r>
+              <a:rPr lang="en-US" dirty="0"/>
+              <a:t> (login2.php)</a:t>
+            </a:r>
+            <a:endParaRPr lang="en-US" dirty="0"/>
+          </a:p>
+          <a:p>
+            <a:r>
+              <a:rPr lang="en-US" dirty="0"/>
+              <a:t>Logout to remove cookie</a:t>
+            </a:r>
+            <a:r>
+              <a:rPr lang="en-US" dirty="0" smtClean="0"/>
+              <a:t>.</a:t>
+            </a:r>
+            <a:r>
+              <a:rPr lang="en-US" dirty="0"/>
+              <a:t> (</a:t>
+            </a:r>
+            <a:r>
+              <a:rPr lang="en-US" dirty="0" err="1" smtClean="0"/>
+              <a:t>logout.php</a:t>
+            </a:r>
+            <a:r>
+              <a:rPr lang="en-US" dirty="0"/>
+              <a:t>)</a:t>
+            </a:r>
+            <a:endParaRPr lang="en-US" dirty="0"/>
+          </a:p>
+          <a:p>
+            <a:r>
+              <a:rPr lang="en-US" dirty="0"/>
+              <a:t>Display the cookie username again (no more username</a:t>
+            </a:r>
+            <a:r>
+              <a:rPr lang="en-US" dirty="0" smtClean="0"/>
+              <a:t>).</a:t>
             </a:r>
             <a:endParaRPr lang="en-US" dirty="0"/>
           </a:p>
@@ -16540,7 +16346,7 @@
 </p:sld>
 </file>
 
-<file path=ppt/slides/slide23.xml><?xml version="1.0" encoding="utf-8"?>
+<file path=ppt/slides/slide22.xml><?xml version="1.0" encoding="utf-8"?>
 <p:sld xmlns:a="http://schemas.openxmlformats.org/drawingml/2006/main" xmlns:r="http://schemas.openxmlformats.org/officeDocument/2006/relationships" xmlns:p="http://schemas.openxmlformats.org/presentationml/2006/main">
   <p:cSld>
     <p:spTree>
@@ -17129,9 +16935,6 @@
               </a:rPr>
               <a:t>www.sony.com.hk</a:t>
             </a:r>
-            <a:endParaRPr lang="en-US" altLang="zh-TW" dirty="0" smtClean="0">
-              <a:ea typeface="新細明體" pitchFamily="18" charset="-120"/>
-            </a:endParaRPr>
           </a:p>
           <a:p>
             <a:pPr eaLnBrk="1" hangingPunct="1"/>

--- a/php-fw5/lesson5.pptx
+++ b/php-fw5/lesson5.pptx
@@ -1190,8 +1190,8 @@
       </dsp:nvSpPr>
       <dsp:spPr>
         <a:xfrm>
-          <a:off x="2197324" y="2366462"/>
-          <a:ext cx="723615" cy="67675"/>
+          <a:off x="2260094" y="1632199"/>
+          <a:ext cx="734664" cy="67763"/>
         </a:xfrm>
         <a:custGeom>
           <a:avLst/>
@@ -1202,10 +1202,10 @@
           <a:pathLst>
             <a:path>
               <a:moveTo>
-                <a:pt x="0" y="33837"/>
+                <a:pt x="0" y="33881"/>
               </a:moveTo>
               <a:lnTo>
-                <a:pt x="723615" y="33837"/>
+                <a:pt x="734664" y="33881"/>
               </a:lnTo>
             </a:path>
           </a:pathLst>
@@ -1245,8 +1245,8 @@
       </dsp:nvSpPr>
       <dsp:spPr>
         <a:xfrm>
-          <a:off x="359606" y="1549435"/>
-          <a:ext cx="1701729" cy="1701729"/>
+          <a:off x="369741" y="790846"/>
+          <a:ext cx="1750469" cy="1750469"/>
         </a:xfrm>
         <a:prstGeom prst="ellipse">
           <a:avLst/>
@@ -1294,8 +1294,8 @@
       </dsp:nvSpPr>
       <dsp:spPr>
         <a:xfrm>
-          <a:off x="2920940" y="1883293"/>
-          <a:ext cx="1656745" cy="1034013"/>
+          <a:off x="2994759" y="1134267"/>
+          <a:ext cx="1704197" cy="1063628"/>
         </a:xfrm>
         <a:prstGeom prst="ellipse">
           <a:avLst/>
@@ -1356,12 +1356,12 @@
         </a:fontRef>
       </dsp:style>
       <dsp:txBody>
-        <a:bodyPr spcFirstLastPara="0" vert="horz" wrap="square" lIns="11430" tIns="11430" rIns="11430" bIns="11430" numCol="1" spcCol="1270" anchor="ctr" anchorCtr="0">
+        <a:bodyPr spcFirstLastPara="0" vert="horz" wrap="square" lIns="12065" tIns="12065" rIns="12065" bIns="12065" numCol="1" spcCol="1270" anchor="ctr" anchorCtr="0">
           <a:noAutofit/>
         </a:bodyPr>
         <a:lstStyle/>
         <a:p>
-          <a:pPr lvl="0" algn="ctr" defTabSz="800100">
+          <a:pPr lvl="0" algn="ctr" defTabSz="844550">
             <a:lnSpc>
               <a:spcPct val="90000"/>
             </a:lnSpc>
@@ -1373,19 +1373,19 @@
             </a:spcAft>
           </a:pPr>
           <a:r>
-            <a:rPr lang="en-US" sz="1800" kern="1200" dirty="0" err="1" smtClean="0">
+            <a:rPr lang="en-US" sz="1900" kern="1200" dirty="0" err="1" smtClean="0">
               <a:solidFill>
                 <a:schemeClr val="bg1"/>
               </a:solidFill>
             </a:rPr>
             <a:t>require.php</a:t>
           </a:r>
-          <a:endParaRPr lang="en-US" sz="1800" kern="1200" dirty="0"/>
+          <a:endParaRPr lang="en-US" sz="1900" kern="1200" dirty="0"/>
         </a:p>
       </dsp:txBody>
       <dsp:txXfrm>
-        <a:off x="3163565" y="2034721"/>
-        <a:ext cx="1171495" cy="731157"/>
+        <a:off x="3244333" y="1290032"/>
+        <a:ext cx="1205049" cy="752098"/>
       </dsp:txXfrm>
     </dsp:sp>
     <dsp:sp modelId="{88193733-95DC-44E5-9984-B3499F1799D0}">
@@ -1395,8 +1395,8 @@
       </dsp:nvSpPr>
       <dsp:spPr>
         <a:xfrm>
-          <a:off x="4790613" y="1883293"/>
-          <a:ext cx="2485118" cy="1034013"/>
+          <a:off x="4917982" y="1134267"/>
+          <a:ext cx="2556295" cy="1063628"/>
         </a:xfrm>
         <a:prstGeom prst="rect">
           <a:avLst/>
@@ -1425,7 +1425,7 @@
         </a:bodyPr>
         <a:lstStyle/>
         <a:p>
-          <a:pPr marL="285750" lvl="1" indent="-285750" algn="l" defTabSz="1733550">
+          <a:pPr marL="285750" lvl="1" indent="-285750" algn="l" defTabSz="1778000">
             <a:lnSpc>
               <a:spcPct val="90000"/>
             </a:lnSpc>
@@ -1438,15 +1438,15 @@
             <a:buChar char="•"/>
           </a:pPr>
           <a:r>
-            <a:rPr lang="en-US" sz="3900" kern="1200" dirty="0" smtClean="0"/>
+            <a:rPr lang="en-US" sz="4000" kern="1200" dirty="0" smtClean="0"/>
             <a:t>require.inc</a:t>
           </a:r>
-          <a:endParaRPr lang="en-US" sz="3900" kern="1200" dirty="0"/>
+          <a:endParaRPr lang="en-US" sz="4000" kern="1200" dirty="0"/>
         </a:p>
       </dsp:txBody>
       <dsp:txXfrm>
-        <a:off x="4790613" y="1883293"/>
-        <a:ext cx="2485118" cy="1034013"/>
+        <a:off x="4917982" y="1134267"/>
+        <a:ext cx="2556295" cy="1063628"/>
       </dsp:txXfrm>
     </dsp:sp>
   </dsp:spTree>
@@ -3942,7 +3942,7 @@
               <a:pPr/>
               <a:t>12</a:t>
             </a:fld>
-            <a:endParaRPr lang="en-US" altLang="zh-TW" sz="1200" smtClean="0"/>
+            <a:endParaRPr lang="en-US" altLang="zh-TW" sz="1200"/>
           </a:p>
         </p:txBody>
       </p:sp>
@@ -3997,7 +3997,7 @@
           <a:bodyPr/>
           <a:lstStyle/>
           <a:p>
-            <a:endParaRPr lang="zh-TW" altLang="zh-TW" smtClean="0">
+            <a:endParaRPr lang="zh-TW" altLang="zh-TW">
               <a:latin typeface="Times New Roman" pitchFamily="18" charset="0"/>
             </a:endParaRPr>
           </a:p>
@@ -4402,7 +4402,7 @@
               <a:pPr/>
               <a:t>15</a:t>
             </a:fld>
-            <a:endParaRPr lang="en-US" altLang="zh-TW" sz="1200" smtClean="0"/>
+            <a:endParaRPr lang="en-US" altLang="zh-TW" sz="1200"/>
           </a:p>
         </p:txBody>
       </p:sp>
@@ -4457,7 +4457,7 @@
           <a:bodyPr/>
           <a:lstStyle/>
           <a:p>
-            <a:endParaRPr lang="zh-TW" altLang="zh-TW" smtClean="0">
+            <a:endParaRPr lang="zh-TW" altLang="zh-TW">
               <a:latin typeface="Times New Roman" pitchFamily="18" charset="0"/>
             </a:endParaRPr>
           </a:p>
@@ -14497,24 +14497,16 @@
             <p:ph type="ctrTitle"/>
           </p:nvPr>
         </p:nvSpPr>
-        <p:spPr>
-          <a:xfrm>
-            <a:off x="1739900" y="914400"/>
-            <a:ext cx="6946900" cy="3487738"/>
-          </a:xfrm>
-        </p:spPr>
+        <p:spPr/>
         <p:txBody>
           <a:bodyPr/>
           <a:lstStyle/>
           <a:p>
             <a:r>
-              <a:rPr lang="en-US" altLang="zh-TW">
-                <a:ln>
-                  <a:noFill/>
-                </a:ln>
-              </a:rPr>
+              <a:rPr lang="en-US" altLang="zh-TW" smtClean="0"/>
               <a:t>Professional Diploma in Commercial Web Design</a:t>
             </a:r>
+            <a:endParaRPr lang="en-US" altLang="zh-TW"/>
           </a:p>
         </p:txBody>
       </p:sp>
@@ -14528,12 +14520,7 @@
             <p:ph type="subTitle" idx="1"/>
           </p:nvPr>
         </p:nvSpPr>
-        <p:spPr>
-          <a:xfrm>
-            <a:off x="2924175" y="4402138"/>
-            <a:ext cx="5762625" cy="1365250"/>
-          </a:xfrm>
-        </p:spPr>
+        <p:spPr/>
         <p:txBody>
           <a:bodyPr>
             <a:normAutofit fontScale="92500" lnSpcReduction="20000"/>
@@ -14541,26 +14528,21 @@
           <a:lstStyle/>
           <a:p>
             <a:r>
-              <a:rPr lang="en-US" altLang="zh-TW" dirty="0"/>
+              <a:rPr lang="en-US" altLang="zh-TW" smtClean="0"/>
               <a:t>Lesson 5</a:t>
             </a:r>
           </a:p>
           <a:p>
             <a:r>
-              <a:rPr lang="en-US" altLang="zh-TW" dirty="0"/>
+              <a:rPr lang="en-US" altLang="zh-TW" smtClean="0"/>
               <a:t>PHP</a:t>
             </a:r>
           </a:p>
           <a:p>
             <a:r>
-              <a:rPr lang="en-US" altLang="zh-TW" dirty="0"/>
-              <a:t>By Raymond Tsang in </a:t>
-            </a:r>
-            <a:r>
-              <a:rPr lang="en-US" altLang="zh-TW" dirty="0" err="1" smtClean="0"/>
-              <a:t>Fevaworks</a:t>
-            </a:r>
-            <a:endParaRPr lang="en-US" altLang="zh-TW" dirty="0" smtClean="0"/>
+              <a:rPr lang="en-US" altLang="zh-TW" smtClean="0"/>
+              <a:t>By Raymond Tsang in Fevaworks</a:t>
+            </a:r>
           </a:p>
           <a:p>
             <a:r>
@@ -14786,34 +14768,11 @@
           <a:bodyPr/>
           <a:lstStyle/>
           <a:p>
-            <a:pPr eaLnBrk="1" hangingPunct="1">
-              <a:defRPr/>
-            </a:pPr>
-            <a:r>
-              <a:rPr lang="en-US" altLang="zh-TW" dirty="0" err="1" smtClean="0">
-                <a:latin typeface="Times New Roman" charset="0"/>
-                <a:ea typeface="新細明體" charset="-120"/>
-              </a:rPr>
-              <a:t>Include_once</a:t>
-            </a:r>
-            <a:r>
-              <a:rPr lang="en-US" altLang="zh-TW" dirty="0" smtClean="0">
-                <a:latin typeface="Times New Roman" charset="0"/>
-                <a:ea typeface="新細明體" charset="-120"/>
-              </a:rPr>
-              <a:t> and </a:t>
-            </a:r>
-            <a:r>
-              <a:rPr lang="en-US" altLang="zh-TW" dirty="0" err="1" smtClean="0">
-                <a:latin typeface="Times New Roman" charset="0"/>
-                <a:ea typeface="新細明體" charset="-120"/>
-              </a:rPr>
-              <a:t>require_once</a:t>
-            </a:r>
-            <a:endParaRPr lang="en-US" altLang="zh-TW" dirty="0" smtClean="0">
-              <a:latin typeface="Times New Roman" charset="0"/>
-              <a:ea typeface="新細明體" charset="-120"/>
-            </a:endParaRPr>
+            <a:r>
+              <a:rPr lang="en-US" altLang="zh-TW" smtClean="0"/>
+              <a:t>Include_once and require_once</a:t>
+            </a:r>
+            <a:endParaRPr lang="en-US" altLang="zh-TW" dirty="0" smtClean="0"/>
           </a:p>
         </p:txBody>
       </p:sp>
@@ -14832,22 +14791,17 @@
           <a:bodyPr/>
           <a:lstStyle/>
           <a:p>
-            <a:pPr eaLnBrk="1" hangingPunct="1"/>
-            <a:r>
-              <a:rPr lang="en-US" altLang="zh-TW" smtClean="0">
-                <a:ea typeface="新細明體" pitchFamily="18" charset="-120"/>
-              </a:rPr>
+            <a:r>
+              <a:rPr lang="en-US" altLang="zh-TW" smtClean="0"/>
               <a:t>_once only call another file one time.  If it has been called before, the main php does not recall the same file again</a:t>
             </a:r>
           </a:p>
           <a:p>
-            <a:pPr eaLnBrk="1" hangingPunct="1"/>
-            <a:r>
-              <a:rPr lang="en-US" altLang="zh-TW" smtClean="0">
-                <a:ea typeface="新細明體" pitchFamily="18" charset="-120"/>
-              </a:rPr>
+            <a:r>
+              <a:rPr lang="en-US" altLang="zh-TW" smtClean="0"/>
               <a:t>require_once is better since it checks if the file is present; otherwise, php halted.  Also better for security.</a:t>
             </a:r>
+            <a:endParaRPr lang="en-US" altLang="zh-TW" smtClean="0"/>
           </a:p>
         </p:txBody>
       </p:sp>
@@ -14899,16 +14853,11 @@
           <a:bodyPr/>
           <a:lstStyle/>
           <a:p>
-            <a:pPr eaLnBrk="1" hangingPunct="1">
-              <a:defRPr/>
-            </a:pPr>
-            <a:r>
-              <a:rPr lang="en-US" altLang="zh-TW" dirty="0" smtClean="0">
-                <a:latin typeface="Times New Roman" charset="0"/>
-                <a:ea typeface="新細明體" charset="-120"/>
-              </a:rPr>
+            <a:r>
+              <a:rPr lang="en-US" altLang="zh-TW" smtClean="0"/>
               <a:t>Break</a:t>
             </a:r>
+            <a:endParaRPr lang="en-US" altLang="zh-TW" dirty="0" smtClean="0"/>
           </a:p>
         </p:txBody>
       </p:sp>
@@ -14927,13 +14876,11 @@
           <a:bodyPr/>
           <a:lstStyle/>
           <a:p>
-            <a:pPr eaLnBrk="1" hangingPunct="1"/>
-            <a:r>
-              <a:rPr lang="en-US" altLang="zh-TW" smtClean="0">
-                <a:ea typeface="新細明體" pitchFamily="18" charset="-120"/>
-              </a:rPr>
+            <a:r>
+              <a:rPr lang="en-US" altLang="zh-TW" smtClean="0"/>
               <a:t>Function is coming……</a:t>
             </a:r>
+            <a:endParaRPr lang="en-US" altLang="zh-TW" smtClean="0"/>
           </a:p>
         </p:txBody>
       </p:sp>
@@ -14970,6 +14917,55 @@
           <a:chExt cx="0" cy="0"/>
         </a:xfrm>
       </p:grpSpPr>
+      <p:pic>
+        <p:nvPicPr>
+          <p:cNvPr id="2" name="Picture 1"/>
+          <p:cNvPicPr>
+            <a:picLocks noChangeAspect="1"/>
+          </p:cNvPicPr>
+          <p:nvPr/>
+        </p:nvPicPr>
+        <p:blipFill>
+          <a:blip r:embed="rId3"/>
+          <a:stretch>
+            <a:fillRect/>
+          </a:stretch>
+        </p:blipFill>
+        <p:spPr>
+          <a:xfrm>
+            <a:off x="6402374" y="4442729"/>
+            <a:ext cx="2310888" cy="1785686"/>
+          </a:xfrm>
+          <a:prstGeom prst="roundRect">
+            <a:avLst>
+              <a:gd name="adj" fmla="val 4380"/>
+            </a:avLst>
+          </a:prstGeom>
+          <a:ln w="38100">
+            <a:gradFill flip="none" rotWithShape="1">
+              <a:gsLst>
+                <a:gs pos="0">
+                  <a:schemeClr val="bg2"/>
+                </a:gs>
+                <a:gs pos="100000">
+                  <a:schemeClr val="bg2">
+                    <a:lumMod val="75000"/>
+                  </a:schemeClr>
+                </a:gs>
+              </a:gsLst>
+              <a:lin ang="5400000" scaled="0"/>
+              <a:tileRect/>
+            </a:gradFill>
+          </a:ln>
+          <a:effectLst>
+            <a:innerShdw blurRad="57150" dist="38100" dir="14460000">
+              <a:srgbClr val="000000">
+                <a:alpha val="70000"/>
+              </a:srgbClr>
+            </a:innerShdw>
+          </a:effectLst>
+        </p:spPr>
+      </p:pic>
       <p:sp>
         <p:nvSpPr>
           <p:cNvPr id="180226" name="Rectangle 2"/>
@@ -14985,16 +14981,11 @@
           <a:bodyPr/>
           <a:lstStyle/>
           <a:p>
-            <a:pPr eaLnBrk="1" hangingPunct="1">
-              <a:defRPr/>
-            </a:pPr>
-            <a:r>
-              <a:rPr lang="en-US" altLang="zh-TW" smtClean="0">
-                <a:latin typeface="Times New Roman" charset="0"/>
-                <a:ea typeface="新細明體" charset="-120"/>
-              </a:rPr>
+            <a:r>
+              <a:rPr lang="en-US" altLang="zh-TW" smtClean="0"/>
               <a:t>Function</a:t>
             </a:r>
+            <a:endParaRPr lang="en-US" altLang="zh-TW"/>
           </a:p>
         </p:txBody>
       </p:sp>
@@ -15013,86 +15004,52 @@
           <a:bodyPr/>
           <a:lstStyle/>
           <a:p>
-            <a:pPr eaLnBrk="1" hangingPunct="1"/>
-            <a:r>
-              <a:rPr lang="en-US" altLang="zh-TW" dirty="0" smtClean="0">
-                <a:ea typeface="新細明體" pitchFamily="18" charset="-120"/>
-              </a:rPr>
+            <a:r>
+              <a:rPr lang="en-US" altLang="zh-TW" dirty="0" smtClean="0"/>
               <a:t>A procedure defined by user for his own uses</a:t>
             </a:r>
           </a:p>
           <a:p>
-            <a:pPr eaLnBrk="1" hangingPunct="1"/>
-            <a:r>
-              <a:rPr lang="en-US" altLang="zh-TW" dirty="0" err="1" smtClean="0">
-                <a:ea typeface="新細明體" pitchFamily="18" charset="-120"/>
-              </a:rPr>
+            <a:r>
+              <a:rPr lang="en-US" altLang="zh-TW" dirty="0" err="1" smtClean="0"/>
               <a:t>Pos</a:t>
             </a:r>
             <a:r>
-              <a:rPr lang="en-US" altLang="zh-TW" dirty="0" smtClean="0">
-                <a:ea typeface="新細明體" pitchFamily="18" charset="-120"/>
-              </a:rPr>
-              <a:t> for using functions. Reuse, easy </a:t>
-            </a:r>
-            <a:r>
-              <a:rPr lang="en-US" altLang="zh-TW" dirty="0" smtClean="0">
-                <a:ea typeface="新細明體" pitchFamily="18" charset="-120"/>
-              </a:rPr>
-              <a:t>debug</a:t>
-            </a:r>
-          </a:p>
-          <a:p>
-            <a:pPr eaLnBrk="1" hangingPunct="1"/>
-            <a:r>
-              <a:rPr lang="en-US" altLang="zh-TW" dirty="0" smtClean="0">
-                <a:ea typeface="新細明體" pitchFamily="18" charset="-120"/>
-              </a:rPr>
+              <a:rPr lang="en-US" altLang="zh-TW" dirty="0" smtClean="0"/>
+              <a:t> for using functions. Reuse, easy debug</a:t>
+            </a:r>
+          </a:p>
+          <a:p>
+            <a:r>
+              <a:rPr lang="en-US" altLang="zh-TW" dirty="0" smtClean="0"/>
               <a:t>Many existing built-in functions</a:t>
             </a:r>
-            <a:endParaRPr lang="en-US" altLang="zh-TW" dirty="0" smtClean="0">
-              <a:ea typeface="新細明體" pitchFamily="18" charset="-120"/>
-            </a:endParaRPr>
-          </a:p>
-          <a:p>
-            <a:pPr eaLnBrk="1" hangingPunct="1"/>
-            <a:r>
-              <a:rPr lang="en-US" altLang="zh-TW" dirty="0" smtClean="0">
-                <a:ea typeface="新細明體" pitchFamily="18" charset="-120"/>
-              </a:rPr>
-              <a:t>See </a:t>
-            </a:r>
-            <a:r>
-              <a:rPr lang="en-US" altLang="zh-TW" dirty="0" smtClean="0">
-                <a:ea typeface="新細明體" pitchFamily="18" charset="-120"/>
-              </a:rPr>
-              <a:t>function1.php</a:t>
-            </a:r>
-          </a:p>
-          <a:p>
-            <a:pPr eaLnBrk="1" hangingPunct="1"/>
-            <a:r>
-              <a:rPr lang="en-US" altLang="zh-TW" dirty="0" smtClean="0">
-                <a:ea typeface="新細明體" pitchFamily="18" charset="-120"/>
-              </a:rPr>
+          </a:p>
+          <a:p>
+            <a:r>
+              <a:rPr lang="en-US" altLang="zh-TW" dirty="0" smtClean="0"/>
+              <a:t>See function1.php</a:t>
+            </a:r>
+          </a:p>
+          <a:p>
+            <a:r>
+              <a:rPr lang="en-US" altLang="zh-TW" dirty="0" smtClean="0"/>
               <a:t>See function2.php</a:t>
             </a:r>
           </a:p>
           <a:p>
-            <a:pPr eaLnBrk="1" hangingPunct="1"/>
-            <a:r>
-              <a:rPr lang="en-US" altLang="zh-TW" dirty="0" smtClean="0">
-                <a:ea typeface="新細明體" pitchFamily="18" charset="-120"/>
-              </a:rPr>
+            <a:r>
+              <a:rPr lang="en-US" altLang="zh-TW" dirty="0" smtClean="0"/>
               <a:t>See function3.php</a:t>
             </a:r>
+            <a:endParaRPr lang="en-US" altLang="zh-TW" dirty="0"/>
           </a:p>
         </p:txBody>
       </p:sp>
     </p:spTree>
     <p:extLst>
       <p:ext uri="{BB962C8B-B14F-4D97-AF65-F5344CB8AC3E}">
-        <p14:creationId xmlns:p14="http://schemas.microsoft.com/office/powerpoint/2010/main" val="658097214"/>
+        <p14:creationId xmlns:p14="http://schemas.microsoft.com/office/powerpoint/2010/main" val="2258158549"/>
       </p:ext>
     </p:extLst>
   </p:cSld>
@@ -15135,7 +15092,7 @@
           <a:lstStyle/>
           <a:p>
             <a:r>
-              <a:rPr lang="en-US" dirty="0" smtClean="0"/>
+              <a:rPr lang="en-US" smtClean="0"/>
               <a:t>Function example</a:t>
             </a:r>
             <a:endParaRPr lang="en-US" dirty="0"/>
@@ -15158,42 +15115,20 @@
           <a:lstStyle/>
           <a:p>
             <a:r>
-              <a:rPr lang="en-US" altLang="zh-TW" dirty="0">
-                <a:ea typeface="新細明體" pitchFamily="18" charset="-120"/>
-              </a:rPr>
-              <a:t>Copy from others and </a:t>
-            </a:r>
-            <a:r>
-              <a:rPr lang="en-US" altLang="zh-TW" dirty="0" smtClean="0">
-                <a:ea typeface="新細明體" pitchFamily="18" charset="-120"/>
-              </a:rPr>
-              <a:t>no need to understand the coding. </a:t>
-            </a:r>
-            <a:r>
-              <a:rPr lang="en-US" altLang="zh-TW" smtClean="0">
-                <a:ea typeface="新細明體" pitchFamily="18" charset="-120"/>
-              </a:rPr>
-              <a:t>Just need to know how to use.</a:t>
-            </a:r>
-            <a:endParaRPr lang="en-US" dirty="0" smtClean="0"/>
-          </a:p>
-          <a:p>
-            <a:r>
-              <a:rPr lang="en-US" dirty="0" smtClean="0"/>
-              <a:t>https</a:t>
-            </a:r>
-            <a:r>
-              <a:rPr lang="en-US" dirty="0"/>
-              <a:t>://</a:t>
-            </a:r>
-            <a:r>
-              <a:rPr lang="en-US" dirty="0" smtClean="0"/>
-              <a:t>gist.github.com/eagleon/1702129</a:t>
-            </a:r>
-          </a:p>
-          <a:p>
-            <a:r>
-              <a:rPr lang="en-US" dirty="0" smtClean="0"/>
+              <a:rPr lang="en-US" altLang="zh-TW" smtClean="0"/>
+              <a:t>Copy from others and no need to understand the coding. Just need to know how to use.</a:t>
+            </a:r>
+            <a:endParaRPr lang="en-US" smtClean="0"/>
+          </a:p>
+          <a:p>
+            <a:r>
+              <a:rPr lang="en-US" smtClean="0"/>
+              <a:t>https://gist.github.com/eagleon/1702129</a:t>
+            </a:r>
+          </a:p>
+          <a:p>
+            <a:r>
+              <a:rPr lang="en-US" smtClean="0"/>
               <a:t>function4.php</a:t>
             </a:r>
             <a:endParaRPr lang="en-US" dirty="0"/>
@@ -15245,16 +15180,11 @@
           <a:bodyPr/>
           <a:lstStyle/>
           <a:p>
-            <a:pPr eaLnBrk="1" hangingPunct="1">
-              <a:defRPr/>
-            </a:pPr>
-            <a:r>
-              <a:rPr lang="en-US" altLang="zh-TW" dirty="0" smtClean="0">
-                <a:latin typeface="Times New Roman" charset="0"/>
-                <a:ea typeface="新細明體" charset="-120"/>
-              </a:rPr>
+            <a:r>
+              <a:rPr lang="en-US" altLang="zh-TW" smtClean="0"/>
               <a:t>Check Function</a:t>
             </a:r>
+            <a:endParaRPr lang="en-US" altLang="zh-TW" dirty="0" smtClean="0"/>
           </a:p>
         </p:txBody>
       </p:sp>
@@ -15273,22 +15203,17 @@
           <a:bodyPr/>
           <a:lstStyle/>
           <a:p>
-            <a:pPr eaLnBrk="1" hangingPunct="1"/>
-            <a:r>
-              <a:rPr lang="en-US" altLang="zh-TW" smtClean="0">
-                <a:ea typeface="新細明體" pitchFamily="18" charset="-120"/>
-              </a:rPr>
+            <a:r>
+              <a:rPr lang="en-US" altLang="zh-TW" smtClean="0"/>
               <a:t>To test if a function exist, use function_exists(function_name);</a:t>
             </a:r>
           </a:p>
           <a:p>
-            <a:pPr eaLnBrk="1" hangingPunct="1"/>
-            <a:r>
-              <a:rPr lang="en-US" altLang="zh-TW" smtClean="0">
-                <a:ea typeface="新細明體" pitchFamily="18" charset="-120"/>
-              </a:rPr>
+            <a:r>
+              <a:rPr lang="en-US" altLang="zh-TW" smtClean="0"/>
               <a:t>See function_exists.php</a:t>
             </a:r>
+            <a:endParaRPr lang="en-US" altLang="zh-TW" smtClean="0"/>
           </a:p>
         </p:txBody>
       </p:sp>
@@ -15322,6 +15247,61 @@
           <a:chExt cx="0" cy="0"/>
         </a:xfrm>
       </p:grpSpPr>
+      <p:pic>
+        <p:nvPicPr>
+          <p:cNvPr id="6" name="圖片 1"/>
+          <p:cNvPicPr>
+            <a:picLocks noChangeAspect="1"/>
+          </p:cNvPicPr>
+          <p:nvPr/>
+        </p:nvPicPr>
+        <p:blipFill>
+          <a:blip r:embed="rId3">
+            <a:extLst>
+              <a:ext uri="{28A0092B-C50C-407E-A947-70E740481C1C}">
+                <a14:useLocalDpi xmlns:a14="http://schemas.microsoft.com/office/drawing/2010/main" val="0"/>
+              </a:ext>
+            </a:extLst>
+          </a:blip>
+          <a:stretch>
+            <a:fillRect/>
+          </a:stretch>
+        </p:blipFill>
+        <p:spPr>
+          <a:xfrm>
+            <a:off x="827360" y="3285536"/>
+            <a:ext cx="2310888" cy="1197545"/>
+          </a:xfrm>
+          <a:prstGeom prst="roundRect">
+            <a:avLst>
+              <a:gd name="adj" fmla="val 4380"/>
+            </a:avLst>
+          </a:prstGeom>
+          <a:ln w="38100">
+            <a:gradFill flip="none" rotWithShape="1">
+              <a:gsLst>
+                <a:gs pos="0">
+                  <a:schemeClr val="bg2"/>
+                </a:gs>
+                <a:gs pos="100000">
+                  <a:schemeClr val="bg2">
+                    <a:lumMod val="75000"/>
+                  </a:schemeClr>
+                </a:gs>
+              </a:gsLst>
+              <a:lin ang="5400000" scaled="0"/>
+              <a:tileRect/>
+            </a:gradFill>
+          </a:ln>
+          <a:effectLst>
+            <a:innerShdw blurRad="57150" dist="38100" dir="14460000">
+              <a:srgbClr val="000000">
+                <a:alpha val="70000"/>
+              </a:srgbClr>
+            </a:innerShdw>
+          </a:effectLst>
+        </p:spPr>
+      </p:pic>
       <p:sp>
         <p:nvSpPr>
           <p:cNvPr id="180226" name="Rectangle 2"/>
@@ -15332,21 +15312,23 @@
             <p:ph type="title"/>
           </p:nvPr>
         </p:nvSpPr>
-        <p:spPr/>
-        <p:txBody>
-          <a:bodyPr/>
+        <p:spPr>
+          <a:xfrm>
+            <a:off x="1113234" y="685801"/>
+            <a:ext cx="7514035" cy="1185333"/>
+          </a:xfrm>
+        </p:spPr>
+        <p:txBody>
+          <a:bodyPr>
+            <a:normAutofit/>
+          </a:bodyPr>
           <a:lstStyle/>
           <a:p>
-            <a:pPr eaLnBrk="1" hangingPunct="1">
-              <a:defRPr/>
-            </a:pPr>
-            <a:r>
-              <a:rPr lang="en-US" altLang="zh-TW" dirty="0" smtClean="0">
-                <a:latin typeface="Times New Roman" charset="0"/>
-                <a:ea typeface="新細明體" charset="-120"/>
-              </a:rPr>
+            <a:r>
+              <a:rPr lang="en-US" altLang="zh-TW"/>
               <a:t>Object Oriented</a:t>
             </a:r>
+            <a:endParaRPr lang="en-US" altLang="zh-TW" dirty="0"/>
           </a:p>
         </p:txBody>
       </p:sp>
@@ -15360,25 +15342,26 @@
             <p:ph idx="1"/>
           </p:nvPr>
         </p:nvSpPr>
-        <p:spPr/>
-        <p:txBody>
-          <a:bodyPr/>
+        <p:spPr>
+          <a:xfrm>
+            <a:off x="3444536" y="1998134"/>
+            <a:ext cx="5185115" cy="3793067"/>
+          </a:xfrm>
+        </p:spPr>
+        <p:txBody>
+          <a:bodyPr>
+            <a:normAutofit/>
+          </a:bodyPr>
           <a:lstStyle/>
           <a:p>
-            <a:pPr eaLnBrk="1" hangingPunct="1"/>
-            <a:r>
-              <a:rPr lang="en-US" altLang="zh-TW" smtClean="0">
-                <a:ea typeface="新細明體" pitchFamily="18" charset="-120"/>
-              </a:rPr>
+            <a:r>
+              <a:rPr lang="en-US" altLang="zh-TW"/>
               <a:t>Since we do not only want functions to be reused, we also want variables to be reused.  So we use object.</a:t>
             </a:r>
           </a:p>
           <a:p>
-            <a:pPr eaLnBrk="1" hangingPunct="1"/>
-            <a:r>
-              <a:rPr lang="en-US" altLang="zh-TW" smtClean="0">
-                <a:ea typeface="新細明體" pitchFamily="18" charset="-120"/>
-              </a:rPr>
+            <a:r>
+              <a:rPr lang="en-US" altLang="zh-TW"/>
               <a:t>Will be in details in next lesson/ powerpoint.</a:t>
             </a:r>
           </a:p>
@@ -15387,7 +15370,7 @@
     </p:spTree>
     <p:extLst>
       <p:ext uri="{BB962C8B-B14F-4D97-AF65-F5344CB8AC3E}">
-        <p14:creationId xmlns:p14="http://schemas.microsoft.com/office/powerpoint/2010/main" val="477442435"/>
+        <p14:creationId xmlns:p14="http://schemas.microsoft.com/office/powerpoint/2010/main" val="1600927283"/>
       </p:ext>
     </p:extLst>
   </p:cSld>
@@ -15429,16 +15412,11 @@
           <a:bodyPr/>
           <a:lstStyle/>
           <a:p>
-            <a:pPr eaLnBrk="1" hangingPunct="1">
-              <a:defRPr/>
-            </a:pPr>
-            <a:r>
-              <a:rPr lang="en-US" altLang="zh-TW" dirty="0" smtClean="0">
-                <a:latin typeface="Times New Roman" charset="0"/>
-                <a:ea typeface="新細明體" charset="-120"/>
-              </a:rPr>
+            <a:r>
+              <a:rPr lang="en-US" altLang="zh-TW" smtClean="0"/>
               <a:t>Cookie</a:t>
             </a:r>
+            <a:endParaRPr lang="en-US" altLang="zh-TW" dirty="0" smtClean="0"/>
           </a:p>
         </p:txBody>
       </p:sp>
@@ -15457,31 +15435,23 @@
           <a:bodyPr/>
           <a:lstStyle/>
           <a:p>
-            <a:pPr eaLnBrk="1" hangingPunct="1"/>
-            <a:r>
-              <a:rPr lang="en-US" altLang="zh-TW" smtClean="0">
-                <a:ea typeface="新細明體" pitchFamily="18" charset="-120"/>
-              </a:rPr>
+            <a:r>
+              <a:rPr lang="en-US" altLang="zh-TW" smtClean="0"/>
               <a:t>Built-in PHP environment variables are in the form of arrays, eg. $_COOKIE</a:t>
             </a:r>
           </a:p>
           <a:p>
-            <a:pPr eaLnBrk="1" hangingPunct="1"/>
-            <a:r>
-              <a:rPr lang="en-US" altLang="zh-TW" smtClean="0">
-                <a:ea typeface="新細明體" pitchFamily="18" charset="-120"/>
-              </a:rPr>
+            <a:r>
+              <a:rPr lang="en-US" altLang="zh-TW" smtClean="0"/>
               <a:t>Most database functions transport their info via arrays</a:t>
             </a:r>
           </a:p>
           <a:p>
-            <a:pPr eaLnBrk="1" hangingPunct="1"/>
-            <a:r>
-              <a:rPr lang="en-US" altLang="zh-TW" smtClean="0">
-                <a:ea typeface="新細明體" pitchFamily="18" charset="-120"/>
-              </a:rPr>
+            <a:r>
+              <a:rPr lang="en-US" altLang="zh-TW" smtClean="0"/>
               <a:t>Passing entire sets of html form arguments from one page to another</a:t>
             </a:r>
+            <a:endParaRPr lang="en-US" altLang="zh-TW" smtClean="0"/>
           </a:p>
         </p:txBody>
       </p:sp>
@@ -15533,16 +15503,11 @@
           <a:bodyPr/>
           <a:lstStyle/>
           <a:p>
-            <a:pPr eaLnBrk="1" hangingPunct="1">
-              <a:defRPr/>
-            </a:pPr>
-            <a:r>
-              <a:rPr lang="en-US" altLang="zh-TW" smtClean="0">
-                <a:latin typeface="Times New Roman" charset="0"/>
-                <a:ea typeface="新細明體" charset="-120"/>
-              </a:rPr>
+            <a:r>
+              <a:rPr lang="en-US" altLang="zh-TW" smtClean="0"/>
               <a:t>Set Cookie</a:t>
             </a:r>
+            <a:endParaRPr lang="en-US" altLang="zh-TW" smtClean="0"/>
           </a:p>
         </p:txBody>
       </p:sp>
@@ -15561,100 +15526,55 @@
           <a:bodyPr/>
           <a:lstStyle/>
           <a:p>
-            <a:pPr eaLnBrk="1" hangingPunct="1"/>
-            <a:r>
-              <a:rPr lang="en-US" altLang="zh-TW" dirty="0" err="1" smtClean="0">
-                <a:ea typeface="新細明體" pitchFamily="18" charset="-120"/>
-              </a:rPr>
-              <a:t>setcookie</a:t>
-            </a:r>
-            <a:r>
-              <a:rPr lang="en-US" altLang="zh-TW" dirty="0" smtClean="0">
-                <a:ea typeface="新細明體" pitchFamily="18" charset="-120"/>
-              </a:rPr>
-              <a:t>(</a:t>
-            </a:r>
-            <a:r>
-              <a:rPr lang="mr-IN" altLang="zh-TW" dirty="0" smtClean="0">
-                <a:ea typeface="新細明體" pitchFamily="18" charset="-120"/>
-              </a:rPr>
+            <a:r>
+              <a:rPr lang="en-US" altLang="zh-TW" smtClean="0"/>
+              <a:t>setcookie(</a:t>
+            </a:r>
+            <a:r>
+              <a:rPr lang="mr-IN" altLang="zh-TW" smtClean="0"/>
               <a:t>”</a:t>
             </a:r>
             <a:r>
-              <a:rPr lang="en-US" altLang="zh-TW" dirty="0" smtClean="0">
-                <a:ea typeface="新細明體" pitchFamily="18" charset="-120"/>
-              </a:rPr>
+              <a:rPr lang="en-US" altLang="zh-TW" smtClean="0"/>
               <a:t>variable</a:t>
             </a:r>
             <a:r>
-              <a:rPr lang="mr-IN" altLang="zh-TW" dirty="0" smtClean="0">
-                <a:ea typeface="新細明體" pitchFamily="18" charset="-120"/>
-              </a:rPr>
+              <a:rPr lang="mr-IN" altLang="zh-TW" smtClean="0"/>
               <a:t>"</a:t>
             </a:r>
             <a:r>
-              <a:rPr lang="en-US" altLang="zh-TW" dirty="0" smtClean="0">
-                <a:ea typeface="新細明體" pitchFamily="18" charset="-120"/>
-              </a:rPr>
+              <a:rPr lang="en-US" altLang="zh-TW" smtClean="0"/>
               <a:t>, </a:t>
             </a:r>
             <a:r>
-              <a:rPr lang="mr-IN" altLang="zh-TW" dirty="0" smtClean="0">
-                <a:ea typeface="新細明體" pitchFamily="18" charset="-120"/>
-              </a:rPr>
+              <a:rPr lang="mr-IN" altLang="zh-TW" smtClean="0"/>
               <a:t>"</a:t>
             </a:r>
             <a:r>
-              <a:rPr lang="en-US" altLang="zh-TW" dirty="0" smtClean="0">
-                <a:ea typeface="新細明體" pitchFamily="18" charset="-120"/>
-              </a:rPr>
+              <a:rPr lang="en-US" altLang="zh-TW" smtClean="0"/>
               <a:t>value</a:t>
             </a:r>
             <a:r>
-              <a:rPr lang="mr-IN" altLang="zh-TW" dirty="0" smtClean="0">
-                <a:ea typeface="新細明體" pitchFamily="18" charset="-120"/>
-              </a:rPr>
+              <a:rPr lang="mr-IN" altLang="zh-TW" smtClean="0"/>
               <a:t>"</a:t>
             </a:r>
             <a:r>
-              <a:rPr lang="en-US" altLang="zh-TW" dirty="0" smtClean="0">
-                <a:ea typeface="新細明體" pitchFamily="18" charset="-120"/>
-              </a:rPr>
-              <a:t>, </a:t>
-            </a:r>
-            <a:r>
-              <a:rPr lang="en-US" altLang="zh-TW" dirty="0" err="1" smtClean="0">
-                <a:ea typeface="新細明體" pitchFamily="18" charset="-120"/>
-              </a:rPr>
-              <a:t>expiry_second</a:t>
-            </a:r>
-            <a:r>
-              <a:rPr lang="en-US" altLang="zh-TW" dirty="0" smtClean="0">
-                <a:ea typeface="新細明體" pitchFamily="18" charset="-120"/>
-              </a:rPr>
-              <a:t>);</a:t>
-            </a:r>
-            <a:endParaRPr lang="en-US" altLang="zh-TW" dirty="0" smtClean="0">
-              <a:ea typeface="新細明體" pitchFamily="18" charset="-120"/>
-            </a:endParaRPr>
-          </a:p>
-          <a:p>
-            <a:pPr eaLnBrk="1" hangingPunct="1"/>
-            <a:r>
-              <a:rPr lang="en-US" altLang="zh-TW" dirty="0" smtClean="0">
-                <a:ea typeface="新細明體" pitchFamily="18" charset="-120"/>
-              </a:rPr>
+              <a:rPr lang="en-US" altLang="zh-TW" smtClean="0"/>
+              <a:t>, expiry_second);</a:t>
+            </a:r>
+          </a:p>
+          <a:p>
+            <a:r>
+              <a:rPr lang="en-US" altLang="zh-TW" smtClean="0"/>
               <a:t>cookie1.php</a:t>
             </a:r>
           </a:p>
           <a:p>
-            <a:pPr eaLnBrk="1" hangingPunct="1"/>
-            <a:r>
-              <a:rPr lang="en-US" altLang="zh-TW" dirty="0" smtClean="0">
-                <a:ea typeface="新細明體" pitchFamily="18" charset="-120"/>
-              </a:rPr>
+            <a:r>
+              <a:rPr lang="en-US" altLang="zh-TW" smtClean="0"/>
               <a:t>cookie2.php</a:t>
             </a:r>
+            <a:endParaRPr lang="en-US" altLang="zh-TW" dirty="0" smtClean="0"/>
           </a:p>
         </p:txBody>
       </p:sp>
@@ -15706,16 +15626,11 @@
           <a:bodyPr/>
           <a:lstStyle/>
           <a:p>
-            <a:pPr eaLnBrk="1" hangingPunct="1">
-              <a:defRPr/>
-            </a:pPr>
-            <a:r>
-              <a:rPr lang="en-US" altLang="zh-TW" dirty="0" smtClean="0">
-                <a:latin typeface="Times New Roman" charset="0"/>
-                <a:ea typeface="新細明體" charset="-120"/>
-              </a:rPr>
+            <a:r>
+              <a:rPr lang="en-US" altLang="zh-TW" smtClean="0"/>
               <a:t>Remove Cookie</a:t>
             </a:r>
+            <a:endParaRPr lang="en-US" altLang="zh-TW" dirty="0" smtClean="0"/>
           </a:p>
         </p:txBody>
       </p:sp>
@@ -15734,67 +15649,74 @@
           <a:bodyPr/>
           <a:lstStyle/>
           <a:p>
-            <a:pPr eaLnBrk="1" hangingPunct="1"/>
-            <a:r>
-              <a:rPr lang="en-US" altLang="zh-TW" dirty="0" err="1" smtClean="0">
-                <a:ea typeface="新細明體" pitchFamily="18" charset="-120"/>
-              </a:rPr>
-              <a:t>setcookie</a:t>
-            </a:r>
-            <a:r>
-              <a:rPr lang="en-US" altLang="zh-TW" dirty="0" smtClean="0">
-                <a:ea typeface="新細明體" pitchFamily="18" charset="-120"/>
-              </a:rPr>
-              <a:t>(</a:t>
-            </a:r>
-            <a:r>
-              <a:rPr lang="mr-IN" altLang="zh-TW" dirty="0" smtClean="0">
-                <a:ea typeface="新細明體" pitchFamily="18" charset="-120"/>
-              </a:rPr>
+            <a:r>
+              <a:rPr lang="en-US" altLang="zh-TW" smtClean="0"/>
+              <a:t>setcookie(</a:t>
+            </a:r>
+            <a:r>
+              <a:rPr lang="mr-IN" altLang="zh-TW" smtClean="0"/>
               <a:t>"</a:t>
             </a:r>
             <a:r>
-              <a:rPr lang="en-US" altLang="zh-TW" dirty="0" smtClean="0">
-                <a:ea typeface="新細明體" pitchFamily="18" charset="-120"/>
-              </a:rPr>
+              <a:rPr lang="en-US" altLang="zh-TW" smtClean="0"/>
               <a:t>name</a:t>
             </a:r>
             <a:r>
-              <a:rPr lang="mr-IN" altLang="zh-TW" dirty="0" smtClean="0">
-                <a:ea typeface="新細明體" pitchFamily="18" charset="-120"/>
-              </a:rPr>
+              <a:rPr lang="mr-IN" altLang="zh-TW" smtClean="0"/>
               <a:t>"</a:t>
             </a:r>
             <a:r>
-              <a:rPr lang="en-US" altLang="zh-TW" dirty="0" smtClean="0">
-                <a:ea typeface="新細明體" pitchFamily="18" charset="-120"/>
-              </a:rPr>
+              <a:rPr lang="en-US" altLang="zh-TW" smtClean="0"/>
               <a:t>, </a:t>
             </a:r>
             <a:r>
-              <a:rPr lang="mr-IN" altLang="zh-TW" dirty="0" smtClean="0">
-                <a:ea typeface="新細明體" pitchFamily="18" charset="-120"/>
-              </a:rPr>
+              <a:rPr lang="mr-IN" altLang="zh-TW" smtClean="0"/>
               <a:t>""</a:t>
             </a:r>
             <a:r>
-              <a:rPr lang="en-US" altLang="zh-TW" dirty="0" smtClean="0">
-                <a:ea typeface="新細明體" pitchFamily="18" charset="-120"/>
-              </a:rPr>
+              <a:rPr lang="en-US" altLang="zh-TW" smtClean="0"/>
               <a:t>, time()-10);</a:t>
             </a:r>
           </a:p>
           <a:p>
-            <a:pPr eaLnBrk="1" hangingPunct="1"/>
-            <a:r>
-              <a:rPr lang="en-US" altLang="zh-TW" dirty="0" smtClean="0">
-                <a:ea typeface="新細明體" pitchFamily="18" charset="-120"/>
-              </a:rPr>
+            <a:r>
+              <a:rPr lang="en-US" altLang="zh-TW" smtClean="0"/>
               <a:t>cookieReset1.php</a:t>
             </a:r>
-          </a:p>
-        </p:txBody>
-      </p:sp>
+            <a:endParaRPr lang="en-US" altLang="zh-TW" dirty="0" smtClean="0"/>
+          </a:p>
+        </p:txBody>
+      </p:sp>
+      <p:pic>
+        <p:nvPicPr>
+          <p:cNvPr id="6" name="圖片 1"/>
+          <p:cNvPicPr>
+            <a:picLocks noChangeAspect="1"/>
+          </p:cNvPicPr>
+          <p:nvPr/>
+        </p:nvPicPr>
+        <p:blipFill>
+          <a:blip r:embed="rId3" cstate="print">
+            <a:extLst>
+              <a:ext uri="{28A0092B-C50C-407E-A947-70E740481C1C}">
+                <a14:useLocalDpi xmlns:a14="http://schemas.microsoft.com/office/drawing/2010/main" val="0"/>
+              </a:ext>
+            </a:extLst>
+          </a:blip>
+          <a:stretch>
+            <a:fillRect/>
+          </a:stretch>
+        </p:blipFill>
+        <p:spPr>
+          <a:xfrm>
+            <a:off x="6588224" y="4437112"/>
+            <a:ext cx="2170584" cy="2170584"/>
+          </a:xfrm>
+          <a:prstGeom prst="rect">
+            <a:avLst/>
+          </a:prstGeom>
+        </p:spPr>
+      </p:pic>
     </p:spTree>
     <p:extLst>
       <p:ext uri="{BB962C8B-B14F-4D97-AF65-F5344CB8AC3E}">
@@ -15843,16 +15765,11 @@
           <a:bodyPr/>
           <a:lstStyle/>
           <a:p>
-            <a:pPr eaLnBrk="1" hangingPunct="1">
-              <a:defRPr/>
-            </a:pPr>
-            <a:r>
-              <a:rPr lang="en-US" altLang="zh-TW" smtClean="0">
-                <a:latin typeface="Times New Roman" charset="0"/>
-                <a:ea typeface="新細明體" charset="-120"/>
-              </a:rPr>
+            <a:r>
+              <a:rPr lang="en-US" altLang="zh-TW" smtClean="0"/>
               <a:t>Session</a:t>
             </a:r>
+            <a:endParaRPr lang="en-US" altLang="zh-TW" smtClean="0"/>
           </a:p>
         </p:txBody>
       </p:sp>
@@ -15871,31 +15788,31 @@
           <a:bodyPr/>
           <a:lstStyle/>
           <a:p>
-            <a:pPr eaLnBrk="1" hangingPunct="1"/>
-            <a:r>
-              <a:rPr lang="en-US" altLang="zh-TW" smtClean="0">
-                <a:ea typeface="新細明體" pitchFamily="18" charset="-120"/>
-              </a:rPr>
+            <a:r>
+              <a:rPr lang="en-US" altLang="zh-TW" dirty="0" smtClean="0"/>
               <a:t>A random number generated by the server to check user concurrent connection</a:t>
             </a:r>
           </a:p>
           <a:p>
-            <a:pPr eaLnBrk="1" hangingPunct="1"/>
-            <a:r>
-              <a:rPr lang="en-US" altLang="zh-TW" smtClean="0">
-                <a:ea typeface="新細明體" pitchFamily="18" charset="-120"/>
-              </a:rPr>
+            <a:r>
+              <a:rPr lang="en-US" altLang="zh-TW" dirty="0" smtClean="0"/>
               <a:t>Similar to cookie, but the information stored on server</a:t>
             </a:r>
           </a:p>
           <a:p>
-            <a:pPr eaLnBrk="1" hangingPunct="1"/>
-            <a:r>
-              <a:rPr lang="en-US" altLang="zh-TW" smtClean="0">
-                <a:ea typeface="新細明體" pitchFamily="18" charset="-120"/>
-              </a:rPr>
-              <a:t>sessionstart.php, session2.php, session3.php</a:t>
-            </a:r>
+            <a:r>
+              <a:rPr lang="en-US" altLang="zh-TW" dirty="0" err="1" smtClean="0"/>
+              <a:t>sessionstart.php</a:t>
+            </a:r>
+            <a:r>
+              <a:rPr lang="en-US" altLang="zh-TW" dirty="0" smtClean="0"/>
+              <a:t>, session2.php, </a:t>
+            </a:r>
+            <a:r>
+              <a:rPr lang="en-US" altLang="zh-TW" dirty="0" err="1" smtClean="0"/>
+              <a:t>sessiondestroy.php</a:t>
+            </a:r>
+            <a:endParaRPr lang="en-US" altLang="zh-TW" dirty="0" smtClean="0"/>
           </a:p>
         </p:txBody>
       </p:sp>
@@ -15947,16 +15864,11 @@
           <a:bodyPr/>
           <a:lstStyle/>
           <a:p>
-            <a:pPr eaLnBrk="1" hangingPunct="1">
-              <a:defRPr/>
-            </a:pPr>
-            <a:r>
-              <a:rPr lang="en-US" altLang="zh-TW" smtClean="0">
-                <a:latin typeface="Times New Roman" charset="0"/>
-                <a:ea typeface="新細明體" charset="-120"/>
-              </a:rPr>
+            <a:r>
+              <a:rPr lang="en-US" altLang="zh-TW" smtClean="0"/>
               <a:t>Overview</a:t>
             </a:r>
+            <a:endParaRPr lang="en-US" altLang="zh-TW" smtClean="0"/>
           </a:p>
         </p:txBody>
       </p:sp>
@@ -15975,61 +15887,41 @@
           <a:bodyPr/>
           <a:lstStyle/>
           <a:p>
-            <a:pPr eaLnBrk="1" hangingPunct="1"/>
-            <a:r>
-              <a:rPr lang="en-US" altLang="zh-TW" dirty="0" smtClean="0">
-                <a:ea typeface="新細明體" pitchFamily="18" charset="-120"/>
-              </a:rPr>
+            <a:r>
+              <a:rPr lang="en-US" altLang="zh-TW" smtClean="0"/>
               <a:t>Quotations</a:t>
             </a:r>
           </a:p>
           <a:p>
-            <a:pPr eaLnBrk="1" hangingPunct="1"/>
-            <a:r>
-              <a:rPr lang="en-US" altLang="zh-TW" dirty="0" smtClean="0">
-                <a:ea typeface="新細明體" pitchFamily="18" charset="-120"/>
-              </a:rPr>
+            <a:r>
+              <a:rPr lang="en-US" altLang="zh-TW" smtClean="0"/>
               <a:t>Require</a:t>
             </a:r>
           </a:p>
           <a:p>
-            <a:pPr eaLnBrk="1" hangingPunct="1"/>
-            <a:r>
-              <a:rPr lang="en-US" altLang="zh-TW" dirty="0" smtClean="0">
-                <a:ea typeface="新細明體" pitchFamily="18" charset="-120"/>
-              </a:rPr>
+            <a:r>
+              <a:rPr lang="en-US" altLang="zh-TW" smtClean="0"/>
               <a:t>Include</a:t>
             </a:r>
           </a:p>
           <a:p>
-            <a:pPr eaLnBrk="1" hangingPunct="1"/>
-            <a:r>
-              <a:rPr lang="en-US" altLang="zh-TW" dirty="0" smtClean="0">
-                <a:ea typeface="新細明體" pitchFamily="18" charset="-120"/>
-              </a:rPr>
+            <a:r>
+              <a:rPr lang="en-US" altLang="zh-TW" smtClean="0"/>
               <a:t>Function</a:t>
             </a:r>
           </a:p>
           <a:p>
-            <a:pPr eaLnBrk="1" hangingPunct="1"/>
-            <a:r>
-              <a:rPr lang="en-US" altLang="zh-TW" dirty="0" smtClean="0">
-                <a:ea typeface="新細明體" pitchFamily="18" charset="-120"/>
-              </a:rPr>
+            <a:r>
+              <a:rPr lang="en-US" altLang="zh-TW" smtClean="0"/>
               <a:t>Cookie</a:t>
             </a:r>
           </a:p>
           <a:p>
-            <a:pPr eaLnBrk="1" hangingPunct="1"/>
-            <a:r>
-              <a:rPr lang="en-US" altLang="zh-TW" smtClean="0">
-                <a:ea typeface="新細明體" pitchFamily="18" charset="-120"/>
-              </a:rPr>
+            <a:r>
+              <a:rPr lang="en-US" altLang="zh-TW" smtClean="0"/>
               <a:t>Session</a:t>
             </a:r>
-            <a:endParaRPr lang="en-US" altLang="zh-TW" dirty="0" smtClean="0">
-              <a:ea typeface="新細明體" pitchFamily="18" charset="-120"/>
-            </a:endParaRPr>
+            <a:endParaRPr lang="en-US" altLang="zh-TW" dirty="0" smtClean="0"/>
           </a:p>
         </p:txBody>
       </p:sp>
@@ -16088,16 +15980,11 @@
           <a:bodyPr/>
           <a:lstStyle/>
           <a:p>
-            <a:pPr eaLnBrk="1" hangingPunct="1">
-              <a:defRPr/>
-            </a:pPr>
-            <a:r>
-              <a:rPr lang="en-US" altLang="zh-TW" dirty="0" smtClean="0">
-                <a:latin typeface="Times New Roman" charset="0"/>
-                <a:ea typeface="新細明體" charset="-120"/>
-              </a:rPr>
+            <a:r>
+              <a:rPr lang="en-US" altLang="zh-TW" smtClean="0"/>
               <a:t>Create snippet</a:t>
             </a:r>
+            <a:endParaRPr lang="en-US" altLang="zh-TW" dirty="0" smtClean="0"/>
           </a:p>
         </p:txBody>
       </p:sp>
@@ -16116,55 +16003,39 @@
           <a:bodyPr/>
           <a:lstStyle/>
           <a:p>
-            <a:pPr eaLnBrk="1" hangingPunct="1"/>
-            <a:r>
-              <a:rPr lang="en-US" altLang="zh-TW" dirty="0" smtClean="0">
-                <a:ea typeface="新細明體" pitchFamily="18" charset="-120"/>
-              </a:rPr>
+            <a:r>
+              <a:rPr lang="en-US" altLang="zh-TW" smtClean="0"/>
               <a:t>For those you use it repeatedly, you may want to save it as a snippet to load the code by one click.</a:t>
             </a:r>
           </a:p>
           <a:p>
-            <a:pPr eaLnBrk="1" hangingPunct="1"/>
-            <a:r>
-              <a:rPr lang="en-US" altLang="zh-TW" dirty="0" smtClean="0">
-                <a:ea typeface="新細明體" pitchFamily="18" charset="-120"/>
-              </a:rPr>
+            <a:r>
+              <a:rPr lang="en-US" altLang="zh-TW" smtClean="0"/>
               <a:t>Highlight the codes, right click, </a:t>
             </a:r>
             <a:r>
-              <a:rPr lang="mr-IN" altLang="zh-TW" dirty="0" smtClean="0">
-                <a:ea typeface="新細明體" pitchFamily="18" charset="-120"/>
-              </a:rPr>
+              <a:rPr lang="mr-IN" altLang="zh-TW" smtClean="0"/>
               <a:t>"</a:t>
             </a:r>
             <a:r>
-              <a:rPr lang="en-US" altLang="zh-TW" dirty="0" smtClean="0">
-                <a:ea typeface="新細明體" pitchFamily="18" charset="-120"/>
-              </a:rPr>
+              <a:rPr lang="en-US" altLang="zh-TW" smtClean="0"/>
               <a:t>Create New Snippet</a:t>
             </a:r>
             <a:r>
-              <a:rPr lang="mr-IN" altLang="zh-TW" dirty="0" smtClean="0">
-                <a:ea typeface="新細明體" pitchFamily="18" charset="-120"/>
-              </a:rPr>
+              <a:rPr lang="mr-IN" altLang="zh-TW" smtClean="0"/>
               <a:t>"</a:t>
             </a:r>
             <a:r>
-              <a:rPr lang="en-US" altLang="zh-TW" dirty="0" smtClean="0">
-                <a:ea typeface="新細明體" pitchFamily="18" charset="-120"/>
-              </a:rPr>
+              <a:rPr lang="en-US" altLang="zh-TW" smtClean="0"/>
               <a:t>, name it, OK</a:t>
             </a:r>
           </a:p>
           <a:p>
-            <a:pPr eaLnBrk="1" hangingPunct="1"/>
-            <a:r>
-              <a:rPr lang="en-US" altLang="zh-TW" dirty="0" smtClean="0">
-                <a:ea typeface="新細明體" pitchFamily="18" charset="-120"/>
-              </a:rPr>
+            <a:r>
+              <a:rPr lang="en-US" altLang="zh-TW" smtClean="0"/>
               <a:t>Windows -&gt; Snippet -&gt; double click to load</a:t>
             </a:r>
+            <a:endParaRPr lang="en-US" altLang="zh-TW" dirty="0" smtClean="0"/>
           </a:p>
         </p:txBody>
       </p:sp>
@@ -16217,10 +16088,7 @@
           <a:lstStyle/>
           <a:p>
             <a:r>
-              <a:rPr lang="en-US" altLang="zh-TW" sz="4400" b="1" dirty="0">
-                <a:latin typeface="Times New Roman" charset="0"/>
-                <a:ea typeface="新細明體" charset="-120"/>
-              </a:rPr>
+              <a:rPr lang="en-US" altLang="zh-TW" smtClean="0"/>
               <a:t>Assignment</a:t>
             </a:r>
             <a:endParaRPr lang="en-US" dirty="0"/>
@@ -16243,91 +16111,44 @@
           <a:lstStyle/>
           <a:p>
             <a:r>
-              <a:rPr lang="en-US" dirty="0" smtClean="0">
+              <a:rPr lang="en-US" smtClean="0">
                 <a:hlinkClick r:id="rId2"/>
               </a:rPr>
               <a:t>www.zaturday.com/homework/login.html</a:t>
             </a:r>
-            <a:endParaRPr lang="en-US" dirty="0" smtClean="0"/>
-          </a:p>
-          <a:p>
-            <a:endParaRPr lang="en-US" dirty="0" smtClean="0"/>
-          </a:p>
-          <a:p>
-            <a:r>
-              <a:rPr lang="en-US" dirty="0" smtClean="0"/>
-              <a:t>Lesson </a:t>
-            </a:r>
-            <a:r>
-              <a:rPr lang="en-US" dirty="0"/>
-              <a:t>24</a:t>
-            </a:r>
-          </a:p>
-          <a:p>
-            <a:r>
-              <a:rPr lang="en-US" dirty="0"/>
-              <a:t>Save the username in cookie</a:t>
-            </a:r>
-            <a:r>
-              <a:rPr lang="en-US" dirty="0" smtClean="0"/>
-              <a:t>. (</a:t>
-            </a:r>
-            <a:r>
-              <a:rPr lang="en-US" dirty="0" err="1" smtClean="0"/>
-              <a:t>login.php</a:t>
-            </a:r>
-            <a:r>
-              <a:rPr lang="en-US" dirty="0" smtClean="0"/>
-              <a:t>)</a:t>
-            </a:r>
-            <a:endParaRPr lang="en-US" dirty="0"/>
-          </a:p>
-          <a:p>
-            <a:r>
-              <a:rPr lang="en-US" dirty="0"/>
-              <a:t>Display the cookie username</a:t>
-            </a:r>
-            <a:r>
-              <a:rPr lang="en-US" dirty="0" smtClean="0"/>
-              <a:t>.</a:t>
-            </a:r>
-            <a:r>
-              <a:rPr lang="en-US" dirty="0"/>
-              <a:t> (login2.php)</a:t>
-            </a:r>
-            <a:endParaRPr lang="en-US" dirty="0"/>
-          </a:p>
-          <a:p>
-            <a:r>
-              <a:rPr lang="en-US" dirty="0"/>
-              <a:t>Logout to remove cookie</a:t>
-            </a:r>
-            <a:r>
-              <a:rPr lang="en-US" dirty="0" smtClean="0"/>
-              <a:t>.</a:t>
-            </a:r>
-            <a:r>
-              <a:rPr lang="en-US" dirty="0"/>
-              <a:t> (</a:t>
-            </a:r>
-            <a:r>
-              <a:rPr lang="en-US" dirty="0" err="1" smtClean="0"/>
-              <a:t>logout.php</a:t>
-            </a:r>
-            <a:r>
-              <a:rPr lang="en-US" dirty="0"/>
-              <a:t>)</a:t>
-            </a:r>
-            <a:endParaRPr lang="en-US" dirty="0"/>
-          </a:p>
-          <a:p>
-            <a:r>
-              <a:rPr lang="en-US" dirty="0"/>
-              <a:t>Display the cookie username again (no more username</a:t>
-            </a:r>
-            <a:r>
-              <a:rPr lang="en-US" dirty="0" smtClean="0"/>
-              <a:t>).</a:t>
+            <a:endParaRPr lang="en-US" smtClean="0"/>
+          </a:p>
+          <a:p>
+            <a:endParaRPr lang="en-US" smtClean="0"/>
+          </a:p>
+          <a:p>
+            <a:r>
+              <a:rPr lang="en-US" smtClean="0"/>
+              <a:t>Lesson 24</a:t>
+            </a:r>
+          </a:p>
+          <a:p>
+            <a:r>
+              <a:rPr lang="en-US" smtClean="0"/>
+              <a:t>Save the username in cookie. (login.php)</a:t>
+            </a:r>
+          </a:p>
+          <a:p>
+            <a:r>
+              <a:rPr lang="en-US" smtClean="0"/>
+              <a:t>Display the cookie username. (login2.php)</a:t>
+            </a:r>
+          </a:p>
+          <a:p>
+            <a:r>
+              <a:rPr lang="en-US" smtClean="0"/>
+              <a:t>Logout to remove cookie. (logout.php)</a:t>
+            </a:r>
+          </a:p>
+          <a:p>
+            <a:r>
+              <a:rPr lang="en-US" smtClean="0"/>
+              <a:t>Display the cookie username again (no more username).</a:t>
             </a:r>
             <a:endParaRPr lang="en-US" dirty="0"/>
           </a:p>
@@ -16373,30 +16194,22 @@
             <p:ph type="ctrTitle"/>
           </p:nvPr>
         </p:nvSpPr>
-        <p:spPr>
-          <a:xfrm>
-            <a:off x="1739900" y="914400"/>
-            <a:ext cx="6946900" cy="3487738"/>
-          </a:xfrm>
-        </p:spPr>
+        <p:spPr/>
         <p:txBody>
           <a:bodyPr/>
           <a:lstStyle/>
           <a:p>
             <a:r>
-              <a:rPr lang="en-US" altLang="zh-TW">
-                <a:ln>
-                  <a:noFill/>
-                </a:ln>
-              </a:rPr>
+              <a:rPr lang="en-US" altLang="zh-TW" smtClean="0"/>
               <a:t>QUESTIONS</a:t>
             </a:r>
-          </a:p>
-        </p:txBody>
-      </p:sp>
-      <p:sp>
-        <p:nvSpPr>
-          <p:cNvPr id="24579" name="Subtitle 2"/>
+            <a:endParaRPr lang="en-US" altLang="zh-TW"/>
+          </a:p>
+        </p:txBody>
+      </p:sp>
+      <p:sp>
+        <p:nvSpPr>
+          <p:cNvPr id="3" name="Subtitle 2"/>
           <p:cNvSpPr>
             <a:spLocks noGrp="1"/>
           </p:cNvSpPr>
@@ -16404,17 +16217,12 @@
             <p:ph type="subTitle" idx="1"/>
           </p:nvPr>
         </p:nvSpPr>
-        <p:spPr>
-          <a:xfrm>
-            <a:off x="2924175" y="4402138"/>
-            <a:ext cx="5762625" cy="1365250"/>
-          </a:xfrm>
-        </p:spPr>
+        <p:spPr/>
         <p:txBody>
           <a:bodyPr/>
           <a:lstStyle/>
           <a:p>
-            <a:endParaRPr lang="zh-HK" altLang="en-US"/>
+            <a:endParaRPr lang="en-US"/>
           </a:p>
         </p:txBody>
       </p:sp>
@@ -16455,107 +16263,73 @@
         </p:nvSpPr>
         <p:spPr/>
         <p:txBody>
-          <a:bodyPr>
-            <a:normAutofit/>
-          </a:bodyPr>
-          <a:lstStyle/>
-          <a:p>
-            <a:pPr eaLnBrk="1" hangingPunct="1">
-              <a:defRPr/>
-            </a:pPr>
-            <a:r>
-              <a:rPr lang="en-US" altLang="zh-TW" smtClean="0">
-                <a:latin typeface="Times New Roman" charset="0"/>
-                <a:ea typeface="新細明體" charset="-120"/>
-              </a:rPr>
-              <a:t>Single quotation and double quotation</a:t>
-            </a:r>
-          </a:p>
-        </p:txBody>
-      </p:sp>
-      <p:sp>
-        <p:nvSpPr>
-          <p:cNvPr id="15363" name="Rectangle 3"/>
-          <p:cNvSpPr>
-            <a:spLocks noGrp="1" noChangeArrowheads="1"/>
-          </p:cNvSpPr>
-          <p:nvPr>
-            <p:ph idx="1"/>
-          </p:nvPr>
-        </p:nvSpPr>
-        <p:spPr/>
-        <p:txBody>
           <a:bodyPr/>
           <a:lstStyle/>
           <a:p>
-            <a:pPr eaLnBrk="1" hangingPunct="1"/>
-            <a:r>
-              <a:rPr lang="en-US" altLang="zh-TW" dirty="0" smtClean="0"/>
+            <a:r>
+              <a:rPr lang="en-US" altLang="zh-TW" smtClean="0"/>
+              <a:t>Single quotation and double quotation</a:t>
+            </a:r>
+            <a:endParaRPr lang="en-US" altLang="zh-TW" smtClean="0"/>
+          </a:p>
+        </p:txBody>
+      </p:sp>
+      <p:sp>
+        <p:nvSpPr>
+          <p:cNvPr id="15363" name="Rectangle 3"/>
+          <p:cNvSpPr>
+            <a:spLocks noGrp="1" noChangeArrowheads="1"/>
+          </p:cNvSpPr>
+          <p:nvPr>
+            <p:ph idx="1"/>
+          </p:nvPr>
+        </p:nvSpPr>
+        <p:spPr/>
+        <p:txBody>
+          <a:bodyPr/>
+          <a:lstStyle/>
+          <a:p>
+            <a:r>
+              <a:rPr lang="en-US" altLang="zh-TW" smtClean="0"/>
               <a:t>'  '</a:t>
             </a:r>
             <a:r>
-              <a:rPr lang="zh-TW" altLang="en-US" dirty="0" smtClean="0">
-                <a:ea typeface="新細明體" pitchFamily="18" charset="-120"/>
-              </a:rPr>
+              <a:rPr lang="zh-TW" altLang="en-US" smtClean="0"/>
               <a:t> – </a:t>
             </a:r>
             <a:r>
-              <a:rPr lang="en-US" altLang="zh-TW" dirty="0" smtClean="0">
-                <a:ea typeface="新細明體" pitchFamily="18" charset="-120"/>
-              </a:rPr>
+              <a:rPr lang="en-US" altLang="zh-TW" smtClean="0"/>
               <a:t>for exact value</a:t>
             </a:r>
           </a:p>
           <a:p>
-            <a:pPr eaLnBrk="1" hangingPunct="1"/>
-            <a:r>
-              <a:rPr lang="mr-IN" altLang="zh-TW" dirty="0" smtClean="0">
-                <a:ea typeface="新細明體" pitchFamily="18" charset="-120"/>
-              </a:rPr>
+            <a:r>
+              <a:rPr lang="mr-IN" altLang="zh-TW" smtClean="0"/>
               <a:t>"</a:t>
             </a:r>
             <a:r>
-              <a:rPr lang="zh-TW" altLang="en-US" dirty="0" smtClean="0">
-                <a:ea typeface="新細明體" pitchFamily="18" charset="-120"/>
-              </a:rPr>
+              <a:rPr lang="zh-TW" altLang="en-US" smtClean="0"/>
               <a:t> </a:t>
             </a:r>
             <a:r>
-              <a:rPr lang="mr-IN" altLang="zh-TW" dirty="0" smtClean="0">
-                <a:ea typeface="新細明體" pitchFamily="18" charset="-120"/>
-              </a:rPr>
+              <a:rPr lang="mr-IN" altLang="zh-TW" smtClean="0"/>
               <a:t>"</a:t>
             </a:r>
             <a:r>
-              <a:rPr lang="zh-TW" altLang="en-US" dirty="0" smtClean="0">
-                <a:ea typeface="新細明體" pitchFamily="18" charset="-120"/>
-              </a:rPr>
+              <a:rPr lang="zh-TW" altLang="en-US" smtClean="0"/>
               <a:t> – </a:t>
             </a:r>
             <a:r>
-              <a:rPr lang="en-US" altLang="zh-TW" dirty="0" smtClean="0">
-                <a:ea typeface="新細明體" pitchFamily="18" charset="-120"/>
-              </a:rPr>
+              <a:rPr lang="en-US" altLang="zh-TW" smtClean="0"/>
               <a:t>for dynamic value</a:t>
             </a:r>
           </a:p>
           <a:p>
-            <a:pPr eaLnBrk="1" hangingPunct="1"/>
-            <a:r>
-              <a:rPr lang="en-US" altLang="zh-TW" dirty="0" smtClean="0">
-                <a:ea typeface="新細明體" pitchFamily="18" charset="-120"/>
-              </a:rPr>
-              <a:t>See </a:t>
-            </a:r>
-            <a:r>
-              <a:rPr lang="en-US" altLang="zh-TW" dirty="0" err="1" smtClean="0">
-                <a:ea typeface="新細明體" pitchFamily="18" charset="-120"/>
-              </a:rPr>
-              <a:t>quotation.php</a:t>
-            </a:r>
-            <a:endParaRPr lang="en-US" altLang="zh-TW" dirty="0" smtClean="0">
-              <a:ea typeface="新細明體" pitchFamily="18" charset="-120"/>
-            </a:endParaRPr>
+            <a:r>
+              <a:rPr lang="en-US" altLang="zh-TW" smtClean="0"/>
+              <a:t>See quotation.php</a:t>
+            </a:r>
+            <a:endParaRPr lang="en-US" altLang="zh-TW" dirty="0" smtClean="0"/>
           </a:p>
         </p:txBody>
       </p:sp>
@@ -16604,16 +16378,11 @@
           <a:bodyPr/>
           <a:lstStyle/>
           <a:p>
-            <a:pPr eaLnBrk="1" hangingPunct="1">
-              <a:defRPr/>
-            </a:pPr>
-            <a:r>
-              <a:rPr lang="en-US" altLang="zh-TW" dirty="0" smtClean="0">
-                <a:latin typeface="Times New Roman" charset="0"/>
-                <a:ea typeface="新細明體" charset="-120"/>
-              </a:rPr>
+            <a:r>
+              <a:rPr lang="en-US" altLang="zh-TW" smtClean="0"/>
               <a:t>Require</a:t>
             </a:r>
+            <a:endParaRPr lang="en-US" altLang="zh-TW" dirty="0" smtClean="0"/>
           </a:p>
         </p:txBody>
       </p:sp>
@@ -16632,49 +16401,35 @@
           <a:bodyPr/>
           <a:lstStyle/>
           <a:p>
-            <a:pPr eaLnBrk="1" hangingPunct="1"/>
-            <a:r>
-              <a:rPr lang="en-US" altLang="zh-TW" smtClean="0">
-                <a:ea typeface="新細明體" pitchFamily="18" charset="-120"/>
-              </a:rPr>
+            <a:r>
+              <a:rPr lang="en-US" altLang="zh-TW" smtClean="0"/>
               <a:t>includes and evaluates a specific file</a:t>
             </a:r>
           </a:p>
           <a:p>
-            <a:pPr eaLnBrk="1" hangingPunct="1"/>
-            <a:r>
-              <a:rPr lang="en-US" altLang="zh-TW" smtClean="0">
-                <a:ea typeface="新細明體" pitchFamily="18" charset="-120"/>
-              </a:rPr>
+            <a:r>
+              <a:rPr lang="en-US" altLang="zh-TW" smtClean="0"/>
               <a:t>Work only once in a loop</a:t>
             </a:r>
           </a:p>
           <a:p>
-            <a:pPr eaLnBrk="1" hangingPunct="1"/>
-            <a:r>
-              <a:rPr lang="en-US" altLang="zh-TW" smtClean="0">
-                <a:ea typeface="新細明體" pitchFamily="18" charset="-120"/>
-              </a:rPr>
+            <a:r>
+              <a:rPr lang="en-US" altLang="zh-TW" smtClean="0"/>
               <a:t>Using as a template</a:t>
             </a:r>
           </a:p>
           <a:p>
-            <a:pPr eaLnBrk="1" hangingPunct="1"/>
-            <a:r>
-              <a:rPr lang="en-US" altLang="zh-TW" smtClean="0">
-                <a:ea typeface="新細明體" pitchFamily="18" charset="-120"/>
-              </a:rPr>
+            <a:r>
+              <a:rPr lang="en-US" altLang="zh-TW" smtClean="0"/>
               <a:t>When the require file cannot be found, it display an error and stop the script</a:t>
             </a:r>
           </a:p>
           <a:p>
-            <a:pPr eaLnBrk="1" hangingPunct="1"/>
-            <a:r>
-              <a:rPr lang="en-US" altLang="zh-TW" smtClean="0">
-                <a:ea typeface="新細明體" pitchFamily="18" charset="-120"/>
-              </a:rPr>
+            <a:r>
+              <a:rPr lang="en-US" altLang="zh-TW" smtClean="0"/>
               <a:t>See require.php and require.inc</a:t>
             </a:r>
+            <a:endParaRPr lang="en-US" altLang="zh-TW" smtClean="0"/>
           </a:p>
         </p:txBody>
       </p:sp>
@@ -16713,7 +16468,7 @@
       </p:grpSpPr>
       <p:sp>
         <p:nvSpPr>
-          <p:cNvPr id="2" name="Title 1"/>
+          <p:cNvPr id="5" name="Title 4"/>
           <p:cNvSpPr>
             <a:spLocks noGrp="1"/>
           </p:cNvSpPr>
@@ -16742,8 +16497,8 @@
           </p:nvPr>
         </p:nvGraphicFramePr>
         <p:xfrm>
-          <a:off x="1435100" y="1447800"/>
-          <a:ext cx="7499350" cy="4800600"/>
+          <a:off x="982663" y="2667000"/>
+          <a:ext cx="7704137" cy="3332163"/>
         </p:xfrm>
         <a:graphic>
           <a:graphicData uri="http://schemas.openxmlformats.org/drawingml/2006/diagram">
@@ -16796,16 +16551,11 @@
           <a:bodyPr/>
           <a:lstStyle/>
           <a:p>
-            <a:pPr eaLnBrk="1" hangingPunct="1">
-              <a:defRPr/>
-            </a:pPr>
-            <a:r>
-              <a:rPr lang="en-US" altLang="zh-TW" dirty="0" smtClean="0">
-                <a:latin typeface="Times New Roman" charset="0"/>
-                <a:ea typeface="新細明體" charset="-120"/>
-              </a:rPr>
+            <a:r>
+              <a:rPr lang="en-US" altLang="zh-TW" smtClean="0"/>
               <a:t>Require .inc security</a:t>
             </a:r>
+            <a:endParaRPr lang="en-US" altLang="zh-TW" dirty="0" smtClean="0"/>
           </a:p>
         </p:txBody>
       </p:sp>
@@ -16824,31 +16574,23 @@
           <a:bodyPr/>
           <a:lstStyle/>
           <a:p>
-            <a:pPr eaLnBrk="1" hangingPunct="1"/>
-            <a:r>
-              <a:rPr lang="en-US" altLang="zh-TW" smtClean="0">
-                <a:ea typeface="新細明體" pitchFamily="18" charset="-120"/>
-              </a:rPr>
+            <a:r>
+              <a:rPr lang="en-US" altLang="zh-TW" smtClean="0"/>
               <a:t>Since if you type filename.inc can download the file, people can download your id/password.  So for security reason, you should only use filename.inc.php</a:t>
             </a:r>
           </a:p>
           <a:p>
-            <a:pPr eaLnBrk="1" hangingPunct="1"/>
-            <a:r>
-              <a:rPr lang="en-US" altLang="zh-TW" smtClean="0">
-                <a:ea typeface="新細明體" pitchFamily="18" charset="-120"/>
-              </a:rPr>
+            <a:r>
+              <a:rPr lang="en-US" altLang="zh-TW" smtClean="0"/>
               <a:t>require2.php</a:t>
             </a:r>
           </a:p>
           <a:p>
-            <a:pPr eaLnBrk="1" hangingPunct="1"/>
-            <a:r>
-              <a:rPr lang="en-US" altLang="zh-TW" smtClean="0">
-                <a:ea typeface="新細明體" pitchFamily="18" charset="-120"/>
-              </a:rPr>
+            <a:r>
+              <a:rPr lang="en-US" altLang="zh-TW" smtClean="0"/>
               <a:t>require.inc.php</a:t>
             </a:r>
+            <a:endParaRPr lang="en-US" altLang="zh-TW" smtClean="0"/>
           </a:p>
         </p:txBody>
       </p:sp>
@@ -16900,16 +16642,11 @@
           <a:bodyPr/>
           <a:lstStyle/>
           <a:p>
-            <a:pPr eaLnBrk="1" hangingPunct="1">
-              <a:defRPr/>
-            </a:pPr>
-            <a:r>
-              <a:rPr lang="en-US" altLang="zh-TW" dirty="0" smtClean="0">
-                <a:latin typeface="Times New Roman" charset="0"/>
-                <a:ea typeface="新細明體" charset="-120"/>
-              </a:rPr>
+            <a:r>
+              <a:rPr lang="en-US" altLang="zh-TW" smtClean="0"/>
               <a:t>Require menu</a:t>
             </a:r>
+            <a:endParaRPr lang="en-US" altLang="zh-TW" dirty="0" smtClean="0"/>
           </a:p>
         </p:txBody>
       </p:sp>
@@ -16928,115 +16665,40 @@
           <a:bodyPr/>
           <a:lstStyle/>
           <a:p>
-            <a:pPr eaLnBrk="1" hangingPunct="1"/>
-            <a:r>
-              <a:rPr lang="en-US" altLang="zh-TW" dirty="0" smtClean="0">
-                <a:ea typeface="新細明體" pitchFamily="18" charset="-120"/>
-              </a:rPr>
+            <a:r>
+              <a:rPr lang="en-US" altLang="zh-TW" smtClean="0"/>
               <a:t>www.sony.com.hk</a:t>
             </a:r>
           </a:p>
           <a:p>
-            <a:pPr eaLnBrk="1" hangingPunct="1"/>
-            <a:r>
-              <a:rPr lang="en-US" altLang="zh-TW" dirty="0" smtClean="0">
-                <a:ea typeface="新細明體" pitchFamily="18" charset="-120"/>
-              </a:rPr>
+            <a:r>
+              <a:rPr lang="en-US" altLang="zh-TW" smtClean="0"/>
               <a:t>hk.yahoo.com</a:t>
             </a:r>
           </a:p>
           <a:p>
-            <a:pPr eaLnBrk="1" hangingPunct="1"/>
-            <a:r>
-              <a:rPr lang="en-US" altLang="zh-TW" dirty="0" smtClean="0">
-                <a:ea typeface="新細明體" pitchFamily="18" charset="-120"/>
-              </a:rPr>
+            <a:r>
+              <a:rPr lang="en-US" altLang="zh-TW" smtClean="0"/>
               <a:t>sicav.chinaamc.com</a:t>
             </a:r>
           </a:p>
           <a:p>
-            <a:pPr eaLnBrk="1" hangingPunct="1"/>
-            <a:endParaRPr lang="en-US" altLang="zh-TW" dirty="0" smtClean="0">
-              <a:ea typeface="新細明體" pitchFamily="18" charset="-120"/>
-            </a:endParaRPr>
-          </a:p>
-          <a:p>
-            <a:pPr eaLnBrk="1" hangingPunct="1"/>
-            <a:r>
-              <a:rPr lang="en-US" altLang="zh-TW" dirty="0" smtClean="0">
-                <a:ea typeface="新細明體" pitchFamily="18" charset="-120"/>
-              </a:rPr>
-              <a:t>Create  </a:t>
-            </a:r>
-            <a:r>
-              <a:rPr lang="en-US" altLang="zh-TW" dirty="0" err="1" smtClean="0">
-                <a:ea typeface="新細明體" pitchFamily="18" charset="-120"/>
-              </a:rPr>
-              <a:t>home.php</a:t>
-            </a:r>
-            <a:r>
-              <a:rPr lang="en-US" altLang="zh-TW" dirty="0" smtClean="0">
-                <a:ea typeface="新細明體" pitchFamily="18" charset="-120"/>
-              </a:rPr>
-              <a:t>  </a:t>
-            </a:r>
-            <a:r>
-              <a:rPr lang="en-US" altLang="zh-TW" dirty="0" err="1" smtClean="0">
-                <a:ea typeface="新細明體" pitchFamily="18" charset="-120"/>
-              </a:rPr>
-              <a:t>aboutus.php</a:t>
-            </a:r>
-            <a:r>
-              <a:rPr lang="en-US" altLang="zh-TW" dirty="0" smtClean="0">
-                <a:ea typeface="新細明體" pitchFamily="18" charset="-120"/>
-              </a:rPr>
-              <a:t>  </a:t>
-            </a:r>
-            <a:r>
-              <a:rPr lang="en-US" altLang="zh-TW" dirty="0" err="1" smtClean="0">
-                <a:ea typeface="新細明體" pitchFamily="18" charset="-120"/>
-              </a:rPr>
-              <a:t>contactus.php</a:t>
-            </a:r>
-            <a:endParaRPr lang="en-US" altLang="zh-TW" dirty="0" smtClean="0">
-              <a:ea typeface="新細明體" pitchFamily="18" charset="-120"/>
-            </a:endParaRPr>
-          </a:p>
-          <a:p>
-            <a:pPr eaLnBrk="1" hangingPunct="1"/>
-            <a:r>
-              <a:rPr lang="en-US" altLang="zh-TW" dirty="0" smtClean="0">
-                <a:ea typeface="新細明體" pitchFamily="18" charset="-120"/>
-              </a:rPr>
-              <a:t>+ </a:t>
-            </a:r>
-            <a:r>
-              <a:rPr lang="en-US" altLang="zh-TW" dirty="0" err="1" smtClean="0">
-                <a:ea typeface="新細明體" pitchFamily="18" charset="-120"/>
-              </a:rPr>
-              <a:t>header.inc.php</a:t>
-            </a:r>
-            <a:r>
-              <a:rPr lang="en-US" altLang="zh-TW" dirty="0" smtClean="0">
-                <a:ea typeface="新細明體" pitchFamily="18" charset="-120"/>
-              </a:rPr>
-              <a:t>  </a:t>
-            </a:r>
-            <a:r>
-              <a:rPr lang="en-US" altLang="zh-TW" dirty="0" err="1" smtClean="0">
-                <a:ea typeface="新細明體" pitchFamily="18" charset="-120"/>
-              </a:rPr>
-              <a:t>footer.inc.php</a:t>
-            </a:r>
-            <a:endParaRPr lang="en-US" altLang="zh-TW" dirty="0" smtClean="0">
-              <a:ea typeface="新細明體" pitchFamily="18" charset="-120"/>
-            </a:endParaRPr>
-          </a:p>
-          <a:p>
-            <a:pPr eaLnBrk="1" hangingPunct="1"/>
-            <a:endParaRPr lang="en-US" altLang="zh-TW" dirty="0" smtClean="0">
-              <a:ea typeface="新細明體" pitchFamily="18" charset="-120"/>
-            </a:endParaRPr>
+            <a:endParaRPr lang="en-US" altLang="zh-TW" smtClean="0"/>
+          </a:p>
+          <a:p>
+            <a:r>
+              <a:rPr lang="en-US" altLang="zh-TW" smtClean="0"/>
+              <a:t>Create  home.php  aboutus.php  contactus.php</a:t>
+            </a:r>
+          </a:p>
+          <a:p>
+            <a:r>
+              <a:rPr lang="en-US" altLang="zh-TW" smtClean="0"/>
+              <a:t>+ header.inc.php  footer.inc.php</a:t>
+            </a:r>
+          </a:p>
+          <a:p>
+            <a:endParaRPr lang="en-US" altLang="zh-TW" dirty="0" smtClean="0"/>
           </a:p>
         </p:txBody>
       </p:sp>
@@ -17073,31 +16735,6 @@
           <a:chExt cx="0" cy="0"/>
         </a:xfrm>
       </p:grpSpPr>
-      <p:sp>
-        <p:nvSpPr>
-          <p:cNvPr id="2" name="Title 1"/>
-          <p:cNvSpPr>
-            <a:spLocks noGrp="1"/>
-          </p:cNvSpPr>
-          <p:nvPr>
-            <p:ph type="title"/>
-          </p:nvPr>
-        </p:nvSpPr>
-        <p:spPr>
-          <a:ln w="57150">
-            <a:solidFill>
-              <a:schemeClr val="tx1"/>
-            </a:solidFill>
-          </a:ln>
-        </p:spPr>
-        <p:txBody>
-          <a:bodyPr/>
-          <a:lstStyle/>
-          <a:p>
-            <a:endParaRPr lang="en-US"/>
-          </a:p>
-        </p:txBody>
-      </p:sp>
       <p:pic>
         <p:nvPicPr>
           <p:cNvPr id="4" name="Content Placeholder 3" descr="Yahoo! Hong Kong - 雅虎香港 - Google 瀏覽器"/>
@@ -17105,7 +16742,7 @@
             <a:picLocks noGrp="1" noChangeAspect="1"/>
           </p:cNvPicPr>
           <p:nvPr>
-            <p:ph idx="1"/>
+            <p:ph idx="4294967295"/>
           </p:nvPr>
         </p:nvPicPr>
         <p:blipFill rotWithShape="1">
@@ -17121,655 +16758,670 @@
         </p:blipFill>
         <p:spPr>
           <a:xfrm>
-            <a:off x="107504" y="260647"/>
-            <a:ext cx="8870844" cy="6417293"/>
+            <a:off x="35496" y="188640"/>
+            <a:ext cx="9153970" cy="6623298"/>
           </a:xfrm>
         </p:spPr>
       </p:pic>
-      <p:sp>
-        <p:nvSpPr>
-          <p:cNvPr id="5" name="Rounded Rectangle 4"/>
-          <p:cNvSpPr/>
+      <p:grpSp>
+        <p:nvGrpSpPr>
+          <p:cNvPr id="23" name="Group 22"/>
+          <p:cNvGrpSpPr/>
           <p:nvPr/>
-        </p:nvSpPr>
-        <p:spPr>
+        </p:nvGrpSpPr>
+        <p:grpSpPr>
           <a:xfrm>
-            <a:off x="1475656" y="404664"/>
-            <a:ext cx="6192688" cy="432048"/>
+            <a:off x="1450901" y="404664"/>
+            <a:ext cx="6273080" cy="6407274"/>
+            <a:chOff x="1450901" y="404664"/>
+            <a:chExt cx="6273080" cy="6407274"/>
           </a:xfrm>
-          <a:prstGeom prst="roundRect">
-            <a:avLst/>
-          </a:prstGeom>
-          <a:noFill/>
-          <a:ln w="57150">
-            <a:solidFill>
-              <a:srgbClr val="FF0000"/>
-            </a:solidFill>
-          </a:ln>
-        </p:spPr>
-        <p:style>
-          <a:lnRef idx="2">
-            <a:schemeClr val="accent1">
-              <a:shade val="50000"/>
-            </a:schemeClr>
-          </a:lnRef>
-          <a:fillRef idx="1">
-            <a:schemeClr val="accent1"/>
-          </a:fillRef>
-          <a:effectRef idx="0">
-            <a:schemeClr val="accent1"/>
-          </a:effectRef>
-          <a:fontRef idx="minor">
-            <a:schemeClr val="lt1"/>
-          </a:fontRef>
-        </p:style>
-        <p:txBody>
-          <a:bodyPr rtlCol="0" anchor="ctr"/>
-          <a:lstStyle/>
-          <a:p>
-            <a:pPr algn="ctr"/>
-            <a:endParaRPr lang="en-US"/>
-          </a:p>
-        </p:txBody>
-      </p:sp>
-      <p:sp>
-        <p:nvSpPr>
-          <p:cNvPr id="6" name="Rounded Rectangle 5"/>
-          <p:cNvSpPr/>
-          <p:nvPr/>
-        </p:nvSpPr>
-        <p:spPr>
-          <a:xfrm>
-            <a:off x="1450901" y="841326"/>
-            <a:ext cx="960859" cy="2443658"/>
-          </a:xfrm>
-          <a:prstGeom prst="roundRect">
-            <a:avLst/>
-          </a:prstGeom>
-          <a:noFill/>
-          <a:ln w="57150">
-            <a:solidFill>
-              <a:srgbClr val="FF0000"/>
-            </a:solidFill>
-          </a:ln>
-        </p:spPr>
-        <p:style>
-          <a:lnRef idx="2">
-            <a:schemeClr val="accent1">
-              <a:shade val="50000"/>
-            </a:schemeClr>
-          </a:lnRef>
-          <a:fillRef idx="1">
-            <a:schemeClr val="accent1"/>
-          </a:fillRef>
-          <a:effectRef idx="0">
-            <a:schemeClr val="accent1"/>
-          </a:effectRef>
-          <a:fontRef idx="minor">
-            <a:schemeClr val="lt1"/>
-          </a:fontRef>
-        </p:style>
-        <p:txBody>
-          <a:bodyPr rtlCol="0" anchor="ctr"/>
-          <a:lstStyle/>
-          <a:p>
-            <a:pPr algn="ctr"/>
-            <a:endParaRPr lang="en-US"/>
-          </a:p>
-        </p:txBody>
-      </p:sp>
-      <p:sp>
-        <p:nvSpPr>
-          <p:cNvPr id="7" name="Rounded Rectangle 6"/>
-          <p:cNvSpPr/>
-          <p:nvPr/>
-        </p:nvSpPr>
-        <p:spPr>
-          <a:xfrm>
-            <a:off x="5290245" y="831801"/>
-            <a:ext cx="2378099" cy="715466"/>
-          </a:xfrm>
-          <a:prstGeom prst="roundRect">
-            <a:avLst/>
-          </a:prstGeom>
-          <a:noFill/>
-          <a:ln w="57150">
-            <a:solidFill>
-              <a:srgbClr val="FF0000"/>
-            </a:solidFill>
-          </a:ln>
-        </p:spPr>
-        <p:style>
-          <a:lnRef idx="2">
-            <a:schemeClr val="accent1">
-              <a:shade val="50000"/>
-            </a:schemeClr>
-          </a:lnRef>
-          <a:fillRef idx="1">
-            <a:schemeClr val="accent1"/>
-          </a:fillRef>
-          <a:effectRef idx="0">
-            <a:schemeClr val="accent1"/>
-          </a:effectRef>
-          <a:fontRef idx="minor">
-            <a:schemeClr val="lt1"/>
-          </a:fontRef>
-        </p:style>
-        <p:txBody>
-          <a:bodyPr rtlCol="0" anchor="ctr"/>
-          <a:lstStyle/>
-          <a:p>
-            <a:pPr algn="ctr"/>
-            <a:endParaRPr lang="en-US"/>
-          </a:p>
-        </p:txBody>
-      </p:sp>
-      <p:sp>
-        <p:nvSpPr>
-          <p:cNvPr id="8" name="Rounded Rectangle 7"/>
-          <p:cNvSpPr/>
-          <p:nvPr/>
-        </p:nvSpPr>
-        <p:spPr>
-          <a:xfrm>
-            <a:off x="2483767" y="908720"/>
-            <a:ext cx="2736305" cy="715466"/>
-          </a:xfrm>
-          <a:prstGeom prst="roundRect">
-            <a:avLst/>
-          </a:prstGeom>
-          <a:noFill/>
-          <a:ln w="57150">
-            <a:solidFill>
-              <a:srgbClr val="92D050"/>
-            </a:solidFill>
-          </a:ln>
-        </p:spPr>
-        <p:style>
-          <a:lnRef idx="2">
-            <a:schemeClr val="accent1">
-              <a:shade val="50000"/>
-            </a:schemeClr>
-          </a:lnRef>
-          <a:fillRef idx="1">
-            <a:schemeClr val="accent1"/>
-          </a:fillRef>
-          <a:effectRef idx="0">
-            <a:schemeClr val="accent1"/>
-          </a:effectRef>
-          <a:fontRef idx="minor">
-            <a:schemeClr val="lt1"/>
-          </a:fontRef>
-        </p:style>
-        <p:txBody>
-          <a:bodyPr rtlCol="0" anchor="ctr"/>
-          <a:lstStyle/>
-          <a:p>
-            <a:pPr algn="ctr"/>
-            <a:endParaRPr lang="en-US"/>
-          </a:p>
-        </p:txBody>
-      </p:sp>
-      <p:sp>
-        <p:nvSpPr>
-          <p:cNvPr id="9" name="Rounded Rectangle 8"/>
-          <p:cNvSpPr/>
-          <p:nvPr/>
-        </p:nvSpPr>
-        <p:spPr>
-          <a:xfrm>
-            <a:off x="5290245" y="1622698"/>
-            <a:ext cx="2378099" cy="654174"/>
-          </a:xfrm>
-          <a:prstGeom prst="roundRect">
-            <a:avLst/>
-          </a:prstGeom>
-          <a:noFill/>
-          <a:ln w="57150">
-            <a:solidFill>
-              <a:srgbClr val="92D050"/>
-            </a:solidFill>
-          </a:ln>
-        </p:spPr>
-        <p:style>
-          <a:lnRef idx="2">
-            <a:schemeClr val="accent1">
-              <a:shade val="50000"/>
-            </a:schemeClr>
-          </a:lnRef>
-          <a:fillRef idx="1">
-            <a:schemeClr val="accent1"/>
-          </a:fillRef>
-          <a:effectRef idx="0">
-            <a:schemeClr val="accent1"/>
-          </a:effectRef>
-          <a:fontRef idx="minor">
-            <a:schemeClr val="lt1"/>
-          </a:fontRef>
-        </p:style>
-        <p:txBody>
-          <a:bodyPr rtlCol="0" anchor="ctr"/>
-          <a:lstStyle/>
-          <a:p>
-            <a:pPr algn="ctr"/>
-            <a:endParaRPr lang="en-US"/>
-          </a:p>
-        </p:txBody>
-      </p:sp>
-      <p:sp>
-        <p:nvSpPr>
-          <p:cNvPr id="10" name="Rounded Rectangle 9"/>
-          <p:cNvSpPr/>
-          <p:nvPr/>
-        </p:nvSpPr>
-        <p:spPr>
-          <a:xfrm>
-            <a:off x="5318423" y="3495838"/>
-            <a:ext cx="2378099" cy="504056"/>
-          </a:xfrm>
-          <a:prstGeom prst="roundRect">
-            <a:avLst/>
-          </a:prstGeom>
-          <a:noFill/>
-          <a:ln w="57150">
-            <a:solidFill>
-              <a:srgbClr val="FF0000"/>
-            </a:solidFill>
-          </a:ln>
-        </p:spPr>
-        <p:style>
-          <a:lnRef idx="2">
-            <a:schemeClr val="accent1">
-              <a:shade val="50000"/>
-            </a:schemeClr>
-          </a:lnRef>
-          <a:fillRef idx="1">
-            <a:schemeClr val="accent1"/>
-          </a:fillRef>
-          <a:effectRef idx="0">
-            <a:schemeClr val="accent1"/>
-          </a:effectRef>
-          <a:fontRef idx="minor">
-            <a:schemeClr val="lt1"/>
-          </a:fontRef>
-        </p:style>
-        <p:txBody>
-          <a:bodyPr rtlCol="0" anchor="ctr"/>
-          <a:lstStyle/>
-          <a:p>
-            <a:pPr algn="ctr"/>
-            <a:endParaRPr lang="en-US"/>
-          </a:p>
-        </p:txBody>
-      </p:sp>
-      <p:sp>
-        <p:nvSpPr>
-          <p:cNvPr id="11" name="Rounded Rectangle 10"/>
-          <p:cNvSpPr/>
-          <p:nvPr/>
-        </p:nvSpPr>
-        <p:spPr>
-          <a:xfrm>
-            <a:off x="5317653" y="2780928"/>
-            <a:ext cx="2378099" cy="648072"/>
-          </a:xfrm>
-          <a:prstGeom prst="roundRect">
-            <a:avLst/>
-          </a:prstGeom>
-          <a:noFill/>
-          <a:ln w="57150">
-            <a:solidFill>
-              <a:srgbClr val="92D050"/>
-            </a:solidFill>
-          </a:ln>
-        </p:spPr>
-        <p:style>
-          <a:lnRef idx="2">
-            <a:schemeClr val="accent1">
-              <a:shade val="50000"/>
-            </a:schemeClr>
-          </a:lnRef>
-          <a:fillRef idx="1">
-            <a:schemeClr val="accent1"/>
-          </a:fillRef>
-          <a:effectRef idx="0">
-            <a:schemeClr val="accent1"/>
-          </a:effectRef>
-          <a:fontRef idx="minor">
-            <a:schemeClr val="lt1"/>
-          </a:fontRef>
-        </p:style>
-        <p:txBody>
-          <a:bodyPr rtlCol="0" anchor="ctr"/>
-          <a:lstStyle/>
-          <a:p>
-            <a:pPr algn="ctr"/>
-            <a:endParaRPr lang="en-US"/>
-          </a:p>
-        </p:txBody>
-      </p:sp>
-      <p:sp>
-        <p:nvSpPr>
-          <p:cNvPr id="12" name="Rounded Rectangle 11"/>
-          <p:cNvSpPr/>
-          <p:nvPr/>
-        </p:nvSpPr>
-        <p:spPr>
-          <a:xfrm>
-            <a:off x="2465858" y="1949785"/>
-            <a:ext cx="2754214" cy="903151"/>
-          </a:xfrm>
-          <a:prstGeom prst="roundRect">
-            <a:avLst/>
-          </a:prstGeom>
-          <a:noFill/>
-          <a:ln w="57150">
-            <a:solidFill>
-              <a:srgbClr val="FF0000"/>
-            </a:solidFill>
-          </a:ln>
-        </p:spPr>
-        <p:style>
-          <a:lnRef idx="2">
-            <a:schemeClr val="accent1">
-              <a:shade val="50000"/>
-            </a:schemeClr>
-          </a:lnRef>
-          <a:fillRef idx="1">
-            <a:schemeClr val="accent1"/>
-          </a:fillRef>
-          <a:effectRef idx="0">
-            <a:schemeClr val="accent1"/>
-          </a:effectRef>
-          <a:fontRef idx="minor">
-            <a:schemeClr val="lt1"/>
-          </a:fontRef>
-        </p:style>
-        <p:txBody>
-          <a:bodyPr rtlCol="0" anchor="ctr"/>
-          <a:lstStyle/>
-          <a:p>
-            <a:pPr algn="ctr"/>
-            <a:endParaRPr lang="en-US"/>
-          </a:p>
-        </p:txBody>
-      </p:sp>
-      <p:sp>
-        <p:nvSpPr>
-          <p:cNvPr id="13" name="Rounded Rectangle 12"/>
-          <p:cNvSpPr/>
-          <p:nvPr/>
-        </p:nvSpPr>
-        <p:spPr>
-          <a:xfrm>
-            <a:off x="2452910" y="2852936"/>
-            <a:ext cx="2754214" cy="623455"/>
-          </a:xfrm>
-          <a:prstGeom prst="roundRect">
-            <a:avLst/>
-          </a:prstGeom>
-          <a:noFill/>
-          <a:ln w="57150">
-            <a:solidFill>
-              <a:srgbClr val="92D050"/>
-            </a:solidFill>
-          </a:ln>
-        </p:spPr>
-        <p:style>
-          <a:lnRef idx="2">
-            <a:schemeClr val="accent1">
-              <a:shade val="50000"/>
-            </a:schemeClr>
-          </a:lnRef>
-          <a:fillRef idx="1">
-            <a:schemeClr val="accent1"/>
-          </a:fillRef>
-          <a:effectRef idx="0">
-            <a:schemeClr val="accent1"/>
-          </a:effectRef>
-          <a:fontRef idx="minor">
-            <a:schemeClr val="lt1"/>
-          </a:fontRef>
-        </p:style>
-        <p:txBody>
-          <a:bodyPr rtlCol="0" anchor="ctr"/>
-          <a:lstStyle/>
-          <a:p>
-            <a:pPr algn="ctr"/>
-            <a:endParaRPr lang="en-US"/>
-          </a:p>
-        </p:txBody>
-      </p:sp>
-      <p:sp>
-        <p:nvSpPr>
-          <p:cNvPr id="14" name="Rounded Rectangle 13"/>
-          <p:cNvSpPr/>
-          <p:nvPr/>
-        </p:nvSpPr>
-        <p:spPr>
-          <a:xfrm>
-            <a:off x="5311998" y="4077072"/>
-            <a:ext cx="2378099" cy="432048"/>
-          </a:xfrm>
-          <a:prstGeom prst="roundRect">
-            <a:avLst/>
-          </a:prstGeom>
-          <a:noFill/>
-          <a:ln w="57150">
-            <a:solidFill>
-              <a:srgbClr val="92D050"/>
-            </a:solidFill>
-          </a:ln>
-        </p:spPr>
-        <p:style>
-          <a:lnRef idx="2">
-            <a:schemeClr val="accent1">
-              <a:shade val="50000"/>
-            </a:schemeClr>
-          </a:lnRef>
-          <a:fillRef idx="1">
-            <a:schemeClr val="accent1"/>
-          </a:fillRef>
-          <a:effectRef idx="0">
-            <a:schemeClr val="accent1"/>
-          </a:effectRef>
-          <a:fontRef idx="minor">
-            <a:schemeClr val="lt1"/>
-          </a:fontRef>
-        </p:style>
-        <p:txBody>
-          <a:bodyPr rtlCol="0" anchor="ctr"/>
-          <a:lstStyle/>
-          <a:p>
-            <a:pPr algn="ctr"/>
-            <a:endParaRPr lang="en-US"/>
-          </a:p>
-        </p:txBody>
-      </p:sp>
-      <p:sp>
-        <p:nvSpPr>
-          <p:cNvPr id="15" name="Rounded Rectangle 14"/>
-          <p:cNvSpPr/>
-          <p:nvPr/>
-        </p:nvSpPr>
-        <p:spPr>
-          <a:xfrm>
-            <a:off x="5337076" y="2276872"/>
-            <a:ext cx="2378099" cy="432048"/>
-          </a:xfrm>
-          <a:prstGeom prst="roundRect">
-            <a:avLst/>
-          </a:prstGeom>
-          <a:noFill/>
-          <a:ln w="57150">
-            <a:solidFill>
-              <a:srgbClr val="FF0000"/>
-            </a:solidFill>
-          </a:ln>
-        </p:spPr>
-        <p:style>
-          <a:lnRef idx="2">
-            <a:schemeClr val="accent1">
-              <a:shade val="50000"/>
-            </a:schemeClr>
-          </a:lnRef>
-          <a:fillRef idx="1">
-            <a:schemeClr val="accent1"/>
-          </a:fillRef>
-          <a:effectRef idx="0">
-            <a:schemeClr val="accent1"/>
-          </a:effectRef>
-          <a:fontRef idx="minor">
-            <a:schemeClr val="lt1"/>
-          </a:fontRef>
-        </p:style>
-        <p:txBody>
-          <a:bodyPr rtlCol="0" anchor="ctr"/>
-          <a:lstStyle/>
-          <a:p>
-            <a:pPr algn="ctr"/>
-            <a:endParaRPr lang="en-US"/>
-          </a:p>
-        </p:txBody>
-      </p:sp>
-      <p:sp>
-        <p:nvSpPr>
-          <p:cNvPr id="16" name="Rounded Rectangle 15"/>
-          <p:cNvSpPr/>
-          <p:nvPr/>
-        </p:nvSpPr>
-        <p:spPr>
-          <a:xfrm>
-            <a:off x="5311997" y="4581128"/>
-            <a:ext cx="2378099" cy="720080"/>
-          </a:xfrm>
-          <a:prstGeom prst="roundRect">
-            <a:avLst/>
-          </a:prstGeom>
-          <a:noFill/>
-          <a:ln w="57150">
-            <a:solidFill>
-              <a:srgbClr val="FF0000"/>
-            </a:solidFill>
-          </a:ln>
-        </p:spPr>
-        <p:style>
-          <a:lnRef idx="2">
-            <a:schemeClr val="accent1">
-              <a:shade val="50000"/>
-            </a:schemeClr>
-          </a:lnRef>
-          <a:fillRef idx="1">
-            <a:schemeClr val="accent1"/>
-          </a:fillRef>
-          <a:effectRef idx="0">
-            <a:schemeClr val="accent1"/>
-          </a:effectRef>
-          <a:fontRef idx="minor">
-            <a:schemeClr val="lt1"/>
-          </a:fontRef>
-        </p:style>
-        <p:txBody>
-          <a:bodyPr rtlCol="0" anchor="ctr"/>
-          <a:lstStyle/>
-          <a:p>
-            <a:pPr algn="ctr"/>
-            <a:endParaRPr lang="en-US"/>
-          </a:p>
-        </p:txBody>
-      </p:sp>
-      <p:sp>
-        <p:nvSpPr>
-          <p:cNvPr id="17" name="Rounded Rectangle 16"/>
-          <p:cNvSpPr/>
-          <p:nvPr/>
-        </p:nvSpPr>
-        <p:spPr>
-          <a:xfrm>
-            <a:off x="2452910" y="3511651"/>
-            <a:ext cx="2754214" cy="1429517"/>
-          </a:xfrm>
-          <a:prstGeom prst="roundRect">
-            <a:avLst/>
-          </a:prstGeom>
-          <a:noFill/>
-          <a:ln w="57150">
-            <a:solidFill>
-              <a:srgbClr val="FF0000"/>
-            </a:solidFill>
-          </a:ln>
-        </p:spPr>
-        <p:style>
-          <a:lnRef idx="2">
-            <a:schemeClr val="accent1">
-              <a:shade val="50000"/>
-            </a:schemeClr>
-          </a:lnRef>
-          <a:fillRef idx="1">
-            <a:schemeClr val="accent1"/>
-          </a:fillRef>
-          <a:effectRef idx="0">
-            <a:schemeClr val="accent1"/>
-          </a:effectRef>
-          <a:fontRef idx="minor">
-            <a:schemeClr val="lt1"/>
-          </a:fontRef>
-        </p:style>
-        <p:txBody>
-          <a:bodyPr rtlCol="0" anchor="ctr"/>
-          <a:lstStyle/>
-          <a:p>
-            <a:pPr algn="ctr"/>
-            <a:endParaRPr lang="en-US"/>
-          </a:p>
-        </p:txBody>
-      </p:sp>
-      <p:sp>
-        <p:nvSpPr>
-          <p:cNvPr id="18" name="Rounded Rectangle 17"/>
-          <p:cNvSpPr/>
-          <p:nvPr/>
-        </p:nvSpPr>
-        <p:spPr>
-          <a:xfrm>
-            <a:off x="1531293" y="6379890"/>
-            <a:ext cx="6192688" cy="432048"/>
-          </a:xfrm>
-          <a:prstGeom prst="roundRect">
-            <a:avLst/>
-          </a:prstGeom>
-          <a:noFill/>
-          <a:ln w="57150">
-            <a:solidFill>
-              <a:srgbClr val="FF0000"/>
-            </a:solidFill>
-          </a:ln>
-        </p:spPr>
-        <p:style>
-          <a:lnRef idx="2">
-            <a:schemeClr val="accent1">
-              <a:shade val="50000"/>
-            </a:schemeClr>
-          </a:lnRef>
-          <a:fillRef idx="1">
-            <a:schemeClr val="accent1"/>
-          </a:fillRef>
-          <a:effectRef idx="0">
-            <a:schemeClr val="accent1"/>
-          </a:effectRef>
-          <a:fontRef idx="minor">
-            <a:schemeClr val="lt1"/>
-          </a:fontRef>
-        </p:style>
-        <p:txBody>
-          <a:bodyPr rtlCol="0" anchor="ctr"/>
-          <a:lstStyle/>
-          <a:p>
-            <a:pPr algn="ctr"/>
-            <a:endParaRPr lang="en-US"/>
-          </a:p>
-        </p:txBody>
-      </p:sp>
+        </p:grpSpPr>
+        <p:sp>
+          <p:nvSpPr>
+            <p:cNvPr id="5" name="Rounded Rectangle 4"/>
+            <p:cNvSpPr/>
+            <p:nvPr/>
+          </p:nvSpPr>
+          <p:spPr>
+            <a:xfrm>
+              <a:off x="1475656" y="404664"/>
+              <a:ext cx="6192688" cy="432048"/>
+            </a:xfrm>
+            <a:prstGeom prst="roundRect">
+              <a:avLst/>
+            </a:prstGeom>
+            <a:noFill/>
+            <a:ln w="57150">
+              <a:solidFill>
+                <a:srgbClr val="FF0000"/>
+              </a:solidFill>
+            </a:ln>
+          </p:spPr>
+          <p:style>
+            <a:lnRef idx="2">
+              <a:schemeClr val="accent1">
+                <a:shade val="50000"/>
+              </a:schemeClr>
+            </a:lnRef>
+            <a:fillRef idx="1">
+              <a:schemeClr val="accent1"/>
+            </a:fillRef>
+            <a:effectRef idx="0">
+              <a:schemeClr val="accent1"/>
+            </a:effectRef>
+            <a:fontRef idx="minor">
+              <a:schemeClr val="lt1"/>
+            </a:fontRef>
+          </p:style>
+          <p:txBody>
+            <a:bodyPr rtlCol="0" anchor="ctr"/>
+            <a:lstStyle/>
+            <a:p>
+              <a:pPr algn="ctr"/>
+              <a:endParaRPr lang="en-US"/>
+            </a:p>
+          </p:txBody>
+        </p:sp>
+        <p:sp>
+          <p:nvSpPr>
+            <p:cNvPr id="6" name="Rounded Rectangle 5"/>
+            <p:cNvSpPr/>
+            <p:nvPr/>
+          </p:nvSpPr>
+          <p:spPr>
+            <a:xfrm>
+              <a:off x="1450901" y="841326"/>
+              <a:ext cx="960859" cy="2443658"/>
+            </a:xfrm>
+            <a:prstGeom prst="roundRect">
+              <a:avLst/>
+            </a:prstGeom>
+            <a:noFill/>
+            <a:ln w="57150">
+              <a:solidFill>
+                <a:srgbClr val="FF0000"/>
+              </a:solidFill>
+            </a:ln>
+          </p:spPr>
+          <p:style>
+            <a:lnRef idx="2">
+              <a:schemeClr val="accent1">
+                <a:shade val="50000"/>
+              </a:schemeClr>
+            </a:lnRef>
+            <a:fillRef idx="1">
+              <a:schemeClr val="accent1"/>
+            </a:fillRef>
+            <a:effectRef idx="0">
+              <a:schemeClr val="accent1"/>
+            </a:effectRef>
+            <a:fontRef idx="minor">
+              <a:schemeClr val="lt1"/>
+            </a:fontRef>
+          </p:style>
+          <p:txBody>
+            <a:bodyPr rtlCol="0" anchor="ctr"/>
+            <a:lstStyle/>
+            <a:p>
+              <a:pPr algn="ctr"/>
+              <a:endParaRPr lang="en-US"/>
+            </a:p>
+          </p:txBody>
+        </p:sp>
+        <p:sp>
+          <p:nvSpPr>
+            <p:cNvPr id="7" name="Rounded Rectangle 6"/>
+            <p:cNvSpPr/>
+            <p:nvPr/>
+          </p:nvSpPr>
+          <p:spPr>
+            <a:xfrm>
+              <a:off x="5290245" y="831801"/>
+              <a:ext cx="2378099" cy="715466"/>
+            </a:xfrm>
+            <a:prstGeom prst="roundRect">
+              <a:avLst/>
+            </a:prstGeom>
+            <a:noFill/>
+            <a:ln w="57150">
+              <a:solidFill>
+                <a:srgbClr val="FF0000"/>
+              </a:solidFill>
+            </a:ln>
+          </p:spPr>
+          <p:style>
+            <a:lnRef idx="2">
+              <a:schemeClr val="accent1">
+                <a:shade val="50000"/>
+              </a:schemeClr>
+            </a:lnRef>
+            <a:fillRef idx="1">
+              <a:schemeClr val="accent1"/>
+            </a:fillRef>
+            <a:effectRef idx="0">
+              <a:schemeClr val="accent1"/>
+            </a:effectRef>
+            <a:fontRef idx="minor">
+              <a:schemeClr val="lt1"/>
+            </a:fontRef>
+          </p:style>
+          <p:txBody>
+            <a:bodyPr rtlCol="0" anchor="ctr"/>
+            <a:lstStyle/>
+            <a:p>
+              <a:pPr algn="ctr"/>
+              <a:endParaRPr lang="en-US"/>
+            </a:p>
+          </p:txBody>
+        </p:sp>
+        <p:sp>
+          <p:nvSpPr>
+            <p:cNvPr id="8" name="Rounded Rectangle 7"/>
+            <p:cNvSpPr/>
+            <p:nvPr/>
+          </p:nvSpPr>
+          <p:spPr>
+            <a:xfrm>
+              <a:off x="2483767" y="836712"/>
+              <a:ext cx="2736305" cy="715466"/>
+            </a:xfrm>
+            <a:prstGeom prst="roundRect">
+              <a:avLst/>
+            </a:prstGeom>
+            <a:noFill/>
+            <a:ln w="57150">
+              <a:solidFill>
+                <a:srgbClr val="92D050"/>
+              </a:solidFill>
+            </a:ln>
+          </p:spPr>
+          <p:style>
+            <a:lnRef idx="2">
+              <a:schemeClr val="accent1">
+                <a:shade val="50000"/>
+              </a:schemeClr>
+            </a:lnRef>
+            <a:fillRef idx="1">
+              <a:schemeClr val="accent1"/>
+            </a:fillRef>
+            <a:effectRef idx="0">
+              <a:schemeClr val="accent1"/>
+            </a:effectRef>
+            <a:fontRef idx="minor">
+              <a:schemeClr val="lt1"/>
+            </a:fontRef>
+          </p:style>
+          <p:txBody>
+            <a:bodyPr rtlCol="0" anchor="ctr"/>
+            <a:lstStyle/>
+            <a:p>
+              <a:pPr algn="ctr"/>
+              <a:endParaRPr lang="en-US"/>
+            </a:p>
+          </p:txBody>
+        </p:sp>
+        <p:sp>
+          <p:nvSpPr>
+            <p:cNvPr id="9" name="Rounded Rectangle 8"/>
+            <p:cNvSpPr/>
+            <p:nvPr/>
+          </p:nvSpPr>
+          <p:spPr>
+            <a:xfrm>
+              <a:off x="5290245" y="1622698"/>
+              <a:ext cx="2378099" cy="654174"/>
+            </a:xfrm>
+            <a:prstGeom prst="roundRect">
+              <a:avLst/>
+            </a:prstGeom>
+            <a:noFill/>
+            <a:ln w="57150">
+              <a:solidFill>
+                <a:srgbClr val="92D050"/>
+              </a:solidFill>
+            </a:ln>
+          </p:spPr>
+          <p:style>
+            <a:lnRef idx="2">
+              <a:schemeClr val="accent1">
+                <a:shade val="50000"/>
+              </a:schemeClr>
+            </a:lnRef>
+            <a:fillRef idx="1">
+              <a:schemeClr val="accent1"/>
+            </a:fillRef>
+            <a:effectRef idx="0">
+              <a:schemeClr val="accent1"/>
+            </a:effectRef>
+            <a:fontRef idx="minor">
+              <a:schemeClr val="lt1"/>
+            </a:fontRef>
+          </p:style>
+          <p:txBody>
+            <a:bodyPr rtlCol="0" anchor="ctr"/>
+            <a:lstStyle/>
+            <a:p>
+              <a:pPr algn="ctr"/>
+              <a:endParaRPr lang="en-US"/>
+            </a:p>
+          </p:txBody>
+        </p:sp>
+        <p:sp>
+          <p:nvSpPr>
+            <p:cNvPr id="10" name="Rounded Rectangle 9"/>
+            <p:cNvSpPr/>
+            <p:nvPr/>
+          </p:nvSpPr>
+          <p:spPr>
+            <a:xfrm>
+              <a:off x="5318423" y="3495838"/>
+              <a:ext cx="2378099" cy="504056"/>
+            </a:xfrm>
+            <a:prstGeom prst="roundRect">
+              <a:avLst/>
+            </a:prstGeom>
+            <a:noFill/>
+            <a:ln w="57150">
+              <a:solidFill>
+                <a:srgbClr val="FF0000"/>
+              </a:solidFill>
+            </a:ln>
+          </p:spPr>
+          <p:style>
+            <a:lnRef idx="2">
+              <a:schemeClr val="accent1">
+                <a:shade val="50000"/>
+              </a:schemeClr>
+            </a:lnRef>
+            <a:fillRef idx="1">
+              <a:schemeClr val="accent1"/>
+            </a:fillRef>
+            <a:effectRef idx="0">
+              <a:schemeClr val="accent1"/>
+            </a:effectRef>
+            <a:fontRef idx="minor">
+              <a:schemeClr val="lt1"/>
+            </a:fontRef>
+          </p:style>
+          <p:txBody>
+            <a:bodyPr rtlCol="0" anchor="ctr"/>
+            <a:lstStyle/>
+            <a:p>
+              <a:pPr algn="ctr"/>
+              <a:endParaRPr lang="en-US"/>
+            </a:p>
+          </p:txBody>
+        </p:sp>
+        <p:sp>
+          <p:nvSpPr>
+            <p:cNvPr id="11" name="Rounded Rectangle 10"/>
+            <p:cNvSpPr/>
+            <p:nvPr/>
+          </p:nvSpPr>
+          <p:spPr>
+            <a:xfrm>
+              <a:off x="5317653" y="2780928"/>
+              <a:ext cx="2378099" cy="648072"/>
+            </a:xfrm>
+            <a:prstGeom prst="roundRect">
+              <a:avLst/>
+            </a:prstGeom>
+            <a:noFill/>
+            <a:ln w="57150">
+              <a:solidFill>
+                <a:srgbClr val="92D050"/>
+              </a:solidFill>
+            </a:ln>
+          </p:spPr>
+          <p:style>
+            <a:lnRef idx="2">
+              <a:schemeClr val="accent1">
+                <a:shade val="50000"/>
+              </a:schemeClr>
+            </a:lnRef>
+            <a:fillRef idx="1">
+              <a:schemeClr val="accent1"/>
+            </a:fillRef>
+            <a:effectRef idx="0">
+              <a:schemeClr val="accent1"/>
+            </a:effectRef>
+            <a:fontRef idx="minor">
+              <a:schemeClr val="lt1"/>
+            </a:fontRef>
+          </p:style>
+          <p:txBody>
+            <a:bodyPr rtlCol="0" anchor="ctr"/>
+            <a:lstStyle/>
+            <a:p>
+              <a:pPr algn="ctr"/>
+              <a:endParaRPr lang="en-US"/>
+            </a:p>
+          </p:txBody>
+        </p:sp>
+        <p:sp>
+          <p:nvSpPr>
+            <p:cNvPr id="12" name="Rounded Rectangle 11"/>
+            <p:cNvSpPr/>
+            <p:nvPr/>
+          </p:nvSpPr>
+          <p:spPr>
+            <a:xfrm>
+              <a:off x="2465858" y="1949785"/>
+              <a:ext cx="2754214" cy="903151"/>
+            </a:xfrm>
+            <a:prstGeom prst="roundRect">
+              <a:avLst/>
+            </a:prstGeom>
+            <a:noFill/>
+            <a:ln w="57150">
+              <a:solidFill>
+                <a:srgbClr val="FF0000"/>
+              </a:solidFill>
+            </a:ln>
+          </p:spPr>
+          <p:style>
+            <a:lnRef idx="2">
+              <a:schemeClr val="accent1">
+                <a:shade val="50000"/>
+              </a:schemeClr>
+            </a:lnRef>
+            <a:fillRef idx="1">
+              <a:schemeClr val="accent1"/>
+            </a:fillRef>
+            <a:effectRef idx="0">
+              <a:schemeClr val="accent1"/>
+            </a:effectRef>
+            <a:fontRef idx="minor">
+              <a:schemeClr val="lt1"/>
+            </a:fontRef>
+          </p:style>
+          <p:txBody>
+            <a:bodyPr rtlCol="0" anchor="ctr"/>
+            <a:lstStyle/>
+            <a:p>
+              <a:pPr algn="ctr"/>
+              <a:endParaRPr lang="en-US"/>
+            </a:p>
+          </p:txBody>
+        </p:sp>
+        <p:sp>
+          <p:nvSpPr>
+            <p:cNvPr id="13" name="Rounded Rectangle 12"/>
+            <p:cNvSpPr/>
+            <p:nvPr/>
+          </p:nvSpPr>
+          <p:spPr>
+            <a:xfrm>
+              <a:off x="2452910" y="2852936"/>
+              <a:ext cx="2754214" cy="623455"/>
+            </a:xfrm>
+            <a:prstGeom prst="roundRect">
+              <a:avLst/>
+            </a:prstGeom>
+            <a:noFill/>
+            <a:ln w="57150">
+              <a:solidFill>
+                <a:srgbClr val="92D050"/>
+              </a:solidFill>
+            </a:ln>
+          </p:spPr>
+          <p:style>
+            <a:lnRef idx="2">
+              <a:schemeClr val="accent1">
+                <a:shade val="50000"/>
+              </a:schemeClr>
+            </a:lnRef>
+            <a:fillRef idx="1">
+              <a:schemeClr val="accent1"/>
+            </a:fillRef>
+            <a:effectRef idx="0">
+              <a:schemeClr val="accent1"/>
+            </a:effectRef>
+            <a:fontRef idx="minor">
+              <a:schemeClr val="lt1"/>
+            </a:fontRef>
+          </p:style>
+          <p:txBody>
+            <a:bodyPr rtlCol="0" anchor="ctr"/>
+            <a:lstStyle/>
+            <a:p>
+              <a:pPr algn="ctr"/>
+              <a:endParaRPr lang="en-US"/>
+            </a:p>
+          </p:txBody>
+        </p:sp>
+        <p:sp>
+          <p:nvSpPr>
+            <p:cNvPr id="14" name="Rounded Rectangle 13"/>
+            <p:cNvSpPr/>
+            <p:nvPr/>
+          </p:nvSpPr>
+          <p:spPr>
+            <a:xfrm>
+              <a:off x="5311998" y="4077072"/>
+              <a:ext cx="2378099" cy="432048"/>
+            </a:xfrm>
+            <a:prstGeom prst="roundRect">
+              <a:avLst/>
+            </a:prstGeom>
+            <a:noFill/>
+            <a:ln w="57150">
+              <a:solidFill>
+                <a:srgbClr val="92D050"/>
+              </a:solidFill>
+            </a:ln>
+          </p:spPr>
+          <p:style>
+            <a:lnRef idx="2">
+              <a:schemeClr val="accent1">
+                <a:shade val="50000"/>
+              </a:schemeClr>
+            </a:lnRef>
+            <a:fillRef idx="1">
+              <a:schemeClr val="accent1"/>
+            </a:fillRef>
+            <a:effectRef idx="0">
+              <a:schemeClr val="accent1"/>
+            </a:effectRef>
+            <a:fontRef idx="minor">
+              <a:schemeClr val="lt1"/>
+            </a:fontRef>
+          </p:style>
+          <p:txBody>
+            <a:bodyPr rtlCol="0" anchor="ctr"/>
+            <a:lstStyle/>
+            <a:p>
+              <a:pPr algn="ctr"/>
+              <a:endParaRPr lang="en-US"/>
+            </a:p>
+          </p:txBody>
+        </p:sp>
+        <p:sp>
+          <p:nvSpPr>
+            <p:cNvPr id="15" name="Rounded Rectangle 14"/>
+            <p:cNvSpPr/>
+            <p:nvPr/>
+          </p:nvSpPr>
+          <p:spPr>
+            <a:xfrm>
+              <a:off x="5337076" y="2276872"/>
+              <a:ext cx="2378099" cy="432048"/>
+            </a:xfrm>
+            <a:prstGeom prst="roundRect">
+              <a:avLst/>
+            </a:prstGeom>
+            <a:noFill/>
+            <a:ln w="57150">
+              <a:solidFill>
+                <a:srgbClr val="FF0000"/>
+              </a:solidFill>
+            </a:ln>
+          </p:spPr>
+          <p:style>
+            <a:lnRef idx="2">
+              <a:schemeClr val="accent1">
+                <a:shade val="50000"/>
+              </a:schemeClr>
+            </a:lnRef>
+            <a:fillRef idx="1">
+              <a:schemeClr val="accent1"/>
+            </a:fillRef>
+            <a:effectRef idx="0">
+              <a:schemeClr val="accent1"/>
+            </a:effectRef>
+            <a:fontRef idx="minor">
+              <a:schemeClr val="lt1"/>
+            </a:fontRef>
+          </p:style>
+          <p:txBody>
+            <a:bodyPr rtlCol="0" anchor="ctr"/>
+            <a:lstStyle/>
+            <a:p>
+              <a:pPr algn="ctr"/>
+              <a:endParaRPr lang="en-US"/>
+            </a:p>
+          </p:txBody>
+        </p:sp>
+        <p:sp>
+          <p:nvSpPr>
+            <p:cNvPr id="16" name="Rounded Rectangle 15"/>
+            <p:cNvSpPr/>
+            <p:nvPr/>
+          </p:nvSpPr>
+          <p:spPr>
+            <a:xfrm>
+              <a:off x="5311997" y="4581128"/>
+              <a:ext cx="2378099" cy="720080"/>
+            </a:xfrm>
+            <a:prstGeom prst="roundRect">
+              <a:avLst/>
+            </a:prstGeom>
+            <a:noFill/>
+            <a:ln w="57150">
+              <a:solidFill>
+                <a:srgbClr val="FF0000"/>
+              </a:solidFill>
+            </a:ln>
+          </p:spPr>
+          <p:style>
+            <a:lnRef idx="2">
+              <a:schemeClr val="accent1">
+                <a:shade val="50000"/>
+              </a:schemeClr>
+            </a:lnRef>
+            <a:fillRef idx="1">
+              <a:schemeClr val="accent1"/>
+            </a:fillRef>
+            <a:effectRef idx="0">
+              <a:schemeClr val="accent1"/>
+            </a:effectRef>
+            <a:fontRef idx="minor">
+              <a:schemeClr val="lt1"/>
+            </a:fontRef>
+          </p:style>
+          <p:txBody>
+            <a:bodyPr rtlCol="0" anchor="ctr"/>
+            <a:lstStyle/>
+            <a:p>
+              <a:pPr algn="ctr"/>
+              <a:endParaRPr lang="en-US"/>
+            </a:p>
+          </p:txBody>
+        </p:sp>
+        <p:sp>
+          <p:nvSpPr>
+            <p:cNvPr id="17" name="Rounded Rectangle 16"/>
+            <p:cNvSpPr/>
+            <p:nvPr/>
+          </p:nvSpPr>
+          <p:spPr>
+            <a:xfrm>
+              <a:off x="2452910" y="3511651"/>
+              <a:ext cx="2754214" cy="1429517"/>
+            </a:xfrm>
+            <a:prstGeom prst="roundRect">
+              <a:avLst/>
+            </a:prstGeom>
+            <a:noFill/>
+            <a:ln w="57150">
+              <a:solidFill>
+                <a:srgbClr val="FF0000"/>
+              </a:solidFill>
+            </a:ln>
+          </p:spPr>
+          <p:style>
+            <a:lnRef idx="2">
+              <a:schemeClr val="accent1">
+                <a:shade val="50000"/>
+              </a:schemeClr>
+            </a:lnRef>
+            <a:fillRef idx="1">
+              <a:schemeClr val="accent1"/>
+            </a:fillRef>
+            <a:effectRef idx="0">
+              <a:schemeClr val="accent1"/>
+            </a:effectRef>
+            <a:fontRef idx="minor">
+              <a:schemeClr val="lt1"/>
+            </a:fontRef>
+          </p:style>
+          <p:txBody>
+            <a:bodyPr rtlCol="0" anchor="ctr"/>
+            <a:lstStyle/>
+            <a:p>
+              <a:pPr algn="ctr"/>
+              <a:endParaRPr lang="en-US"/>
+            </a:p>
+          </p:txBody>
+        </p:sp>
+        <p:sp>
+          <p:nvSpPr>
+            <p:cNvPr id="18" name="Rounded Rectangle 17"/>
+            <p:cNvSpPr/>
+            <p:nvPr/>
+          </p:nvSpPr>
+          <p:spPr>
+            <a:xfrm>
+              <a:off x="1531293" y="6379890"/>
+              <a:ext cx="6192688" cy="432048"/>
+            </a:xfrm>
+            <a:prstGeom prst="roundRect">
+              <a:avLst/>
+            </a:prstGeom>
+            <a:noFill/>
+            <a:ln w="57150">
+              <a:solidFill>
+                <a:srgbClr val="FF0000"/>
+              </a:solidFill>
+            </a:ln>
+          </p:spPr>
+          <p:style>
+            <a:lnRef idx="2">
+              <a:schemeClr val="accent1">
+                <a:shade val="50000"/>
+              </a:schemeClr>
+            </a:lnRef>
+            <a:fillRef idx="1">
+              <a:schemeClr val="accent1"/>
+            </a:fillRef>
+            <a:effectRef idx="0">
+              <a:schemeClr val="accent1"/>
+            </a:effectRef>
+            <a:fontRef idx="minor">
+              <a:schemeClr val="lt1"/>
+            </a:fontRef>
+          </p:style>
+          <p:txBody>
+            <a:bodyPr rtlCol="0" anchor="ctr"/>
+            <a:lstStyle/>
+            <a:p>
+              <a:pPr algn="ctr"/>
+              <a:endParaRPr lang="en-US"/>
+            </a:p>
+          </p:txBody>
+        </p:sp>
+      </p:grpSp>
     </p:spTree>
     <p:extLst>
       <p:ext uri="{BB962C8B-B14F-4D97-AF65-F5344CB8AC3E}">
@@ -17815,16 +17467,11 @@
           <a:bodyPr/>
           <a:lstStyle/>
           <a:p>
-            <a:pPr eaLnBrk="1" hangingPunct="1">
-              <a:defRPr/>
-            </a:pPr>
-            <a:r>
-              <a:rPr lang="en-US" altLang="zh-TW" smtClean="0">
-                <a:latin typeface="Times New Roman" charset="0"/>
-                <a:ea typeface="新細明體" charset="-120"/>
-              </a:rPr>
+            <a:r>
+              <a:rPr lang="en-US" altLang="zh-TW" smtClean="0"/>
               <a:t>Include</a:t>
             </a:r>
+            <a:endParaRPr lang="en-US" altLang="zh-TW" smtClean="0"/>
           </a:p>
         </p:txBody>
       </p:sp>
@@ -17843,40 +17490,29 @@
           <a:bodyPr/>
           <a:lstStyle/>
           <a:p>
-            <a:pPr eaLnBrk="1" hangingPunct="1"/>
-            <a:r>
-              <a:rPr lang="en-US" altLang="zh-TW" smtClean="0">
-                <a:ea typeface="新細明體" pitchFamily="18" charset="-120"/>
-              </a:rPr>
+            <a:r>
+              <a:rPr lang="en-US" altLang="zh-TW" smtClean="0"/>
               <a:t>identical in every way with require() except how they handle failure. include() produces a Warning but not stop the php while require() results in a Fatal Error and stop the php</a:t>
             </a:r>
           </a:p>
           <a:p>
-            <a:pPr eaLnBrk="1" hangingPunct="1"/>
-            <a:r>
-              <a:rPr lang="en-US" altLang="zh-TW" smtClean="0">
-                <a:ea typeface="新細明體" pitchFamily="18" charset="-120"/>
-              </a:rPr>
+            <a:r>
+              <a:rPr lang="en-US" altLang="zh-TW" smtClean="0"/>
               <a:t>Include() can be used in a loop for repeating the function</a:t>
             </a:r>
           </a:p>
           <a:p>
-            <a:pPr eaLnBrk="1" hangingPunct="1"/>
-            <a:r>
-              <a:rPr lang="en-US" altLang="zh-TW" smtClean="0">
-                <a:ea typeface="新細明體" pitchFamily="18" charset="-120"/>
-              </a:rPr>
+            <a:r>
+              <a:rPr lang="en-US" altLang="zh-TW" smtClean="0"/>
               <a:t>See include.php, a.inc, b.inc, c.inc</a:t>
             </a:r>
           </a:p>
           <a:p>
-            <a:pPr eaLnBrk="1" hangingPunct="1"/>
-            <a:r>
-              <a:rPr lang="en-US" altLang="zh-TW" smtClean="0">
-                <a:ea typeface="新細明體" pitchFamily="18" charset="-120"/>
-              </a:rPr>
+            <a:r>
+              <a:rPr lang="en-US" altLang="zh-TW" smtClean="0"/>
               <a:t>Template folder</a:t>
             </a:r>
+            <a:endParaRPr lang="en-US" altLang="zh-TW" smtClean="0"/>
           </a:p>
         </p:txBody>
       </p:sp>
